--- a/Tax Revenue Dashboard - Final.pptx
+++ b/Tax Revenue Dashboard - Final.pptx
@@ -5,7 +5,7 @@
     <p:sldMasterId id="2147483648" r:id="rId1"/>
   </p:sldMasterIdLst>
   <p:notesMasterIdLst>
-    <p:notesMasterId r:id="rId17"/>
+    <p:notesMasterId r:id="rId18"/>
   </p:notesMasterIdLst>
   <p:sldIdLst>
     <p:sldId id="256" r:id="rId2"/>
@@ -17,12 +17,13 @@
     <p:sldId id="274" r:id="rId8"/>
     <p:sldId id="260" r:id="rId9"/>
     <p:sldId id="261" r:id="rId10"/>
-    <p:sldId id="270" r:id="rId11"/>
-    <p:sldId id="269" r:id="rId12"/>
-    <p:sldId id="273" r:id="rId13"/>
+    <p:sldId id="273" r:id="rId11"/>
+    <p:sldId id="279" r:id="rId12"/>
+    <p:sldId id="280" r:id="rId13"/>
     <p:sldId id="275" r:id="rId14"/>
-    <p:sldId id="262" r:id="rId15"/>
-    <p:sldId id="277" r:id="rId16"/>
+    <p:sldId id="278" r:id="rId15"/>
+    <p:sldId id="262" r:id="rId16"/>
+    <p:sldId id="277" r:id="rId17"/>
   </p:sldIdLst>
   <p:sldSz cx="12192000" cy="6858000"/>
   <p:notesSz cx="6858000" cy="9144000"/>
@@ -132,10 +133,1036 @@
 <file path=ppt/revisionInfo.xml><?xml version="1.0" encoding="utf-8"?>
 <p1510:revInfo xmlns:a="http://schemas.openxmlformats.org/drawingml/2006/main" xmlns:r="http://schemas.openxmlformats.org/officeDocument/2006/relationships" xmlns:p1510="http://schemas.microsoft.com/office/powerpoint/2015/10/main">
   <p1510:revLst>
-    <p1510:client id="{448F9DF8-4D9D-4717-9219-BC6F987D27B5}" v="72" dt="2021-11-29T18:41:10.454"/>
-    <p1510:client id="{617F754E-920D-4B69-9924-FB3B5D7EC435}" v="10" dt="2021-11-29T17:00:24.197"/>
+    <p1510:client id="{58638C4D-6A44-4B87-B7D1-A7AD935456B9}" v="136" dt="2023-03-09T18:57:33.568"/>
   </p1510:revLst>
 </p1510:revInfo>
+</file>
+
+<file path=ppt/changesInfos/changesInfo1.xml><?xml version="1.0" encoding="utf-8"?>
+<pc:chgInfo xmlns:a="http://schemas.openxmlformats.org/drawingml/2006/main" xmlns:r="http://schemas.openxmlformats.org/officeDocument/2006/relationships" xmlns:ac="http://schemas.microsoft.com/office/drawing/2013/main/command" xmlns:pc="http://schemas.microsoft.com/office/powerpoint/2013/main/command">
+  <pc:docChgLst>
+    <pc:chgData name="Nikhil Subhash Brahmankar" userId="96de4612-57b8-4dff-a4b2-dd0fad9b0b98" providerId="ADAL" clId="{58638C4D-6A44-4B87-B7D1-A7AD935456B9}"/>
+    <pc:docChg chg="undo redo custSel addSld delSld modSld">
+      <pc:chgData name="Nikhil Subhash Brahmankar" userId="96de4612-57b8-4dff-a4b2-dd0fad9b0b98" providerId="ADAL" clId="{58638C4D-6A44-4B87-B7D1-A7AD935456B9}" dt="2023-03-09T18:57:33.568" v="4570" actId="14100"/>
+      <pc:docMkLst>
+        <pc:docMk/>
+      </pc:docMkLst>
+      <pc:sldChg chg="modSp mod">
+        <pc:chgData name="Nikhil Subhash Brahmankar" userId="96de4612-57b8-4dff-a4b2-dd0fad9b0b98" providerId="ADAL" clId="{58638C4D-6A44-4B87-B7D1-A7AD935456B9}" dt="2022-05-03T01:56:22.494" v="80" actId="1076"/>
+        <pc:sldMkLst>
+          <pc:docMk/>
+          <pc:sldMk cId="238569183" sldId="256"/>
+        </pc:sldMkLst>
+        <pc:spChg chg="mod">
+          <ac:chgData name="Nikhil Subhash Brahmankar" userId="96de4612-57b8-4dff-a4b2-dd0fad9b0b98" providerId="ADAL" clId="{58638C4D-6A44-4B87-B7D1-A7AD935456B9}" dt="2022-05-03T01:55:29.215" v="74" actId="1076"/>
+          <ac:spMkLst>
+            <pc:docMk/>
+            <pc:sldMk cId="238569183" sldId="256"/>
+            <ac:spMk id="2" creationId="{7894EE26-2C5A-4FB8-847A-42D8F6DA4098}"/>
+          </ac:spMkLst>
+        </pc:spChg>
+        <pc:spChg chg="mod">
+          <ac:chgData name="Nikhil Subhash Brahmankar" userId="96de4612-57b8-4dff-a4b2-dd0fad9b0b98" providerId="ADAL" clId="{58638C4D-6A44-4B87-B7D1-A7AD935456B9}" dt="2022-05-03T01:56:22.494" v="80" actId="1076"/>
+          <ac:spMkLst>
+            <pc:docMk/>
+            <pc:sldMk cId="238569183" sldId="256"/>
+            <ac:spMk id="3" creationId="{CA1ECDB1-3063-445B-9D19-A45A22DBC252}"/>
+          </ac:spMkLst>
+        </pc:spChg>
+      </pc:sldChg>
+      <pc:sldChg chg="addSp delSp modSp mod">
+        <pc:chgData name="Nikhil Subhash Brahmankar" userId="96de4612-57b8-4dff-a4b2-dd0fad9b0b98" providerId="ADAL" clId="{58638C4D-6A44-4B87-B7D1-A7AD935456B9}" dt="2023-03-09T17:05:44.597" v="4080" actId="14100"/>
+        <pc:sldMkLst>
+          <pc:docMk/>
+          <pc:sldMk cId="2575023049" sldId="258"/>
+        </pc:sldMkLst>
+        <pc:spChg chg="mod">
+          <ac:chgData name="Nikhil Subhash Brahmankar" userId="96de4612-57b8-4dff-a4b2-dd0fad9b0b98" providerId="ADAL" clId="{58638C4D-6A44-4B87-B7D1-A7AD935456B9}" dt="2023-03-09T16:02:23.005" v="2558" actId="122"/>
+          <ac:spMkLst>
+            <pc:docMk/>
+            <pc:sldMk cId="2575023049" sldId="258"/>
+            <ac:spMk id="2" creationId="{4D4F4F8C-82C7-4A75-BDDE-C1B760C2C9DD}"/>
+          </ac:spMkLst>
+        </pc:spChg>
+        <pc:spChg chg="mod">
+          <ac:chgData name="Nikhil Subhash Brahmankar" userId="96de4612-57b8-4dff-a4b2-dd0fad9b0b98" providerId="ADAL" clId="{58638C4D-6A44-4B87-B7D1-A7AD935456B9}" dt="2023-03-09T17:05:44.597" v="4080" actId="14100"/>
+          <ac:spMkLst>
+            <pc:docMk/>
+            <pc:sldMk cId="2575023049" sldId="258"/>
+            <ac:spMk id="9" creationId="{6A02CD96-D376-4809-9E95-EDF84909A920}"/>
+          </ac:spMkLst>
+        </pc:spChg>
+        <pc:picChg chg="add mod ord">
+          <ac:chgData name="Nikhil Subhash Brahmankar" userId="96de4612-57b8-4dff-a4b2-dd0fad9b0b98" providerId="ADAL" clId="{58638C4D-6A44-4B87-B7D1-A7AD935456B9}" dt="2023-01-03T14:58:57.956" v="1974" actId="171"/>
+          <ac:picMkLst>
+            <pc:docMk/>
+            <pc:sldMk cId="2575023049" sldId="258"/>
+            <ac:picMk id="4" creationId="{C0DB87B7-B3BF-4E28-95E7-EF5C1C522EFD}"/>
+          </ac:picMkLst>
+        </pc:picChg>
+        <pc:picChg chg="del">
+          <ac:chgData name="Nikhil Subhash Brahmankar" userId="96de4612-57b8-4dff-a4b2-dd0fad9b0b98" providerId="ADAL" clId="{58638C4D-6A44-4B87-B7D1-A7AD935456B9}" dt="2023-01-03T14:58:26.934" v="1968" actId="478"/>
+          <ac:picMkLst>
+            <pc:docMk/>
+            <pc:sldMk cId="2575023049" sldId="258"/>
+            <ac:picMk id="5" creationId="{8C085386-A860-4F2D-81B1-2B15B4C52626}"/>
+          </ac:picMkLst>
+        </pc:picChg>
+        <pc:cxnChg chg="mod">
+          <ac:chgData name="Nikhil Subhash Brahmankar" userId="96de4612-57b8-4dff-a4b2-dd0fad9b0b98" providerId="ADAL" clId="{58638C4D-6A44-4B87-B7D1-A7AD935456B9}" dt="2023-01-03T14:59:53.260" v="1985" actId="14100"/>
+          <ac:cxnSpMkLst>
+            <pc:docMk/>
+            <pc:sldMk cId="2575023049" sldId="258"/>
+            <ac:cxnSpMk id="7" creationId="{14174147-5014-45C8-A5C8-C2BF5BB48D01}"/>
+          </ac:cxnSpMkLst>
+        </pc:cxnChg>
+        <pc:cxnChg chg="mod">
+          <ac:chgData name="Nikhil Subhash Brahmankar" userId="96de4612-57b8-4dff-a4b2-dd0fad9b0b98" providerId="ADAL" clId="{58638C4D-6A44-4B87-B7D1-A7AD935456B9}" dt="2023-01-03T15:00:10.827" v="1986" actId="14100"/>
+          <ac:cxnSpMkLst>
+            <pc:docMk/>
+            <pc:sldMk cId="2575023049" sldId="258"/>
+            <ac:cxnSpMk id="12" creationId="{01D71F19-4418-40CE-AA18-0522C5ED5032}"/>
+          </ac:cxnSpMkLst>
+        </pc:cxnChg>
+      </pc:sldChg>
+      <pc:sldChg chg="addSp delSp modSp mod">
+        <pc:chgData name="Nikhil Subhash Brahmankar" userId="96de4612-57b8-4dff-a4b2-dd0fad9b0b98" providerId="ADAL" clId="{58638C4D-6A44-4B87-B7D1-A7AD935456B9}" dt="2023-03-09T17:05:35.267" v="4078" actId="14100"/>
+        <pc:sldMkLst>
+          <pc:docMk/>
+          <pc:sldMk cId="4027866235" sldId="259"/>
+        </pc:sldMkLst>
+        <pc:spChg chg="mod">
+          <ac:chgData name="Nikhil Subhash Brahmankar" userId="96de4612-57b8-4dff-a4b2-dd0fad9b0b98" providerId="ADAL" clId="{58638C4D-6A44-4B87-B7D1-A7AD935456B9}" dt="2023-03-09T16:02:36.077" v="2560" actId="122"/>
+          <ac:spMkLst>
+            <pc:docMk/>
+            <pc:sldMk cId="4027866235" sldId="259"/>
+            <ac:spMk id="2" creationId="{4D4F4F8C-82C7-4A75-BDDE-C1B760C2C9DD}"/>
+          </ac:spMkLst>
+        </pc:spChg>
+        <pc:spChg chg="mod">
+          <ac:chgData name="Nikhil Subhash Brahmankar" userId="96de4612-57b8-4dff-a4b2-dd0fad9b0b98" providerId="ADAL" clId="{58638C4D-6A44-4B87-B7D1-A7AD935456B9}" dt="2023-03-09T16:04:32.596" v="2594" actId="1036"/>
+          <ac:spMkLst>
+            <pc:docMk/>
+            <pc:sldMk cId="4027866235" sldId="259"/>
+            <ac:spMk id="8" creationId="{1F605525-F806-4117-80FB-013F0A6E3D01}"/>
+          </ac:spMkLst>
+        </pc:spChg>
+        <pc:spChg chg="mod">
+          <ac:chgData name="Nikhil Subhash Brahmankar" userId="96de4612-57b8-4dff-a4b2-dd0fad9b0b98" providerId="ADAL" clId="{58638C4D-6A44-4B87-B7D1-A7AD935456B9}" dt="2023-03-09T17:05:35.267" v="4078" actId="14100"/>
+          <ac:spMkLst>
+            <pc:docMk/>
+            <pc:sldMk cId="4027866235" sldId="259"/>
+            <ac:spMk id="9" creationId="{6A02CD96-D376-4809-9E95-EDF84909A920}"/>
+          </ac:spMkLst>
+        </pc:spChg>
+        <pc:spChg chg="mod">
+          <ac:chgData name="Nikhil Subhash Brahmankar" userId="96de4612-57b8-4dff-a4b2-dd0fad9b0b98" providerId="ADAL" clId="{58638C4D-6A44-4B87-B7D1-A7AD935456B9}" dt="2023-03-09T16:04:32.596" v="2594" actId="1036"/>
+          <ac:spMkLst>
+            <pc:docMk/>
+            <pc:sldMk cId="4027866235" sldId="259"/>
+            <ac:spMk id="12" creationId="{4CCEAA74-58E1-4164-9E47-4F49D0C72B79}"/>
+          </ac:spMkLst>
+        </pc:spChg>
+        <pc:spChg chg="mod">
+          <ac:chgData name="Nikhil Subhash Brahmankar" userId="96de4612-57b8-4dff-a4b2-dd0fad9b0b98" providerId="ADAL" clId="{58638C4D-6A44-4B87-B7D1-A7AD935456B9}" dt="2023-03-09T16:04:32.596" v="2594" actId="1036"/>
+          <ac:spMkLst>
+            <pc:docMk/>
+            <pc:sldMk cId="4027866235" sldId="259"/>
+            <ac:spMk id="43" creationId="{BFCF1596-5153-4BDE-9B5F-27A04A219FDB}"/>
+          </ac:spMkLst>
+        </pc:spChg>
+        <pc:picChg chg="del">
+          <ac:chgData name="Nikhil Subhash Brahmankar" userId="96de4612-57b8-4dff-a4b2-dd0fad9b0b98" providerId="ADAL" clId="{58638C4D-6A44-4B87-B7D1-A7AD935456B9}" dt="2023-01-03T15:04:15.537" v="2003" actId="478"/>
+          <ac:picMkLst>
+            <pc:docMk/>
+            <pc:sldMk cId="4027866235" sldId="259"/>
+            <ac:picMk id="4" creationId="{AEC98317-CA4A-4752-A454-30AE958F6753}"/>
+          </ac:picMkLst>
+        </pc:picChg>
+        <pc:picChg chg="add del mod">
+          <ac:chgData name="Nikhil Subhash Brahmankar" userId="96de4612-57b8-4dff-a4b2-dd0fad9b0b98" providerId="ADAL" clId="{58638C4D-6A44-4B87-B7D1-A7AD935456B9}" dt="2023-01-03T15:03:12.598" v="2000" actId="478"/>
+          <ac:picMkLst>
+            <pc:docMk/>
+            <pc:sldMk cId="4027866235" sldId="259"/>
+            <ac:picMk id="5" creationId="{28AC5863-59C6-4CAA-9294-91D1540098D2}"/>
+          </ac:picMkLst>
+        </pc:picChg>
+        <pc:picChg chg="del">
+          <ac:chgData name="Nikhil Subhash Brahmankar" userId="96de4612-57b8-4dff-a4b2-dd0fad9b0b98" providerId="ADAL" clId="{58638C4D-6A44-4B87-B7D1-A7AD935456B9}" dt="2023-01-03T15:05:41.924" v="2028" actId="478"/>
+          <ac:picMkLst>
+            <pc:docMk/>
+            <pc:sldMk cId="4027866235" sldId="259"/>
+            <ac:picMk id="7" creationId="{10B3863E-7F9F-4709-8045-A59DABDA9634}"/>
+          </ac:picMkLst>
+        </pc:picChg>
+        <pc:picChg chg="add mod ord">
+          <ac:chgData name="Nikhil Subhash Brahmankar" userId="96de4612-57b8-4dff-a4b2-dd0fad9b0b98" providerId="ADAL" clId="{58638C4D-6A44-4B87-B7D1-A7AD935456B9}" dt="2023-03-09T16:04:32.596" v="2594" actId="1036"/>
+          <ac:picMkLst>
+            <pc:docMk/>
+            <pc:sldMk cId="4027866235" sldId="259"/>
+            <ac:picMk id="10" creationId="{582918F4-D595-4CBB-BE65-E2345C0A4571}"/>
+          </ac:picMkLst>
+        </pc:picChg>
+        <pc:picChg chg="add mod ord">
+          <ac:chgData name="Nikhil Subhash Brahmankar" userId="96de4612-57b8-4dff-a4b2-dd0fad9b0b98" providerId="ADAL" clId="{58638C4D-6A44-4B87-B7D1-A7AD935456B9}" dt="2023-03-09T16:04:32.596" v="2594" actId="1036"/>
+          <ac:picMkLst>
+            <pc:docMk/>
+            <pc:sldMk cId="4027866235" sldId="259"/>
+            <ac:picMk id="14" creationId="{04446E76-E60A-4153-8105-E46C6B435903}"/>
+          </ac:picMkLst>
+        </pc:picChg>
+        <pc:cxnChg chg="mod">
+          <ac:chgData name="Nikhil Subhash Brahmankar" userId="96de4612-57b8-4dff-a4b2-dd0fad9b0b98" providerId="ADAL" clId="{58638C4D-6A44-4B87-B7D1-A7AD935456B9}" dt="2023-03-09T16:04:32.596" v="2594" actId="1036"/>
+          <ac:cxnSpMkLst>
+            <pc:docMk/>
+            <pc:sldMk cId="4027866235" sldId="259"/>
+            <ac:cxnSpMk id="11" creationId="{790851E8-B24F-4271-A492-AA766E7A371C}"/>
+          </ac:cxnSpMkLst>
+        </pc:cxnChg>
+        <pc:cxnChg chg="mod">
+          <ac:chgData name="Nikhil Subhash Brahmankar" userId="96de4612-57b8-4dff-a4b2-dd0fad9b0b98" providerId="ADAL" clId="{58638C4D-6A44-4B87-B7D1-A7AD935456B9}" dt="2023-03-09T16:04:32.596" v="2594" actId="1036"/>
+          <ac:cxnSpMkLst>
+            <pc:docMk/>
+            <pc:sldMk cId="4027866235" sldId="259"/>
+            <ac:cxnSpMk id="37" creationId="{F07E4FB5-5431-41F7-822F-80DE62F6CDED}"/>
+          </ac:cxnSpMkLst>
+        </pc:cxnChg>
+        <pc:cxnChg chg="mod">
+          <ac:chgData name="Nikhil Subhash Brahmankar" userId="96de4612-57b8-4dff-a4b2-dd0fad9b0b98" providerId="ADAL" clId="{58638C4D-6A44-4B87-B7D1-A7AD935456B9}" dt="2023-03-09T16:04:32.596" v="2594" actId="1036"/>
+          <ac:cxnSpMkLst>
+            <pc:docMk/>
+            <pc:sldMk cId="4027866235" sldId="259"/>
+            <ac:cxnSpMk id="41" creationId="{E47B57EE-3FBA-4DD1-8C9A-D21A4A5C0AF0}"/>
+          </ac:cxnSpMkLst>
+        </pc:cxnChg>
+        <pc:cxnChg chg="mod">
+          <ac:chgData name="Nikhil Subhash Brahmankar" userId="96de4612-57b8-4dff-a4b2-dd0fad9b0b98" providerId="ADAL" clId="{58638C4D-6A44-4B87-B7D1-A7AD935456B9}" dt="2023-03-09T16:04:32.596" v="2594" actId="1036"/>
+          <ac:cxnSpMkLst>
+            <pc:docMk/>
+            <pc:sldMk cId="4027866235" sldId="259"/>
+            <ac:cxnSpMk id="44" creationId="{8374FEE7-227C-4615-B733-35B676DBDFE4}"/>
+          </ac:cxnSpMkLst>
+        </pc:cxnChg>
+      </pc:sldChg>
+      <pc:sldChg chg="addSp delSp modSp mod">
+        <pc:chgData name="Nikhil Subhash Brahmankar" userId="96de4612-57b8-4dff-a4b2-dd0fad9b0b98" providerId="ADAL" clId="{58638C4D-6A44-4B87-B7D1-A7AD935456B9}" dt="2023-03-09T17:05:12.459" v="4074" actId="14100"/>
+        <pc:sldMkLst>
+          <pc:docMk/>
+          <pc:sldMk cId="4077212009" sldId="260"/>
+        </pc:sldMkLst>
+        <pc:spChg chg="mod">
+          <ac:chgData name="Nikhil Subhash Brahmankar" userId="96de4612-57b8-4dff-a4b2-dd0fad9b0b98" providerId="ADAL" clId="{58638C4D-6A44-4B87-B7D1-A7AD935456B9}" dt="2023-03-09T16:01:58.372" v="2554" actId="122"/>
+          <ac:spMkLst>
+            <pc:docMk/>
+            <pc:sldMk cId="4077212009" sldId="260"/>
+            <ac:spMk id="2" creationId="{4D4F4F8C-82C7-4A75-BDDE-C1B760C2C9DD}"/>
+          </ac:spMkLst>
+        </pc:spChg>
+        <pc:spChg chg="mod">
+          <ac:chgData name="Nikhil Subhash Brahmankar" userId="96de4612-57b8-4dff-a4b2-dd0fad9b0b98" providerId="ADAL" clId="{58638C4D-6A44-4B87-B7D1-A7AD935456B9}" dt="2023-01-03T14:47:07.800" v="1690" actId="1037"/>
+          <ac:spMkLst>
+            <pc:docMk/>
+            <pc:sldMk cId="4077212009" sldId="260"/>
+            <ac:spMk id="7" creationId="{1D659583-B7F7-47C1-9A32-15E405E4BA54}"/>
+          </ac:spMkLst>
+        </pc:spChg>
+        <pc:spChg chg="mod">
+          <ac:chgData name="Nikhil Subhash Brahmankar" userId="96de4612-57b8-4dff-a4b2-dd0fad9b0b98" providerId="ADAL" clId="{58638C4D-6A44-4B87-B7D1-A7AD935456B9}" dt="2023-03-09T17:05:12.459" v="4074" actId="14100"/>
+          <ac:spMkLst>
+            <pc:docMk/>
+            <pc:sldMk cId="4077212009" sldId="260"/>
+            <ac:spMk id="9" creationId="{6A02CD96-D376-4809-9E95-EDF84909A920}"/>
+          </ac:spMkLst>
+        </pc:spChg>
+        <pc:spChg chg="mod">
+          <ac:chgData name="Nikhil Subhash Brahmankar" userId="96de4612-57b8-4dff-a4b2-dd0fad9b0b98" providerId="ADAL" clId="{58638C4D-6A44-4B87-B7D1-A7AD935456B9}" dt="2023-01-03T14:46:20.224" v="1605" actId="1035"/>
+          <ac:spMkLst>
+            <pc:docMk/>
+            <pc:sldMk cId="4077212009" sldId="260"/>
+            <ac:spMk id="16" creationId="{C2BEBE69-A2C8-4205-B6F3-555D3DF054CD}"/>
+          </ac:spMkLst>
+        </pc:spChg>
+        <pc:spChg chg="mod">
+          <ac:chgData name="Nikhil Subhash Brahmankar" userId="96de4612-57b8-4dff-a4b2-dd0fad9b0b98" providerId="ADAL" clId="{58638C4D-6A44-4B87-B7D1-A7AD935456B9}" dt="2023-01-03T14:50:21.290" v="1922" actId="1076"/>
+          <ac:spMkLst>
+            <pc:docMk/>
+            <pc:sldMk cId="4077212009" sldId="260"/>
+            <ac:spMk id="33" creationId="{199F25DA-5509-4563-8691-1FBB68BD2CD1}"/>
+          </ac:spMkLst>
+        </pc:spChg>
+        <pc:grpChg chg="add mod">
+          <ac:chgData name="Nikhil Subhash Brahmankar" userId="96de4612-57b8-4dff-a4b2-dd0fad9b0b98" providerId="ADAL" clId="{58638C4D-6A44-4B87-B7D1-A7AD935456B9}" dt="2023-01-03T14:48:38.258" v="1858" actId="1036"/>
+          <ac:grpSpMkLst>
+            <pc:docMk/>
+            <pc:sldMk cId="4077212009" sldId="260"/>
+            <ac:grpSpMk id="32" creationId="{7B051E5C-2E82-4853-AC09-7AC1145BD71C}"/>
+          </ac:grpSpMkLst>
+        </pc:grpChg>
+        <pc:picChg chg="add del mod ord">
+          <ac:chgData name="Nikhil Subhash Brahmankar" userId="96de4612-57b8-4dff-a4b2-dd0fad9b0b98" providerId="ADAL" clId="{58638C4D-6A44-4B87-B7D1-A7AD935456B9}" dt="2023-01-03T14:28:25.503" v="1536" actId="478"/>
+          <ac:picMkLst>
+            <pc:docMk/>
+            <pc:sldMk cId="4077212009" sldId="260"/>
+            <ac:picMk id="4" creationId="{4A6399B0-0C3A-4907-BF15-5D864E1DFEDB}"/>
+          </ac:picMkLst>
+        </pc:picChg>
+        <pc:picChg chg="del">
+          <ac:chgData name="Nikhil Subhash Brahmankar" userId="96de4612-57b8-4dff-a4b2-dd0fad9b0b98" providerId="ADAL" clId="{58638C4D-6A44-4B87-B7D1-A7AD935456B9}" dt="2023-01-03T14:24:03.623" v="1421" actId="478"/>
+          <ac:picMkLst>
+            <pc:docMk/>
+            <pc:sldMk cId="4077212009" sldId="260"/>
+            <ac:picMk id="5" creationId="{E41303CE-9AAC-4C42-8AA3-CF987D6A4FA3}"/>
+          </ac:picMkLst>
+        </pc:picChg>
+        <pc:picChg chg="add del mod ord">
+          <ac:chgData name="Nikhil Subhash Brahmankar" userId="96de4612-57b8-4dff-a4b2-dd0fad9b0b98" providerId="ADAL" clId="{58638C4D-6A44-4B87-B7D1-A7AD935456B9}" dt="2023-01-03T14:32:29.060" v="1544" actId="478"/>
+          <ac:picMkLst>
+            <pc:docMk/>
+            <pc:sldMk cId="4077212009" sldId="260"/>
+            <ac:picMk id="10" creationId="{35D827E3-7E5D-4E80-95C7-EC1C2D8B8097}"/>
+          </ac:picMkLst>
+        </pc:picChg>
+        <pc:picChg chg="add del mod">
+          <ac:chgData name="Nikhil Subhash Brahmankar" userId="96de4612-57b8-4dff-a4b2-dd0fad9b0b98" providerId="ADAL" clId="{58638C4D-6A44-4B87-B7D1-A7AD935456B9}" dt="2023-01-03T14:34:40.878" v="1552" actId="478"/>
+          <ac:picMkLst>
+            <pc:docMk/>
+            <pc:sldMk cId="4077212009" sldId="260"/>
+            <ac:picMk id="12" creationId="{B468F6D5-79D0-4955-8D2D-CA06E8B01252}"/>
+          </ac:picMkLst>
+        </pc:picChg>
+        <pc:picChg chg="add del mod ord">
+          <ac:chgData name="Nikhil Subhash Brahmankar" userId="96de4612-57b8-4dff-a4b2-dd0fad9b0b98" providerId="ADAL" clId="{58638C4D-6A44-4B87-B7D1-A7AD935456B9}" dt="2023-01-03T14:44:41.374" v="1570" actId="478"/>
+          <ac:picMkLst>
+            <pc:docMk/>
+            <pc:sldMk cId="4077212009" sldId="260"/>
+            <ac:picMk id="14" creationId="{0D456DD4-07BA-43A6-8466-D59B4BA72119}"/>
+          </ac:picMkLst>
+        </pc:picChg>
+        <pc:picChg chg="add mod ord">
+          <ac:chgData name="Nikhil Subhash Brahmankar" userId="96de4612-57b8-4dff-a4b2-dd0fad9b0b98" providerId="ADAL" clId="{58638C4D-6A44-4B87-B7D1-A7AD935456B9}" dt="2023-01-03T14:45:38.527" v="1583" actId="171"/>
+          <ac:picMkLst>
+            <pc:docMk/>
+            <pc:sldMk cId="4077212009" sldId="260"/>
+            <ac:picMk id="24" creationId="{3620F251-4E0A-4C7B-85B5-210B4A96AC78}"/>
+          </ac:picMkLst>
+        </pc:picChg>
+        <pc:cxnChg chg="mod">
+          <ac:chgData name="Nikhil Subhash Brahmankar" userId="96de4612-57b8-4dff-a4b2-dd0fad9b0b98" providerId="ADAL" clId="{58638C4D-6A44-4B87-B7D1-A7AD935456B9}" dt="2023-01-03T14:46:41.721" v="1635" actId="14100"/>
+          <ac:cxnSpMkLst>
+            <pc:docMk/>
+            <pc:sldMk cId="4077212009" sldId="260"/>
+            <ac:cxnSpMk id="17" creationId="{1148D3C7-C552-4545-AF61-4065960F5420}"/>
+          </ac:cxnSpMkLst>
+        </pc:cxnChg>
+        <pc:cxnChg chg="mod">
+          <ac:chgData name="Nikhil Subhash Brahmankar" userId="96de4612-57b8-4dff-a4b2-dd0fad9b0b98" providerId="ADAL" clId="{58638C4D-6A44-4B87-B7D1-A7AD935456B9}" dt="2023-01-03T14:47:43.290" v="1785" actId="14100"/>
+          <ac:cxnSpMkLst>
+            <pc:docMk/>
+            <pc:sldMk cId="4077212009" sldId="260"/>
+            <ac:cxnSpMk id="18" creationId="{1CF3EE27-80BE-494E-98AB-840EA8AE5BE6}"/>
+          </ac:cxnSpMkLst>
+        </pc:cxnChg>
+        <pc:cxnChg chg="mod">
+          <ac:chgData name="Nikhil Subhash Brahmankar" userId="96de4612-57b8-4dff-a4b2-dd0fad9b0b98" providerId="ADAL" clId="{58638C4D-6A44-4B87-B7D1-A7AD935456B9}" dt="2023-01-03T14:47:57.881" v="1787" actId="14100"/>
+          <ac:cxnSpMkLst>
+            <pc:docMk/>
+            <pc:sldMk cId="4077212009" sldId="260"/>
+            <ac:cxnSpMk id="20" creationId="{E8F70057-8B7A-4E3A-A045-4B7BF023ABAC}"/>
+          </ac:cxnSpMkLst>
+        </pc:cxnChg>
+        <pc:cxnChg chg="mod">
+          <ac:chgData name="Nikhil Subhash Brahmankar" userId="96de4612-57b8-4dff-a4b2-dd0fad9b0b98" providerId="ADAL" clId="{58638C4D-6A44-4B87-B7D1-A7AD935456B9}" dt="2023-01-03T14:49:42.106" v="1920" actId="14100"/>
+          <ac:cxnSpMkLst>
+            <pc:docMk/>
+            <pc:sldMk cId="4077212009" sldId="260"/>
+            <ac:cxnSpMk id="34" creationId="{7A1DC449-CFD6-495E-ADF8-3273A4580F87}"/>
+          </ac:cxnSpMkLst>
+        </pc:cxnChg>
+      </pc:sldChg>
+      <pc:sldChg chg="addSp delSp modSp mod">
+        <pc:chgData name="Nikhil Subhash Brahmankar" userId="96de4612-57b8-4dff-a4b2-dd0fad9b0b98" providerId="ADAL" clId="{58638C4D-6A44-4B87-B7D1-A7AD935456B9}" dt="2023-03-09T17:04:42.036" v="4071" actId="14100"/>
+        <pc:sldMkLst>
+          <pc:docMk/>
+          <pc:sldMk cId="1774013810" sldId="261"/>
+        </pc:sldMkLst>
+        <pc:spChg chg="mod">
+          <ac:chgData name="Nikhil Subhash Brahmankar" userId="96de4612-57b8-4dff-a4b2-dd0fad9b0b98" providerId="ADAL" clId="{58638C4D-6A44-4B87-B7D1-A7AD935456B9}" dt="2023-03-09T16:01:52.301" v="2552" actId="122"/>
+          <ac:spMkLst>
+            <pc:docMk/>
+            <pc:sldMk cId="1774013810" sldId="261"/>
+            <ac:spMk id="2" creationId="{4D4F4F8C-82C7-4A75-BDDE-C1B760C2C9DD}"/>
+          </ac:spMkLst>
+        </pc:spChg>
+        <pc:spChg chg="mod">
+          <ac:chgData name="Nikhil Subhash Brahmankar" userId="96de4612-57b8-4dff-a4b2-dd0fad9b0b98" providerId="ADAL" clId="{58638C4D-6A44-4B87-B7D1-A7AD935456B9}" dt="2023-03-09T17:04:42.036" v="4071" actId="14100"/>
+          <ac:spMkLst>
+            <pc:docMk/>
+            <pc:sldMk cId="1774013810" sldId="261"/>
+            <ac:spMk id="9" creationId="{6A02CD96-D376-4809-9E95-EDF84909A920}"/>
+          </ac:spMkLst>
+        </pc:spChg>
+        <pc:picChg chg="del">
+          <ac:chgData name="Nikhil Subhash Brahmankar" userId="96de4612-57b8-4dff-a4b2-dd0fad9b0b98" providerId="ADAL" clId="{58638C4D-6A44-4B87-B7D1-A7AD935456B9}" dt="2023-01-03T15:12:44.971" v="2116" actId="478"/>
+          <ac:picMkLst>
+            <pc:docMk/>
+            <pc:sldMk cId="1774013810" sldId="261"/>
+            <ac:picMk id="4" creationId="{B96E3100-1B38-42C1-A4D8-CEBBDD1CD6CE}"/>
+          </ac:picMkLst>
+        </pc:picChg>
+        <pc:picChg chg="add del">
+          <ac:chgData name="Nikhil Subhash Brahmankar" userId="96de4612-57b8-4dff-a4b2-dd0fad9b0b98" providerId="ADAL" clId="{58638C4D-6A44-4B87-B7D1-A7AD935456B9}" dt="2023-01-03T15:12:50.251" v="2118" actId="22"/>
+          <ac:picMkLst>
+            <pc:docMk/>
+            <pc:sldMk cId="1774013810" sldId="261"/>
+            <ac:picMk id="5" creationId="{AD1D6B58-7418-448E-A076-CE8EE97E49FE}"/>
+          </ac:picMkLst>
+        </pc:picChg>
+        <pc:picChg chg="add del mod">
+          <ac:chgData name="Nikhil Subhash Brahmankar" userId="96de4612-57b8-4dff-a4b2-dd0fad9b0b98" providerId="ADAL" clId="{58638C4D-6A44-4B87-B7D1-A7AD935456B9}" dt="2023-01-03T15:13:38.356" v="2123" actId="478"/>
+          <ac:picMkLst>
+            <pc:docMk/>
+            <pc:sldMk cId="1774013810" sldId="261"/>
+            <ac:picMk id="7" creationId="{7DB03EB0-1DB6-4E87-93FD-FF8D301BBAAE}"/>
+          </ac:picMkLst>
+        </pc:picChg>
+        <pc:picChg chg="add del mod">
+          <ac:chgData name="Nikhil Subhash Brahmankar" userId="96de4612-57b8-4dff-a4b2-dd0fad9b0b98" providerId="ADAL" clId="{58638C4D-6A44-4B87-B7D1-A7AD935456B9}" dt="2023-01-03T15:14:26.308" v="2126" actId="478"/>
+          <ac:picMkLst>
+            <pc:docMk/>
+            <pc:sldMk cId="1774013810" sldId="261"/>
+            <ac:picMk id="10" creationId="{05B30FF0-9F1F-4184-9600-B8EC0F045E41}"/>
+          </ac:picMkLst>
+        </pc:picChg>
+        <pc:picChg chg="add del mod">
+          <ac:chgData name="Nikhil Subhash Brahmankar" userId="96de4612-57b8-4dff-a4b2-dd0fad9b0b98" providerId="ADAL" clId="{58638C4D-6A44-4B87-B7D1-A7AD935456B9}" dt="2023-01-03T15:15:33.292" v="2129" actId="478"/>
+          <ac:picMkLst>
+            <pc:docMk/>
+            <pc:sldMk cId="1774013810" sldId="261"/>
+            <ac:picMk id="12" creationId="{D7AD84F7-FE84-4FC1-9DF8-0442201524AD}"/>
+          </ac:picMkLst>
+        </pc:picChg>
+        <pc:picChg chg="add mod">
+          <ac:chgData name="Nikhil Subhash Brahmankar" userId="96de4612-57b8-4dff-a4b2-dd0fad9b0b98" providerId="ADAL" clId="{58638C4D-6A44-4B87-B7D1-A7AD935456B9}" dt="2023-01-03T15:16:30.622" v="2152" actId="1036"/>
+          <ac:picMkLst>
+            <pc:docMk/>
+            <pc:sldMk cId="1774013810" sldId="261"/>
+            <ac:picMk id="14" creationId="{A37FFBE0-4A12-440B-95B9-F707AAC6A106}"/>
+          </ac:picMkLst>
+        </pc:picChg>
+      </pc:sldChg>
+      <pc:sldChg chg="addSp delSp modSp mod">
+        <pc:chgData name="Nikhil Subhash Brahmankar" userId="96de4612-57b8-4dff-a4b2-dd0fad9b0b98" providerId="ADAL" clId="{58638C4D-6A44-4B87-B7D1-A7AD935456B9}" dt="2023-03-09T17:06:11.821" v="4085" actId="14100"/>
+        <pc:sldMkLst>
+          <pc:docMk/>
+          <pc:sldMk cId="1661167256" sldId="265"/>
+        </pc:sldMkLst>
+        <pc:spChg chg="mod">
+          <ac:chgData name="Nikhil Subhash Brahmankar" userId="96de4612-57b8-4dff-a4b2-dd0fad9b0b98" providerId="ADAL" clId="{58638C4D-6A44-4B87-B7D1-A7AD935456B9}" dt="2023-03-09T16:02:14.398" v="2556" actId="122"/>
+          <ac:spMkLst>
+            <pc:docMk/>
+            <pc:sldMk cId="1661167256" sldId="265"/>
+            <ac:spMk id="2" creationId="{4D4F4F8C-82C7-4A75-BDDE-C1B760C2C9DD}"/>
+          </ac:spMkLst>
+        </pc:spChg>
+        <pc:spChg chg="mod">
+          <ac:chgData name="Nikhil Subhash Brahmankar" userId="96de4612-57b8-4dff-a4b2-dd0fad9b0b98" providerId="ADAL" clId="{58638C4D-6A44-4B87-B7D1-A7AD935456B9}" dt="2023-03-09T17:06:11.821" v="4085" actId="14100"/>
+          <ac:spMkLst>
+            <pc:docMk/>
+            <pc:sldMk cId="1661167256" sldId="265"/>
+            <ac:spMk id="9" creationId="{6A02CD96-D376-4809-9E95-EDF84909A920}"/>
+          </ac:spMkLst>
+        </pc:spChg>
+        <pc:picChg chg="add del mod">
+          <ac:chgData name="Nikhil Subhash Brahmankar" userId="96de4612-57b8-4dff-a4b2-dd0fad9b0b98" providerId="ADAL" clId="{58638C4D-6A44-4B87-B7D1-A7AD935456B9}" dt="2022-12-06T17:12:22.500" v="131" actId="478"/>
+          <ac:picMkLst>
+            <pc:docMk/>
+            <pc:sldMk cId="1661167256" sldId="265"/>
+            <ac:picMk id="4" creationId="{1B50D216-F5D9-4181-8A72-365CE4B68325}"/>
+          </ac:picMkLst>
+        </pc:picChg>
+        <pc:picChg chg="add mod">
+          <ac:chgData name="Nikhil Subhash Brahmankar" userId="96de4612-57b8-4dff-a4b2-dd0fad9b0b98" providerId="ADAL" clId="{58638C4D-6A44-4B87-B7D1-A7AD935456B9}" dt="2023-03-09T17:06:01.597" v="4083" actId="14100"/>
+          <ac:picMkLst>
+            <pc:docMk/>
+            <pc:sldMk cId="1661167256" sldId="265"/>
+            <ac:picMk id="13" creationId="{1EC7E900-FB1A-4D70-B8D9-B36149FC79E4}"/>
+          </ac:picMkLst>
+        </pc:picChg>
+      </pc:sldChg>
+      <pc:sldChg chg="addSp delSp modSp mod">
+        <pc:chgData name="Nikhil Subhash Brahmankar" userId="96de4612-57b8-4dff-a4b2-dd0fad9b0b98" providerId="ADAL" clId="{58638C4D-6A44-4B87-B7D1-A7AD935456B9}" dt="2023-03-09T17:06:58.141" v="4096" actId="14100"/>
+        <pc:sldMkLst>
+          <pc:docMk/>
+          <pc:sldMk cId="760859242" sldId="266"/>
+        </pc:sldMkLst>
+        <pc:spChg chg="mod">
+          <ac:chgData name="Nikhil Subhash Brahmankar" userId="96de4612-57b8-4dff-a4b2-dd0fad9b0b98" providerId="ADAL" clId="{58638C4D-6A44-4B87-B7D1-A7AD935456B9}" dt="2023-03-09T17:06:58.141" v="4096" actId="14100"/>
+          <ac:spMkLst>
+            <pc:docMk/>
+            <pc:sldMk cId="760859242" sldId="266"/>
+            <ac:spMk id="2" creationId="{458E212B-93D8-4C44-9EA6-275D71BB23F2}"/>
+          </ac:spMkLst>
+        </pc:spChg>
+        <pc:spChg chg="add del mod">
+          <ac:chgData name="Nikhil Subhash Brahmankar" userId="96de4612-57b8-4dff-a4b2-dd0fad9b0b98" providerId="ADAL" clId="{58638C4D-6A44-4B87-B7D1-A7AD935456B9}" dt="2022-12-06T17:01:16.542" v="95" actId="478"/>
+          <ac:spMkLst>
+            <pc:docMk/>
+            <pc:sldMk cId="760859242" sldId="266"/>
+            <ac:spMk id="8" creationId="{FBF49366-CDF4-4F98-9314-E11939E8DB35}"/>
+          </ac:spMkLst>
+        </pc:spChg>
+        <pc:picChg chg="add mod">
+          <ac:chgData name="Nikhil Subhash Brahmankar" userId="96de4612-57b8-4dff-a4b2-dd0fad9b0b98" providerId="ADAL" clId="{58638C4D-6A44-4B87-B7D1-A7AD935456B9}" dt="2022-12-06T17:08:17.825" v="96" actId="1076"/>
+          <ac:picMkLst>
+            <pc:docMk/>
+            <pc:sldMk cId="760859242" sldId="266"/>
+            <ac:picMk id="4" creationId="{8232DE1F-0C30-4C63-A43F-495BC42D5759}"/>
+          </ac:picMkLst>
+        </pc:picChg>
+        <pc:picChg chg="del mod">
+          <ac:chgData name="Nikhil Subhash Brahmankar" userId="96de4612-57b8-4dff-a4b2-dd0fad9b0b98" providerId="ADAL" clId="{58638C4D-6A44-4B87-B7D1-A7AD935456B9}" dt="2022-12-06T17:00:39.045" v="92" actId="478"/>
+          <ac:picMkLst>
+            <pc:docMk/>
+            <pc:sldMk cId="760859242" sldId="266"/>
+            <ac:picMk id="5" creationId="{85401CA2-7080-4487-A4EE-0AC61070E4F3}"/>
+          </ac:picMkLst>
+        </pc:picChg>
+      </pc:sldChg>
+      <pc:sldChg chg="addSp delSp modSp mod">
+        <pc:chgData name="Nikhil Subhash Brahmankar" userId="96de4612-57b8-4dff-a4b2-dd0fad9b0b98" providerId="ADAL" clId="{58638C4D-6A44-4B87-B7D1-A7AD935456B9}" dt="2022-12-06T17:28:40.597" v="1158" actId="20577"/>
+        <pc:sldMkLst>
+          <pc:docMk/>
+          <pc:sldMk cId="2866401516" sldId="267"/>
+        </pc:sldMkLst>
+        <pc:spChg chg="del">
+          <ac:chgData name="Nikhil Subhash Brahmankar" userId="96de4612-57b8-4dff-a4b2-dd0fad9b0b98" providerId="ADAL" clId="{58638C4D-6A44-4B87-B7D1-A7AD935456B9}" dt="2022-12-06T17:21:55.107" v="401" actId="478"/>
+          <ac:spMkLst>
+            <pc:docMk/>
+            <pc:sldMk cId="2866401516" sldId="267"/>
+            <ac:spMk id="3" creationId="{6750BA1D-CADD-4B66-8CCF-713FEC4FC02D}"/>
+          </ac:spMkLst>
+        </pc:spChg>
+        <pc:spChg chg="mod topLvl">
+          <ac:chgData name="Nikhil Subhash Brahmankar" userId="96de4612-57b8-4dff-a4b2-dd0fad9b0b98" providerId="ADAL" clId="{58638C4D-6A44-4B87-B7D1-A7AD935456B9}" dt="2022-12-06T17:24:36.698" v="777" actId="164"/>
+          <ac:spMkLst>
+            <pc:docMk/>
+            <pc:sldMk cId="2866401516" sldId="267"/>
+            <ac:spMk id="8" creationId="{9214458A-8342-4ADA-8E9B-474141DC3E96}"/>
+          </ac:spMkLst>
+        </pc:spChg>
+        <pc:spChg chg="mod">
+          <ac:chgData name="Nikhil Subhash Brahmankar" userId="96de4612-57b8-4dff-a4b2-dd0fad9b0b98" providerId="ADAL" clId="{58638C4D-6A44-4B87-B7D1-A7AD935456B9}" dt="2022-12-06T17:26:43.724" v="923" actId="164"/>
+          <ac:spMkLst>
+            <pc:docMk/>
+            <pc:sldMk cId="2866401516" sldId="267"/>
+            <ac:spMk id="10" creationId="{67433012-21A6-4E20-BE12-A0ED1C7C8DBD}"/>
+          </ac:spMkLst>
+        </pc:spChg>
+        <pc:spChg chg="mod">
+          <ac:chgData name="Nikhil Subhash Brahmankar" userId="96de4612-57b8-4dff-a4b2-dd0fad9b0b98" providerId="ADAL" clId="{58638C4D-6A44-4B87-B7D1-A7AD935456B9}" dt="2022-12-06T17:22:55.019" v="591" actId="1076"/>
+          <ac:spMkLst>
+            <pc:docMk/>
+            <pc:sldMk cId="2866401516" sldId="267"/>
+            <ac:spMk id="20" creationId="{AADBAF23-758F-4C93-A439-DFF3FB371D22}"/>
+          </ac:spMkLst>
+        </pc:spChg>
+        <pc:spChg chg="mod">
+          <ac:chgData name="Nikhil Subhash Brahmankar" userId="96de4612-57b8-4dff-a4b2-dd0fad9b0b98" providerId="ADAL" clId="{58638C4D-6A44-4B87-B7D1-A7AD935456B9}" dt="2022-12-06T17:18:16.327" v="207" actId="164"/>
+          <ac:spMkLst>
+            <pc:docMk/>
+            <pc:sldMk cId="2866401516" sldId="267"/>
+            <ac:spMk id="21" creationId="{D90FF114-514E-4A40-8BA8-25936C94C8B0}"/>
+          </ac:spMkLst>
+        </pc:spChg>
+        <pc:spChg chg="mod">
+          <ac:chgData name="Nikhil Subhash Brahmankar" userId="96de4612-57b8-4dff-a4b2-dd0fad9b0b98" providerId="ADAL" clId="{58638C4D-6A44-4B87-B7D1-A7AD935456B9}" dt="2022-12-06T17:18:16.327" v="207" actId="164"/>
+          <ac:spMkLst>
+            <pc:docMk/>
+            <pc:sldMk cId="2866401516" sldId="267"/>
+            <ac:spMk id="24" creationId="{535E2B3E-6336-4E5B-B6E9-17E5AF9EF600}"/>
+          </ac:spMkLst>
+        </pc:spChg>
+        <pc:spChg chg="mod">
+          <ac:chgData name="Nikhil Subhash Brahmankar" userId="96de4612-57b8-4dff-a4b2-dd0fad9b0b98" providerId="ADAL" clId="{58638C4D-6A44-4B87-B7D1-A7AD935456B9}" dt="2022-12-06T17:21:26.914" v="320" actId="164"/>
+          <ac:spMkLst>
+            <pc:docMk/>
+            <pc:sldMk cId="2866401516" sldId="267"/>
+            <ac:spMk id="27" creationId="{02909AD0-9B67-4BF2-BDC7-7C0C3293196D}"/>
+          </ac:spMkLst>
+        </pc:spChg>
+        <pc:spChg chg="mod topLvl">
+          <ac:chgData name="Nikhil Subhash Brahmankar" userId="96de4612-57b8-4dff-a4b2-dd0fad9b0b98" providerId="ADAL" clId="{58638C4D-6A44-4B87-B7D1-A7AD935456B9}" dt="2022-12-06T17:28:40.597" v="1158" actId="20577"/>
+          <ac:spMkLst>
+            <pc:docMk/>
+            <pc:sldMk cId="2866401516" sldId="267"/>
+            <ac:spMk id="30" creationId="{CE32270C-602E-4BDC-95F1-58DC77FB911D}"/>
+          </ac:spMkLst>
+        </pc:spChg>
+        <pc:spChg chg="add mod">
+          <ac:chgData name="Nikhil Subhash Brahmankar" userId="96de4612-57b8-4dff-a4b2-dd0fad9b0b98" providerId="ADAL" clId="{58638C4D-6A44-4B87-B7D1-A7AD935456B9}" dt="2022-12-06T17:28:10.272" v="1148" actId="571"/>
+          <ac:spMkLst>
+            <pc:docMk/>
+            <pc:sldMk cId="2866401516" sldId="267"/>
+            <ac:spMk id="34" creationId="{A6EFFB86-4C52-46F2-BA9B-3D35F500ABE9}"/>
+          </ac:spMkLst>
+        </pc:spChg>
+        <pc:grpChg chg="add del mod">
+          <ac:chgData name="Nikhil Subhash Brahmankar" userId="96de4612-57b8-4dff-a4b2-dd0fad9b0b98" providerId="ADAL" clId="{58638C4D-6A44-4B87-B7D1-A7AD935456B9}" dt="2022-12-06T17:24:04.389" v="725" actId="165"/>
+          <ac:grpSpMkLst>
+            <pc:docMk/>
+            <pc:sldMk cId="2866401516" sldId="267"/>
+            <ac:grpSpMk id="2" creationId="{9B7B8F97-1AF0-4678-B3C7-97385EEF1AD8}"/>
+          </ac:grpSpMkLst>
+        </pc:grpChg>
+        <pc:grpChg chg="add mod">
+          <ac:chgData name="Nikhil Subhash Brahmankar" userId="96de4612-57b8-4dff-a4b2-dd0fad9b0b98" providerId="ADAL" clId="{58638C4D-6A44-4B87-B7D1-A7AD935456B9}" dt="2022-12-06T17:18:28.447" v="319" actId="1037"/>
+          <ac:grpSpMkLst>
+            <pc:docMk/>
+            <pc:sldMk cId="2866401516" sldId="267"/>
+            <ac:grpSpMk id="5" creationId="{C24D3FAC-17FD-47B1-9825-A661B079D43B}"/>
+          </ac:grpSpMkLst>
+        </pc:grpChg>
+        <pc:grpChg chg="add mod">
+          <ac:chgData name="Nikhil Subhash Brahmankar" userId="96de4612-57b8-4dff-a4b2-dd0fad9b0b98" providerId="ADAL" clId="{58638C4D-6A44-4B87-B7D1-A7AD935456B9}" dt="2022-12-06T17:21:37.378" v="393" actId="1036"/>
+          <ac:grpSpMkLst>
+            <pc:docMk/>
+            <pc:sldMk cId="2866401516" sldId="267"/>
+            <ac:grpSpMk id="6" creationId="{C874D01B-B281-4F26-9B6C-BA94737E35E0}"/>
+          </ac:grpSpMkLst>
+        </pc:grpChg>
+        <pc:grpChg chg="add mod">
+          <ac:chgData name="Nikhil Subhash Brahmankar" userId="96de4612-57b8-4dff-a4b2-dd0fad9b0b98" providerId="ADAL" clId="{58638C4D-6A44-4B87-B7D1-A7AD935456B9}" dt="2022-12-06T17:24:36.698" v="777" actId="164"/>
+          <ac:grpSpMkLst>
+            <pc:docMk/>
+            <pc:sldMk cId="2866401516" sldId="267"/>
+            <ac:grpSpMk id="12" creationId="{C49CC8A2-1E8F-4841-8C44-48CA9243A03B}"/>
+          </ac:grpSpMkLst>
+        </pc:grpChg>
+        <pc:grpChg chg="add mod">
+          <ac:chgData name="Nikhil Subhash Brahmankar" userId="96de4612-57b8-4dff-a4b2-dd0fad9b0b98" providerId="ADAL" clId="{58638C4D-6A44-4B87-B7D1-A7AD935456B9}" dt="2022-12-06T17:26:43.724" v="923" actId="164"/>
+          <ac:grpSpMkLst>
+            <pc:docMk/>
+            <pc:sldMk cId="2866401516" sldId="267"/>
+            <ac:grpSpMk id="26" creationId="{DA290885-D0DA-4421-AC0C-F4DE7B0A77D3}"/>
+          </ac:grpSpMkLst>
+        </pc:grpChg>
+        <pc:grpChg chg="add del mod">
+          <ac:chgData name="Nikhil Subhash Brahmankar" userId="96de4612-57b8-4dff-a4b2-dd0fad9b0b98" providerId="ADAL" clId="{58638C4D-6A44-4B87-B7D1-A7AD935456B9}" dt="2022-12-06T17:27:22.974" v="1044" actId="165"/>
+          <ac:grpSpMkLst>
+            <pc:docMk/>
+            <pc:sldMk cId="2866401516" sldId="267"/>
+            <ac:grpSpMk id="29" creationId="{8AE8A266-6041-4CF3-9D2D-B99133B7F3F1}"/>
+          </ac:grpSpMkLst>
+        </pc:grpChg>
+        <pc:grpChg chg="add mod">
+          <ac:chgData name="Nikhil Subhash Brahmankar" userId="96de4612-57b8-4dff-a4b2-dd0fad9b0b98" providerId="ADAL" clId="{58638C4D-6A44-4B87-B7D1-A7AD935456B9}" dt="2022-12-06T17:28:26.136" v="1149" actId="164"/>
+          <ac:grpSpMkLst>
+            <pc:docMk/>
+            <pc:sldMk cId="2866401516" sldId="267"/>
+            <ac:grpSpMk id="36" creationId="{814EF5BD-264F-4FFD-99F9-782DC4FDBCA8}"/>
+          </ac:grpSpMkLst>
+        </pc:grpChg>
+        <pc:picChg chg="del">
+          <ac:chgData name="Nikhil Subhash Brahmankar" userId="96de4612-57b8-4dff-a4b2-dd0fad9b0b98" providerId="ADAL" clId="{58638C4D-6A44-4B87-B7D1-A7AD935456B9}" dt="2022-12-06T17:16:19.406" v="173" actId="478"/>
+          <ac:picMkLst>
+            <pc:docMk/>
+            <pc:sldMk cId="2866401516" sldId="267"/>
+            <ac:picMk id="7" creationId="{9F7AFE1A-8CF1-4DCC-BAE7-A4221B8E7C92}"/>
+          </ac:picMkLst>
+        </pc:picChg>
+        <pc:picChg chg="add mod ord">
+          <ac:chgData name="Nikhil Subhash Brahmankar" userId="96de4612-57b8-4dff-a4b2-dd0fad9b0b98" providerId="ADAL" clId="{58638C4D-6A44-4B87-B7D1-A7AD935456B9}" dt="2022-12-06T17:16:42.357" v="176" actId="167"/>
+          <ac:picMkLst>
+            <pc:docMk/>
+            <pc:sldMk cId="2866401516" sldId="267"/>
+            <ac:picMk id="17" creationId="{3EB1E7DA-76F5-4B28-BDB0-D6D60DA291BB}"/>
+          </ac:picMkLst>
+        </pc:picChg>
+        <pc:cxnChg chg="mod">
+          <ac:chgData name="Nikhil Subhash Brahmankar" userId="96de4612-57b8-4dff-a4b2-dd0fad9b0b98" providerId="ADAL" clId="{58638C4D-6A44-4B87-B7D1-A7AD935456B9}" dt="2022-12-06T17:26:43.724" v="923" actId="164"/>
+          <ac:cxnSpMkLst>
+            <pc:docMk/>
+            <pc:sldMk cId="2866401516" sldId="267"/>
+            <ac:cxnSpMk id="11" creationId="{2F3D3C84-C1FA-427C-BEDA-D7EFA2E385DF}"/>
+          </ac:cxnSpMkLst>
+        </pc:cxnChg>
+        <pc:cxnChg chg="mod topLvl">
+          <ac:chgData name="Nikhil Subhash Brahmankar" userId="96de4612-57b8-4dff-a4b2-dd0fad9b0b98" providerId="ADAL" clId="{58638C4D-6A44-4B87-B7D1-A7AD935456B9}" dt="2022-12-06T17:24:36.698" v="777" actId="164"/>
+          <ac:cxnSpMkLst>
+            <pc:docMk/>
+            <pc:sldMk cId="2866401516" sldId="267"/>
+            <ac:cxnSpMk id="13" creationId="{533E84C8-887F-4BE4-960D-6640B0E80CB3}"/>
+          </ac:cxnSpMkLst>
+        </pc:cxnChg>
+        <pc:cxnChg chg="mod">
+          <ac:chgData name="Nikhil Subhash Brahmankar" userId="96de4612-57b8-4dff-a4b2-dd0fad9b0b98" providerId="ADAL" clId="{58638C4D-6A44-4B87-B7D1-A7AD935456B9}" dt="2022-12-06T17:26:43.724" v="923" actId="164"/>
+          <ac:cxnSpMkLst>
+            <pc:docMk/>
+            <pc:sldMk cId="2866401516" sldId="267"/>
+            <ac:cxnSpMk id="15" creationId="{F2409779-C2A9-4B2D-9290-A3A09FD1BB7A}"/>
+          </ac:cxnSpMkLst>
+        </pc:cxnChg>
+        <pc:cxnChg chg="mod">
+          <ac:chgData name="Nikhil Subhash Brahmankar" userId="96de4612-57b8-4dff-a4b2-dd0fad9b0b98" providerId="ADAL" clId="{58638C4D-6A44-4B87-B7D1-A7AD935456B9}" dt="2022-12-06T17:26:43.724" v="923" actId="164"/>
+          <ac:cxnSpMkLst>
+            <pc:docMk/>
+            <pc:sldMk cId="2866401516" sldId="267"/>
+            <ac:cxnSpMk id="16" creationId="{FBD7C36F-20F7-4E6B-96A6-57156A790D34}"/>
+          </ac:cxnSpMkLst>
+        </pc:cxnChg>
+        <pc:cxnChg chg="mod">
+          <ac:chgData name="Nikhil Subhash Brahmankar" userId="96de4612-57b8-4dff-a4b2-dd0fad9b0b98" providerId="ADAL" clId="{58638C4D-6A44-4B87-B7D1-A7AD935456B9}" dt="2022-12-06T17:18:28.447" v="319" actId="1037"/>
+          <ac:cxnSpMkLst>
+            <pc:docMk/>
+            <pc:sldMk cId="2866401516" sldId="267"/>
+            <ac:cxnSpMk id="23" creationId="{D7B88C95-D7F3-4C6D-9577-9BEE278936EC}"/>
+          </ac:cxnSpMkLst>
+        </pc:cxnChg>
+        <pc:cxnChg chg="mod">
+          <ac:chgData name="Nikhil Subhash Brahmankar" userId="96de4612-57b8-4dff-a4b2-dd0fad9b0b98" providerId="ADAL" clId="{58638C4D-6A44-4B87-B7D1-A7AD935456B9}" dt="2022-12-06T17:21:26.914" v="320" actId="164"/>
+          <ac:cxnSpMkLst>
+            <pc:docMk/>
+            <pc:sldMk cId="2866401516" sldId="267"/>
+            <ac:cxnSpMk id="28" creationId="{34275356-B4DB-408A-AF61-DDE63CEE542D}"/>
+          </ac:cxnSpMkLst>
+        </pc:cxnChg>
+        <pc:cxnChg chg="mod topLvl">
+          <ac:chgData name="Nikhil Subhash Brahmankar" userId="96de4612-57b8-4dff-a4b2-dd0fad9b0b98" providerId="ADAL" clId="{58638C4D-6A44-4B87-B7D1-A7AD935456B9}" dt="2022-12-06T17:28:26.136" v="1149" actId="164"/>
+          <ac:cxnSpMkLst>
+            <pc:docMk/>
+            <pc:sldMk cId="2866401516" sldId="267"/>
+            <ac:cxnSpMk id="31" creationId="{0872B4DA-9ABB-4294-A885-B59CA3878D52}"/>
+          </ac:cxnSpMkLst>
+        </pc:cxnChg>
+        <pc:cxnChg chg="add mod">
+          <ac:chgData name="Nikhil Subhash Brahmankar" userId="96de4612-57b8-4dff-a4b2-dd0fad9b0b98" providerId="ADAL" clId="{58638C4D-6A44-4B87-B7D1-A7AD935456B9}" dt="2022-12-06T17:28:10.272" v="1148" actId="571"/>
+          <ac:cxnSpMkLst>
+            <pc:docMk/>
+            <pc:sldMk cId="2866401516" sldId="267"/>
+            <ac:cxnSpMk id="35" creationId="{839EE886-541A-4CB1-BAA3-8BEF6E36895B}"/>
+          </ac:cxnSpMkLst>
+        </pc:cxnChg>
+      </pc:sldChg>
+      <pc:sldChg chg="del">
+        <pc:chgData name="Nikhil Subhash Brahmankar" userId="96de4612-57b8-4dff-a4b2-dd0fad9b0b98" providerId="ADAL" clId="{58638C4D-6A44-4B87-B7D1-A7AD935456B9}" dt="2023-01-03T15:21:54.903" v="2488" actId="2696"/>
+        <pc:sldMkLst>
+          <pc:docMk/>
+          <pc:sldMk cId="2693019512" sldId="269"/>
+        </pc:sldMkLst>
+      </pc:sldChg>
+      <pc:sldChg chg="del">
+        <pc:chgData name="Nikhil Subhash Brahmankar" userId="96de4612-57b8-4dff-a4b2-dd0fad9b0b98" providerId="ADAL" clId="{58638C4D-6A44-4B87-B7D1-A7AD935456B9}" dt="2023-01-03T15:21:51.994" v="2487" actId="2696"/>
+        <pc:sldMkLst>
+          <pc:docMk/>
+          <pc:sldMk cId="3348396032" sldId="270"/>
+        </pc:sldMkLst>
+      </pc:sldChg>
+      <pc:sldChg chg="addSp delSp modSp mod">
+        <pc:chgData name="Nikhil Subhash Brahmankar" userId="96de4612-57b8-4dff-a4b2-dd0fad9b0b98" providerId="ADAL" clId="{58638C4D-6A44-4B87-B7D1-A7AD935456B9}" dt="2023-03-09T17:04:31.940" v="4069" actId="14100"/>
+        <pc:sldMkLst>
+          <pc:docMk/>
+          <pc:sldMk cId="1261770764" sldId="273"/>
+        </pc:sldMkLst>
+        <pc:spChg chg="mod">
+          <ac:chgData name="Nikhil Subhash Brahmankar" userId="96de4612-57b8-4dff-a4b2-dd0fad9b0b98" providerId="ADAL" clId="{58638C4D-6A44-4B87-B7D1-A7AD935456B9}" dt="2023-03-09T16:01:34.114" v="2549" actId="122"/>
+          <ac:spMkLst>
+            <pc:docMk/>
+            <pc:sldMk cId="1261770764" sldId="273"/>
+            <ac:spMk id="2" creationId="{4D4F4F8C-82C7-4A75-BDDE-C1B760C2C9DD}"/>
+          </ac:spMkLst>
+        </pc:spChg>
+        <pc:spChg chg="mod">
+          <ac:chgData name="Nikhil Subhash Brahmankar" userId="96de4612-57b8-4dff-a4b2-dd0fad9b0b98" providerId="ADAL" clId="{58638C4D-6A44-4B87-B7D1-A7AD935456B9}" dt="2023-03-09T17:04:31.940" v="4069" actId="14100"/>
+          <ac:spMkLst>
+            <pc:docMk/>
+            <pc:sldMk cId="1261770764" sldId="273"/>
+            <ac:spMk id="9" creationId="{6A02CD96-D376-4809-9E95-EDF84909A920}"/>
+          </ac:spMkLst>
+        </pc:spChg>
+        <pc:picChg chg="add mod">
+          <ac:chgData name="Nikhil Subhash Brahmankar" userId="96de4612-57b8-4dff-a4b2-dd0fad9b0b98" providerId="ADAL" clId="{58638C4D-6A44-4B87-B7D1-A7AD935456B9}" dt="2023-01-03T15:24:05.076" v="2492" actId="1076"/>
+          <ac:picMkLst>
+            <pc:docMk/>
+            <pc:sldMk cId="1261770764" sldId="273"/>
+            <ac:picMk id="4" creationId="{1E5E9718-8E09-4792-9865-AE0BDD367995}"/>
+          </ac:picMkLst>
+        </pc:picChg>
+        <pc:picChg chg="del">
+          <ac:chgData name="Nikhil Subhash Brahmankar" userId="96de4612-57b8-4dff-a4b2-dd0fad9b0b98" providerId="ADAL" clId="{58638C4D-6A44-4B87-B7D1-A7AD935456B9}" dt="2023-01-03T15:23:42.420" v="2489" actId="478"/>
+          <ac:picMkLst>
+            <pc:docMk/>
+            <pc:sldMk cId="1261770764" sldId="273"/>
+            <ac:picMk id="5" creationId="{B34689A4-F002-49F3-98E2-C61D9323A073}"/>
+          </ac:picMkLst>
+        </pc:picChg>
+      </pc:sldChg>
+      <pc:sldChg chg="addSp delSp modSp mod">
+        <pc:chgData name="Nikhil Subhash Brahmankar" userId="96de4612-57b8-4dff-a4b2-dd0fad9b0b98" providerId="ADAL" clId="{58638C4D-6A44-4B87-B7D1-A7AD935456B9}" dt="2023-03-09T17:05:20.092" v="4076" actId="14100"/>
+        <pc:sldMkLst>
+          <pc:docMk/>
+          <pc:sldMk cId="3795691192" sldId="274"/>
+        </pc:sldMkLst>
+        <pc:spChg chg="mod">
+          <ac:chgData name="Nikhil Subhash Brahmankar" userId="96de4612-57b8-4dff-a4b2-dd0fad9b0b98" providerId="ADAL" clId="{58638C4D-6A44-4B87-B7D1-A7AD935456B9}" dt="2023-03-09T16:04:45.330" v="2596" actId="122"/>
+          <ac:spMkLst>
+            <pc:docMk/>
+            <pc:sldMk cId="3795691192" sldId="274"/>
+            <ac:spMk id="2" creationId="{4D4F4F8C-82C7-4A75-BDDE-C1B760C2C9DD}"/>
+          </ac:spMkLst>
+        </pc:spChg>
+        <pc:spChg chg="mod">
+          <ac:chgData name="Nikhil Subhash Brahmankar" userId="96de4612-57b8-4dff-a4b2-dd0fad9b0b98" providerId="ADAL" clId="{58638C4D-6A44-4B87-B7D1-A7AD935456B9}" dt="2022-12-06T17:40:19.608" v="1395" actId="1036"/>
+          <ac:spMkLst>
+            <pc:docMk/>
+            <pc:sldMk cId="3795691192" sldId="274"/>
+            <ac:spMk id="3" creationId="{F0C25480-5F51-4275-9F88-4741DF988D4C}"/>
+          </ac:spMkLst>
+        </pc:spChg>
+        <pc:spChg chg="mod">
+          <ac:chgData name="Nikhil Subhash Brahmankar" userId="96de4612-57b8-4dff-a4b2-dd0fad9b0b98" providerId="ADAL" clId="{58638C4D-6A44-4B87-B7D1-A7AD935456B9}" dt="2023-03-09T17:05:20.092" v="4076" actId="14100"/>
+          <ac:spMkLst>
+            <pc:docMk/>
+            <pc:sldMk cId="3795691192" sldId="274"/>
+            <ac:spMk id="9" creationId="{6A02CD96-D376-4809-9E95-EDF84909A920}"/>
+          </ac:spMkLst>
+        </pc:spChg>
+        <pc:picChg chg="add mod ord">
+          <ac:chgData name="Nikhil Subhash Brahmankar" userId="96de4612-57b8-4dff-a4b2-dd0fad9b0b98" providerId="ADAL" clId="{58638C4D-6A44-4B87-B7D1-A7AD935456B9}" dt="2022-12-06T17:40:19.608" v="1395" actId="1036"/>
+          <ac:picMkLst>
+            <pc:docMk/>
+            <pc:sldMk cId="3795691192" sldId="274"/>
+            <ac:picMk id="5" creationId="{026770F5-343E-4092-BDAC-E581B60CB4BA}"/>
+          </ac:picMkLst>
+        </pc:picChg>
+        <pc:picChg chg="del mod">
+          <ac:chgData name="Nikhil Subhash Brahmankar" userId="96de4612-57b8-4dff-a4b2-dd0fad9b0b98" providerId="ADAL" clId="{58638C4D-6A44-4B87-B7D1-A7AD935456B9}" dt="2022-12-06T17:34:15.600" v="1166" actId="478"/>
+          <ac:picMkLst>
+            <pc:docMk/>
+            <pc:sldMk cId="3795691192" sldId="274"/>
+            <ac:picMk id="13" creationId="{62C3DBE4-19D3-45CD-B384-350060E80F39}"/>
+          </ac:picMkLst>
+        </pc:picChg>
+      </pc:sldChg>
+      <pc:sldChg chg="addSp delSp modSp mod">
+        <pc:chgData name="Nikhil Subhash Brahmankar" userId="96de4612-57b8-4dff-a4b2-dd0fad9b0b98" providerId="ADAL" clId="{58638C4D-6A44-4B87-B7D1-A7AD935456B9}" dt="2023-01-03T15:28:53.421" v="2503" actId="478"/>
+        <pc:sldMkLst>
+          <pc:docMk/>
+          <pc:sldMk cId="3132577484" sldId="275"/>
+        </pc:sldMkLst>
+        <pc:picChg chg="add del">
+          <ac:chgData name="Nikhil Subhash Brahmankar" userId="96de4612-57b8-4dff-a4b2-dd0fad9b0b98" providerId="ADAL" clId="{58638C4D-6A44-4B87-B7D1-A7AD935456B9}" dt="2023-01-03T15:28:23.684" v="2498" actId="478"/>
+          <ac:picMkLst>
+            <pc:docMk/>
+            <pc:sldMk cId="3132577484" sldId="275"/>
+            <ac:picMk id="6" creationId="{FD465908-EA6A-451F-97D5-70FDB794B171}"/>
+          </ac:picMkLst>
+        </pc:picChg>
+        <pc:picChg chg="add del">
+          <ac:chgData name="Nikhil Subhash Brahmankar" userId="96de4612-57b8-4dff-a4b2-dd0fad9b0b98" providerId="ADAL" clId="{58638C4D-6A44-4B87-B7D1-A7AD935456B9}" dt="2023-01-03T15:28:16.027" v="2495" actId="22"/>
+          <ac:picMkLst>
+            <pc:docMk/>
+            <pc:sldMk cId="3132577484" sldId="275"/>
+            <ac:picMk id="8" creationId="{9887A48E-7759-462F-96E0-2C2C587E125D}"/>
+          </ac:picMkLst>
+        </pc:picChg>
+        <pc:picChg chg="add ord">
+          <ac:chgData name="Nikhil Subhash Brahmankar" userId="96de4612-57b8-4dff-a4b2-dd0fad9b0b98" providerId="ADAL" clId="{58638C4D-6A44-4B87-B7D1-A7AD935456B9}" dt="2023-01-03T15:28:28.086" v="2502" actId="171"/>
+          <ac:picMkLst>
+            <pc:docMk/>
+            <pc:sldMk cId="3132577484" sldId="275"/>
+            <ac:picMk id="13" creationId="{B4035CC5-1983-43D6-8930-84218D739FC5}"/>
+          </ac:picMkLst>
+        </pc:picChg>
+        <pc:cxnChg chg="del">
+          <ac:chgData name="Nikhil Subhash Brahmankar" userId="96de4612-57b8-4dff-a4b2-dd0fad9b0b98" providerId="ADAL" clId="{58638C4D-6A44-4B87-B7D1-A7AD935456B9}" dt="2023-01-03T15:28:53.421" v="2503" actId="478"/>
+          <ac:cxnSpMkLst>
+            <pc:docMk/>
+            <pc:sldMk cId="3132577484" sldId="275"/>
+            <ac:cxnSpMk id="11" creationId="{FA1714BE-4132-4288-8583-8F28F1B10DFE}"/>
+          </ac:cxnSpMkLst>
+        </pc:cxnChg>
+      </pc:sldChg>
+      <pc:sldChg chg="add del">
+        <pc:chgData name="Nikhil Subhash Brahmankar" userId="96de4612-57b8-4dff-a4b2-dd0fad9b0b98" providerId="ADAL" clId="{58638C4D-6A44-4B87-B7D1-A7AD935456B9}" dt="2023-01-03T14:52:18.910" v="1953" actId="2696"/>
+        <pc:sldMkLst>
+          <pc:docMk/>
+          <pc:sldMk cId="146801394" sldId="278"/>
+        </pc:sldMkLst>
+      </pc:sldChg>
+      <pc:sldChg chg="modSp add del mod">
+        <pc:chgData name="Nikhil Subhash Brahmankar" userId="96de4612-57b8-4dff-a4b2-dd0fad9b0b98" providerId="ADAL" clId="{58638C4D-6A44-4B87-B7D1-A7AD935456B9}" dt="2023-01-03T15:21:48.351" v="2486" actId="2696"/>
+        <pc:sldMkLst>
+          <pc:docMk/>
+          <pc:sldMk cId="1703523713" sldId="278"/>
+        </pc:sldMkLst>
+        <pc:picChg chg="mod">
+          <ac:chgData name="Nikhil Subhash Brahmankar" userId="96de4612-57b8-4dff-a4b2-dd0fad9b0b98" providerId="ADAL" clId="{58638C4D-6A44-4B87-B7D1-A7AD935456B9}" dt="2023-01-03T15:13:06.567" v="2120" actId="1076"/>
+          <ac:picMkLst>
+            <pc:docMk/>
+            <pc:sldMk cId="1703523713" sldId="278"/>
+            <ac:picMk id="4" creationId="{B96E3100-1B38-42C1-A4D8-CEBBDD1CD6CE}"/>
+          </ac:picMkLst>
+        </pc:picChg>
+      </pc:sldChg>
+      <pc:sldChg chg="add del">
+        <pc:chgData name="Nikhil Subhash Brahmankar" userId="96de4612-57b8-4dff-a4b2-dd0fad9b0b98" providerId="ADAL" clId="{58638C4D-6A44-4B87-B7D1-A7AD935456B9}" dt="2023-01-03T14:23:21.008" v="1407" actId="2890"/>
+        <pc:sldMkLst>
+          <pc:docMk/>
+          <pc:sldMk cId="2580511888" sldId="278"/>
+        </pc:sldMkLst>
+      </pc:sldChg>
+      <pc:sldChg chg="add">
+        <pc:chgData name="Nikhil Subhash Brahmankar" userId="96de4612-57b8-4dff-a4b2-dd0fad9b0b98" providerId="ADAL" clId="{58638C4D-6A44-4B87-B7D1-A7AD935456B9}" dt="2023-01-03T15:28:20.217" v="2497" actId="2890"/>
+        <pc:sldMkLst>
+          <pc:docMk/>
+          <pc:sldMk cId="2651786568" sldId="278"/>
+        </pc:sldMkLst>
+      </pc:sldChg>
+      <pc:sldChg chg="addSp delSp modSp add mod">
+        <pc:chgData name="Nikhil Subhash Brahmankar" userId="96de4612-57b8-4dff-a4b2-dd0fad9b0b98" providerId="ADAL" clId="{58638C4D-6A44-4B87-B7D1-A7AD935456B9}" dt="2023-03-09T17:04:22.396" v="4068" actId="14100"/>
+        <pc:sldMkLst>
+          <pc:docMk/>
+          <pc:sldMk cId="454794925" sldId="279"/>
+        </pc:sldMkLst>
+        <pc:spChg chg="mod">
+          <ac:chgData name="Nikhil Subhash Brahmankar" userId="96de4612-57b8-4dff-a4b2-dd0fad9b0b98" providerId="ADAL" clId="{58638C4D-6A44-4B87-B7D1-A7AD935456B9}" dt="2023-03-09T16:01:38.201" v="2550" actId="122"/>
+          <ac:spMkLst>
+            <pc:docMk/>
+            <pc:sldMk cId="454794925" sldId="279"/>
+            <ac:spMk id="2" creationId="{4D4F4F8C-82C7-4A75-BDDE-C1B760C2C9DD}"/>
+          </ac:spMkLst>
+        </pc:spChg>
+        <pc:spChg chg="mod">
+          <ac:chgData name="Nikhil Subhash Brahmankar" userId="96de4612-57b8-4dff-a4b2-dd0fad9b0b98" providerId="ADAL" clId="{58638C4D-6A44-4B87-B7D1-A7AD935456B9}" dt="2023-03-09T17:04:22.396" v="4068" actId="14100"/>
+          <ac:spMkLst>
+            <pc:docMk/>
+            <pc:sldMk cId="454794925" sldId="279"/>
+            <ac:spMk id="9" creationId="{6A02CD96-D376-4809-9E95-EDF84909A920}"/>
+          </ac:spMkLst>
+        </pc:spChg>
+        <pc:picChg chg="add del">
+          <ac:chgData name="Nikhil Subhash Brahmankar" userId="96de4612-57b8-4dff-a4b2-dd0fad9b0b98" providerId="ADAL" clId="{58638C4D-6A44-4B87-B7D1-A7AD935456B9}" dt="2023-03-09T16:06:25.081" v="2609" actId="478"/>
+          <ac:picMkLst>
+            <pc:docMk/>
+            <pc:sldMk cId="454794925" sldId="279"/>
+            <ac:picMk id="4" creationId="{1E5E9718-8E09-4792-9865-AE0BDD367995}"/>
+          </ac:picMkLst>
+        </pc:picChg>
+        <pc:picChg chg="add del">
+          <ac:chgData name="Nikhil Subhash Brahmankar" userId="96de4612-57b8-4dff-a4b2-dd0fad9b0b98" providerId="ADAL" clId="{58638C4D-6A44-4B87-B7D1-A7AD935456B9}" dt="2023-03-09T16:06:12.410" v="2607" actId="22"/>
+          <ac:picMkLst>
+            <pc:docMk/>
+            <pc:sldMk cId="454794925" sldId="279"/>
+            <ac:picMk id="5" creationId="{88F60794-B908-4C26-1339-39EFDC9D8FDD}"/>
+          </ac:picMkLst>
+        </pc:picChg>
+        <pc:picChg chg="add mod">
+          <ac:chgData name="Nikhil Subhash Brahmankar" userId="96de4612-57b8-4dff-a4b2-dd0fad9b0b98" providerId="ADAL" clId="{58638C4D-6A44-4B87-B7D1-A7AD935456B9}" dt="2023-03-09T16:06:42.740" v="2612" actId="1076"/>
+          <ac:picMkLst>
+            <pc:docMk/>
+            <pc:sldMk cId="454794925" sldId="279"/>
+            <ac:picMk id="7" creationId="{6EF3C609-7DC7-EADF-ADAA-9F1C29094FCA}"/>
+          </ac:picMkLst>
+        </pc:picChg>
+      </pc:sldChg>
+      <pc:sldChg chg="addSp delSp modSp add mod">
+        <pc:chgData name="Nikhil Subhash Brahmankar" userId="96de4612-57b8-4dff-a4b2-dd0fad9b0b98" providerId="ADAL" clId="{58638C4D-6A44-4B87-B7D1-A7AD935456B9}" dt="2023-03-09T18:57:33.568" v="4570" actId="14100"/>
+        <pc:sldMkLst>
+          <pc:docMk/>
+          <pc:sldMk cId="3834550388" sldId="280"/>
+        </pc:sldMkLst>
+        <pc:spChg chg="mod">
+          <ac:chgData name="Nikhil Subhash Brahmankar" userId="96de4612-57b8-4dff-a4b2-dd0fad9b0b98" providerId="ADAL" clId="{58638C4D-6A44-4B87-B7D1-A7AD935456B9}" dt="2023-03-09T16:05:16.265" v="2604" actId="122"/>
+          <ac:spMkLst>
+            <pc:docMk/>
+            <pc:sldMk cId="3834550388" sldId="280"/>
+            <ac:spMk id="2" creationId="{4D4F4F8C-82C7-4A75-BDDE-C1B760C2C9DD}"/>
+          </ac:spMkLst>
+        </pc:spChg>
+        <pc:spChg chg="mod">
+          <ac:chgData name="Nikhil Subhash Brahmankar" userId="96de4612-57b8-4dff-a4b2-dd0fad9b0b98" providerId="ADAL" clId="{58638C4D-6A44-4B87-B7D1-A7AD935456B9}" dt="2023-03-09T17:13:03.287" v="4397" actId="20577"/>
+          <ac:spMkLst>
+            <pc:docMk/>
+            <pc:sldMk cId="3834550388" sldId="280"/>
+            <ac:spMk id="9" creationId="{6A02CD96-D376-4809-9E95-EDF84909A920}"/>
+          </ac:spMkLst>
+        </pc:spChg>
+        <pc:spChg chg="add mod">
+          <ac:chgData name="Nikhil Subhash Brahmankar" userId="96de4612-57b8-4dff-a4b2-dd0fad9b0b98" providerId="ADAL" clId="{58638C4D-6A44-4B87-B7D1-A7AD935456B9}" dt="2023-03-09T18:56:34.686" v="4559" actId="1038"/>
+          <ac:spMkLst>
+            <pc:docMk/>
+            <pc:sldMk cId="3834550388" sldId="280"/>
+            <ac:spMk id="11" creationId="{FDDFCE6C-BFF8-ADF9-D4E3-E0D74A16CAAF}"/>
+          </ac:spMkLst>
+        </pc:spChg>
+        <pc:spChg chg="add mod">
+          <ac:chgData name="Nikhil Subhash Brahmankar" userId="96de4612-57b8-4dff-a4b2-dd0fad9b0b98" providerId="ADAL" clId="{58638C4D-6A44-4B87-B7D1-A7AD935456B9}" dt="2023-03-09T18:57:08.614" v="4567" actId="1076"/>
+          <ac:spMkLst>
+            <pc:docMk/>
+            <pc:sldMk cId="3834550388" sldId="280"/>
+            <ac:spMk id="13" creationId="{8DA3147A-35FD-050B-BD33-BF63B0B6EB28}"/>
+          </ac:spMkLst>
+        </pc:spChg>
+        <pc:spChg chg="add del mod">
+          <ac:chgData name="Nikhil Subhash Brahmankar" userId="96de4612-57b8-4dff-a4b2-dd0fad9b0b98" providerId="ADAL" clId="{58638C4D-6A44-4B87-B7D1-A7AD935456B9}" dt="2023-03-09T18:55:43.468" v="4455" actId="478"/>
+          <ac:spMkLst>
+            <pc:docMk/>
+            <pc:sldMk cId="3834550388" sldId="280"/>
+            <ac:spMk id="14" creationId="{D8F26D48-EAA6-66B9-C8A4-80574302256D}"/>
+          </ac:spMkLst>
+        </pc:spChg>
+        <pc:picChg chg="del">
+          <ac:chgData name="Nikhil Subhash Brahmankar" userId="96de4612-57b8-4dff-a4b2-dd0fad9b0b98" providerId="ADAL" clId="{58638C4D-6A44-4B87-B7D1-A7AD935456B9}" dt="2023-03-09T16:25:44.076" v="3490" actId="478"/>
+          <ac:picMkLst>
+            <pc:docMk/>
+            <pc:sldMk cId="3834550388" sldId="280"/>
+            <ac:picMk id="4" creationId="{1E5E9718-8E09-4792-9865-AE0BDD367995}"/>
+          </ac:picMkLst>
+        </pc:picChg>
+        <pc:picChg chg="add del mod">
+          <ac:chgData name="Nikhil Subhash Brahmankar" userId="96de4612-57b8-4dff-a4b2-dd0fad9b0b98" providerId="ADAL" clId="{58638C4D-6A44-4B87-B7D1-A7AD935456B9}" dt="2023-03-09T16:25:58.475" v="3493" actId="478"/>
+          <ac:picMkLst>
+            <pc:docMk/>
+            <pc:sldMk cId="3834550388" sldId="280"/>
+            <ac:picMk id="5" creationId="{45E1D833-6133-DCC7-C615-BE7BE05DA6FC}"/>
+          </ac:picMkLst>
+        </pc:picChg>
+        <pc:picChg chg="add mod">
+          <ac:chgData name="Nikhil Subhash Brahmankar" userId="96de4612-57b8-4dff-a4b2-dd0fad9b0b98" providerId="ADAL" clId="{58638C4D-6A44-4B87-B7D1-A7AD935456B9}" dt="2023-03-09T18:55:58.699" v="4479" actId="1037"/>
+          <ac:picMkLst>
+            <pc:docMk/>
+            <pc:sldMk cId="3834550388" sldId="280"/>
+            <ac:picMk id="7" creationId="{83863DE7-6DD5-8A94-6F48-5AA11EA205FC}"/>
+          </ac:picMkLst>
+        </pc:picChg>
+        <pc:picChg chg="add del mod">
+          <ac:chgData name="Nikhil Subhash Brahmankar" userId="96de4612-57b8-4dff-a4b2-dd0fad9b0b98" providerId="ADAL" clId="{58638C4D-6A44-4B87-B7D1-A7AD935456B9}" dt="2023-03-09T18:55:36.336" v="4454" actId="478"/>
+          <ac:picMkLst>
+            <pc:docMk/>
+            <pc:sldMk cId="3834550388" sldId="280"/>
+            <ac:picMk id="10" creationId="{FDB7971E-42C6-6851-654F-ACC07675C392}"/>
+          </ac:picMkLst>
+        </pc:picChg>
+        <pc:cxnChg chg="add mod">
+          <ac:chgData name="Nikhil Subhash Brahmankar" userId="96de4612-57b8-4dff-a4b2-dd0fad9b0b98" providerId="ADAL" clId="{58638C4D-6A44-4B87-B7D1-A7AD935456B9}" dt="2023-03-09T18:57:33.568" v="4570" actId="14100"/>
+          <ac:cxnSpMkLst>
+            <pc:docMk/>
+            <pc:sldMk cId="3834550388" sldId="280"/>
+            <ac:cxnSpMk id="12" creationId="{CDBD52D0-C623-654F-F0BD-DEE4772AFEAA}"/>
+          </ac:cxnSpMkLst>
+        </pc:cxnChg>
+        <pc:cxnChg chg="add del mod">
+          <ac:chgData name="Nikhil Subhash Brahmankar" userId="96de4612-57b8-4dff-a4b2-dd0fad9b0b98" providerId="ADAL" clId="{58638C4D-6A44-4B87-B7D1-A7AD935456B9}" dt="2023-03-09T18:55:45.126" v="4456" actId="478"/>
+          <ac:cxnSpMkLst>
+            <pc:docMk/>
+            <pc:sldMk cId="3834550388" sldId="280"/>
+            <ac:cxnSpMk id="16" creationId="{AC83D70B-BB22-2C85-0414-EC9C33AA92E5}"/>
+          </ac:cxnSpMkLst>
+        </pc:cxnChg>
+      </pc:sldChg>
+    </pc:docChg>
+  </pc:docChgLst>
+</pc:chgInfo>
 </file>
 
 <file path=ppt/notesMasters/notesMaster1.xml><?xml version="1.0" encoding="utf-8"?>
@@ -220,7 +1247,7 @@
           <a:p>
             <a:fld id="{B29C85F0-6BF1-40E8-9B3C-20B4FBE70C65}" type="datetimeFigureOut">
               <a:rPr lang="en-US" smtClean="0"/>
-              <a:t>4/11/2022</a:t>
+              <a:t>3/9/2023</a:t>
             </a:fld>
             <a:endParaRPr lang="en-US"/>
           </a:p>
@@ -634,7 +1661,7 @@
           <a:p>
             <a:fld id="{CE9D9F09-9ED1-45E0-B1B0-B43ED0E93FFA}" type="datetime1">
               <a:rPr lang="en-US" smtClean="0"/>
-              <a:t>4/11/2022</a:t>
+              <a:t>3/9/2023</a:t>
             </a:fld>
             <a:endParaRPr lang="en-US"/>
           </a:p>
@@ -832,7 +1859,7 @@
           <a:p>
             <a:fld id="{1D67F2B9-AB57-4430-B4E5-89A2B8CBF232}" type="datetime1">
               <a:rPr lang="en-US" smtClean="0"/>
-              <a:t>4/11/2022</a:t>
+              <a:t>3/9/2023</a:t>
             </a:fld>
             <a:endParaRPr lang="en-US"/>
           </a:p>
@@ -1040,7 +2067,7 @@
           <a:p>
             <a:fld id="{B41442E3-B306-456C-9F9B-821D667EE863}" type="datetime1">
               <a:rPr lang="en-US" smtClean="0"/>
-              <a:t>4/11/2022</a:t>
+              <a:t>3/9/2023</a:t>
             </a:fld>
             <a:endParaRPr lang="en-US"/>
           </a:p>
@@ -1238,7 +2265,7 @@
           <a:p>
             <a:fld id="{6E3B2B4F-A0C5-471D-A6AD-5746B150E48B}" type="datetime1">
               <a:rPr lang="en-US" smtClean="0"/>
-              <a:t>4/11/2022</a:t>
+              <a:t>3/9/2023</a:t>
             </a:fld>
             <a:endParaRPr lang="en-US"/>
           </a:p>
@@ -1513,7 +2540,7 @@
           <a:p>
             <a:fld id="{D69762C1-CFAB-4F06-A262-6729BC9E9EC1}" type="datetime1">
               <a:rPr lang="en-US" smtClean="0"/>
-              <a:t>4/11/2022</a:t>
+              <a:t>3/9/2023</a:t>
             </a:fld>
             <a:endParaRPr lang="en-US"/>
           </a:p>
@@ -1778,7 +2805,7 @@
           <a:p>
             <a:fld id="{E68547F0-5AEB-405E-8E2B-8F00D082DDC3}" type="datetime1">
               <a:rPr lang="en-US" smtClean="0"/>
-              <a:t>4/11/2022</a:t>
+              <a:t>3/9/2023</a:t>
             </a:fld>
             <a:endParaRPr lang="en-US"/>
           </a:p>
@@ -2190,7 +3217,7 @@
           <a:p>
             <a:fld id="{3891CD34-3001-4144-B020-8EBC37FD517D}" type="datetime1">
               <a:rPr lang="en-US" smtClean="0"/>
-              <a:t>4/11/2022</a:t>
+              <a:t>3/9/2023</a:t>
             </a:fld>
             <a:endParaRPr lang="en-US"/>
           </a:p>
@@ -2331,7 +3358,7 @@
           <a:p>
             <a:fld id="{7A783B12-35B8-4A02-AC23-5AD8597F9770}" type="datetime1">
               <a:rPr lang="en-US" smtClean="0"/>
-              <a:t>4/11/2022</a:t>
+              <a:t>3/9/2023</a:t>
             </a:fld>
             <a:endParaRPr lang="en-US"/>
           </a:p>
@@ -2444,7 +3471,7 @@
           <a:p>
             <a:fld id="{AA7CADBE-0295-459B-A50B-F76C381B62C4}" type="datetime1">
               <a:rPr lang="en-US" smtClean="0"/>
-              <a:t>4/11/2022</a:t>
+              <a:t>3/9/2023</a:t>
             </a:fld>
             <a:endParaRPr lang="en-US"/>
           </a:p>
@@ -2755,7 +3782,7 @@
           <a:p>
             <a:fld id="{6F4E66AF-55FF-4DD9-89DB-83AEE766BABA}" type="datetime1">
               <a:rPr lang="en-US" smtClean="0"/>
-              <a:t>4/11/2022</a:t>
+              <a:t>3/9/2023</a:t>
             </a:fld>
             <a:endParaRPr lang="en-US"/>
           </a:p>
@@ -3043,7 +4070,7 @@
           <a:p>
             <a:fld id="{F8268C52-AF19-4B44-B8EB-446504A7DAAF}" type="datetime1">
               <a:rPr lang="en-US" smtClean="0"/>
-              <a:t>4/11/2022</a:t>
+              <a:t>3/9/2023</a:t>
             </a:fld>
             <a:endParaRPr lang="en-US"/>
           </a:p>
@@ -3284,7 +4311,7 @@
           <a:p>
             <a:fld id="{21A02D44-0729-430D-815A-DFDB41C3166E}" type="datetime1">
               <a:rPr lang="en-US" smtClean="0"/>
-              <a:t>4/11/2022</a:t>
+              <a:t>3/9/2023</a:t>
             </a:fld>
             <a:endParaRPr lang="en-US"/>
           </a:p>
@@ -4695,7 +5722,7 @@
         </p:nvSpPr>
         <p:spPr>
           <a:xfrm>
-            <a:off x="2400833" y="4393299"/>
+            <a:off x="2529840" y="4297680"/>
             <a:ext cx="7140633" cy="1141851"/>
           </a:xfrm>
           <a:noFill/>
@@ -4743,7 +5770,7 @@
         </p:nvSpPr>
         <p:spPr>
           <a:xfrm>
-            <a:off x="3204641" y="2353641"/>
+            <a:off x="2712720" y="2353641"/>
             <a:ext cx="6763773" cy="1466329"/>
           </a:xfrm>
           <a:noFill/>
@@ -5066,587 +6093,6 @@
 <file path=ppt/slides/slide10.xml><?xml version="1.0" encoding="utf-8"?>
 <p:sld xmlns:a="http://schemas.openxmlformats.org/drawingml/2006/main" xmlns:r="http://schemas.openxmlformats.org/officeDocument/2006/relationships" xmlns:p="http://schemas.openxmlformats.org/presentationml/2006/main">
   <p:cSld>
-    <p:spTree>
-      <p:nvGrpSpPr>
-        <p:cNvPr id="1" name=""/>
-        <p:cNvGrpSpPr/>
-        <p:nvPr/>
-      </p:nvGrpSpPr>
-      <p:grpSpPr>
-        <a:xfrm>
-          <a:off x="0" y="0"/>
-          <a:ext cx="0" cy="0"/>
-          <a:chOff x="0" y="0"/>
-          <a:chExt cx="0" cy="0"/>
-        </a:xfrm>
-      </p:grpSpPr>
-      <p:sp>
-        <p:nvSpPr>
-          <p:cNvPr id="2" name="Title 1">
-            <a:extLst>
-              <a:ext uri="{FF2B5EF4-FFF2-40B4-BE49-F238E27FC236}">
-                <a16:creationId xmlns:a16="http://schemas.microsoft.com/office/drawing/2014/main" id="{4D4F4F8C-82C7-4A75-BDDE-C1B760C2C9DD}"/>
-              </a:ext>
-            </a:extLst>
-          </p:cNvPr>
-          <p:cNvSpPr>
-            <a:spLocks noGrp="1"/>
-          </p:cNvSpPr>
-          <p:nvPr>
-            <p:ph type="title"/>
-          </p:nvPr>
-        </p:nvSpPr>
-        <p:spPr>
-          <a:xfrm>
-            <a:off x="643467" y="321734"/>
-            <a:ext cx="10905066" cy="1135737"/>
-          </a:xfrm>
-        </p:spPr>
-        <p:txBody>
-          <a:bodyPr>
-            <a:normAutofit/>
-          </a:bodyPr>
-          <a:lstStyle/>
-          <a:p>
-            <a:r>
-              <a:rPr lang="en-US" sz="3600" dirty="0"/>
-              <a:t>Dashboard Components – Income Group Comparison</a:t>
-            </a:r>
-          </a:p>
-        </p:txBody>
-      </p:sp>
-      <p:sp>
-        <p:nvSpPr>
-          <p:cNvPr id="9" name="Content Placeholder 8">
-            <a:extLst>
-              <a:ext uri="{FF2B5EF4-FFF2-40B4-BE49-F238E27FC236}">
-                <a16:creationId xmlns:a16="http://schemas.microsoft.com/office/drawing/2014/main" id="{6A02CD96-D376-4809-9E95-EDF84909A920}"/>
-              </a:ext>
-            </a:extLst>
-          </p:cNvPr>
-          <p:cNvSpPr>
-            <a:spLocks noGrp="1"/>
-          </p:cNvSpPr>
-          <p:nvPr>
-            <p:ph idx="1"/>
-          </p:nvPr>
-        </p:nvSpPr>
-        <p:spPr>
-          <a:xfrm>
-            <a:off x="643469" y="1782981"/>
-            <a:ext cx="4008384" cy="4393982"/>
-          </a:xfrm>
-        </p:spPr>
-        <p:txBody>
-          <a:bodyPr>
-            <a:normAutofit/>
-          </a:bodyPr>
-          <a:lstStyle/>
-          <a:p>
-            <a:r>
-              <a:rPr lang="en-US" sz="2000" dirty="0"/>
-              <a:t>Clicking on any data point (Income Group, Year) in the “Tax Revenue-All Income Groups” chart updates “Tax Rates : All Regions”(top- middle), “Income Group Total Revenue” (top-right), and “Income Group Tax Structure” (bottom right) charts.</a:t>
-            </a:r>
-          </a:p>
-          <a:p>
-            <a:r>
-              <a:rPr lang="en-US" sz="2000" dirty="0"/>
-              <a:t>Years are selected from the Tax Revenue Dashboard.</a:t>
-            </a:r>
-          </a:p>
-          <a:p>
-            <a:r>
-              <a:rPr lang="en-US" sz="2000" dirty="0"/>
-              <a:t>Average Tax Rates for PIT, CIT and VAT for the selected income group are shown in the top-middle chart.</a:t>
-            </a:r>
-          </a:p>
-          <a:p>
-            <a:r>
-              <a:rPr lang="en-US" sz="2000" dirty="0"/>
-              <a:t>Un-weighted averages are used.</a:t>
-            </a:r>
-          </a:p>
-          <a:p>
-            <a:endParaRPr lang="en-US" sz="2000" dirty="0"/>
-          </a:p>
-        </p:txBody>
-      </p:sp>
-      <p:sp>
-        <p:nvSpPr>
-          <p:cNvPr id="6" name="Footer Placeholder 5">
-            <a:extLst>
-              <a:ext uri="{FF2B5EF4-FFF2-40B4-BE49-F238E27FC236}">
-                <a16:creationId xmlns:a16="http://schemas.microsoft.com/office/drawing/2014/main" id="{6C24C68A-289C-477C-A8AB-2F0643334FCF}"/>
-              </a:ext>
-            </a:extLst>
-          </p:cNvPr>
-          <p:cNvSpPr>
-            <a:spLocks noGrp="1"/>
-          </p:cNvSpPr>
-          <p:nvPr>
-            <p:ph type="ftr" sz="quarter" idx="11"/>
-          </p:nvPr>
-        </p:nvSpPr>
-        <p:spPr>
-          <a:xfrm>
-            <a:off x="643467" y="6353703"/>
-            <a:ext cx="10905065" cy="365125"/>
-          </a:xfrm>
-        </p:spPr>
-        <p:txBody>
-          <a:bodyPr/>
-          <a:lstStyle/>
-          <a:p>
-            <a:endParaRPr lang="en-US" sz="1200" dirty="0"/>
-          </a:p>
-        </p:txBody>
-      </p:sp>
-      <p:pic>
-        <p:nvPicPr>
-          <p:cNvPr id="8" name="Picture 7">
-            <a:extLst>
-              <a:ext uri="{FF2B5EF4-FFF2-40B4-BE49-F238E27FC236}">
-                <a16:creationId xmlns:a16="http://schemas.microsoft.com/office/drawing/2014/main" id="{AB3F193E-373E-48A3-AE8F-46EFED9A209F}"/>
-              </a:ext>
-            </a:extLst>
-          </p:cNvPr>
-          <p:cNvPicPr>
-            <a:picLocks noChangeAspect="1"/>
-          </p:cNvPicPr>
-          <p:nvPr/>
-        </p:nvPicPr>
-        <p:blipFill>
-          <a:blip r:embed="rId2"/>
-          <a:stretch>
-            <a:fillRect/>
-          </a:stretch>
-        </p:blipFill>
-        <p:spPr>
-          <a:xfrm>
-            <a:off x="4597300" y="1259634"/>
-            <a:ext cx="7594700" cy="4917329"/>
-          </a:xfrm>
-          <a:prstGeom prst="rect">
-            <a:avLst/>
-          </a:prstGeom>
-        </p:spPr>
-      </p:pic>
-      <p:sp>
-        <p:nvSpPr>
-          <p:cNvPr id="17" name="Oval 16">
-            <a:extLst>
-              <a:ext uri="{FF2B5EF4-FFF2-40B4-BE49-F238E27FC236}">
-                <a16:creationId xmlns:a16="http://schemas.microsoft.com/office/drawing/2014/main" id="{BB12C7AD-DFD6-43F7-B458-BEF8FACBC8D0}"/>
-              </a:ext>
-            </a:extLst>
-          </p:cNvPr>
-          <p:cNvSpPr/>
-          <p:nvPr/>
-        </p:nvSpPr>
-        <p:spPr>
-          <a:xfrm>
-            <a:off x="7417837" y="1402225"/>
-            <a:ext cx="2799183" cy="365125"/>
-          </a:xfrm>
-          <a:prstGeom prst="ellipse">
-            <a:avLst/>
-          </a:prstGeom>
-          <a:noFill/>
-          <a:ln>
-            <a:solidFill>
-              <a:srgbClr val="FF0000"/>
-            </a:solidFill>
-          </a:ln>
-        </p:spPr>
-        <p:style>
-          <a:lnRef idx="2">
-            <a:schemeClr val="accent1">
-              <a:shade val="50000"/>
-            </a:schemeClr>
-          </a:lnRef>
-          <a:fillRef idx="1">
-            <a:schemeClr val="accent1"/>
-          </a:fillRef>
-          <a:effectRef idx="0">
-            <a:schemeClr val="accent1"/>
-          </a:effectRef>
-          <a:fontRef idx="minor">
-            <a:schemeClr val="lt1"/>
-          </a:fontRef>
-        </p:style>
-        <p:txBody>
-          <a:bodyPr rtlCol="0" anchor="ctr"/>
-          <a:lstStyle/>
-          <a:p>
-            <a:pPr algn="ctr"/>
-            <a:endParaRPr lang="en-US"/>
-          </a:p>
-        </p:txBody>
-      </p:sp>
-      <p:sp>
-        <p:nvSpPr>
-          <p:cNvPr id="18" name="TextBox 17">
-            <a:extLst>
-              <a:ext uri="{FF2B5EF4-FFF2-40B4-BE49-F238E27FC236}">
-                <a16:creationId xmlns:a16="http://schemas.microsoft.com/office/drawing/2014/main" id="{D6030B9C-D733-4D48-80FE-6D9AD99C76D5}"/>
-              </a:ext>
-            </a:extLst>
-          </p:cNvPr>
-          <p:cNvSpPr txBox="1"/>
-          <p:nvPr/>
-        </p:nvSpPr>
-        <p:spPr>
-          <a:xfrm>
-            <a:off x="5822302" y="2485265"/>
-            <a:ext cx="2024743" cy="1015663"/>
-          </a:xfrm>
-          <a:prstGeom prst="rect">
-            <a:avLst/>
-          </a:prstGeom>
-          <a:noFill/>
-          <a:ln>
-            <a:solidFill>
-              <a:srgbClr val="FF0000"/>
-            </a:solidFill>
-          </a:ln>
-        </p:spPr>
-        <p:txBody>
-          <a:bodyPr wrap="square" rtlCol="0">
-            <a:spAutoFit/>
-          </a:bodyPr>
-          <a:lstStyle/>
-          <a:p>
-            <a:r>
-              <a:rPr lang="en-US" sz="1200" b="1" dirty="0">
-                <a:solidFill>
-                  <a:srgbClr val="FF0000"/>
-                </a:solidFill>
-              </a:rPr>
-              <a:t>Click on income group of interest and year. This activates the other charts including those in the other dashboards.</a:t>
-            </a:r>
-          </a:p>
-        </p:txBody>
-      </p:sp>
-      <p:cxnSp>
-        <p:nvCxnSpPr>
-          <p:cNvPr id="20" name="Straight Arrow Connector 19">
-            <a:extLst>
-              <a:ext uri="{FF2B5EF4-FFF2-40B4-BE49-F238E27FC236}">
-                <a16:creationId xmlns:a16="http://schemas.microsoft.com/office/drawing/2014/main" id="{EBBBE2E5-F220-4630-914A-E35B0FFE52DF}"/>
-              </a:ext>
-            </a:extLst>
-          </p:cNvPr>
-          <p:cNvCxnSpPr>
-            <a:cxnSpLocks/>
-          </p:cNvCxnSpPr>
-          <p:nvPr/>
-        </p:nvCxnSpPr>
-        <p:spPr>
-          <a:xfrm flipH="1">
-            <a:off x="6835763" y="2258008"/>
-            <a:ext cx="638058" cy="294546"/>
-          </a:xfrm>
-          <a:prstGeom prst="straightConnector1">
-            <a:avLst/>
-          </a:prstGeom>
-          <a:ln>
-            <a:solidFill>
-              <a:srgbClr val="FF0000"/>
-            </a:solidFill>
-            <a:tailEnd type="triangle"/>
-          </a:ln>
-        </p:spPr>
-        <p:style>
-          <a:lnRef idx="1">
-            <a:schemeClr val="accent1"/>
-          </a:lnRef>
-          <a:fillRef idx="0">
-            <a:schemeClr val="accent1"/>
-          </a:fillRef>
-          <a:effectRef idx="0">
-            <a:schemeClr val="accent1"/>
-          </a:effectRef>
-          <a:fontRef idx="minor">
-            <a:schemeClr val="tx1"/>
-          </a:fontRef>
-        </p:style>
-      </p:cxnSp>
-      <p:cxnSp>
-        <p:nvCxnSpPr>
-          <p:cNvPr id="24" name="Straight Arrow Connector 23">
-            <a:extLst>
-              <a:ext uri="{FF2B5EF4-FFF2-40B4-BE49-F238E27FC236}">
-                <a16:creationId xmlns:a16="http://schemas.microsoft.com/office/drawing/2014/main" id="{7ED89040-B8E1-4345-902E-CEBED1018636}"/>
-              </a:ext>
-            </a:extLst>
-          </p:cNvPr>
-          <p:cNvCxnSpPr>
-            <a:cxnSpLocks/>
-          </p:cNvCxnSpPr>
-          <p:nvPr/>
-        </p:nvCxnSpPr>
-        <p:spPr>
-          <a:xfrm flipV="1">
-            <a:off x="7700441" y="1632857"/>
-            <a:ext cx="3113739" cy="1154051"/>
-          </a:xfrm>
-          <a:prstGeom prst="straightConnector1">
-            <a:avLst/>
-          </a:prstGeom>
-          <a:ln>
-            <a:solidFill>
-              <a:srgbClr val="FF0000"/>
-            </a:solidFill>
-            <a:tailEnd type="triangle"/>
-          </a:ln>
-        </p:spPr>
-        <p:style>
-          <a:lnRef idx="1">
-            <a:schemeClr val="accent1"/>
-          </a:lnRef>
-          <a:fillRef idx="0">
-            <a:schemeClr val="accent1"/>
-          </a:fillRef>
-          <a:effectRef idx="0">
-            <a:schemeClr val="accent1"/>
-          </a:effectRef>
-          <a:fontRef idx="minor">
-            <a:schemeClr val="tx1"/>
-          </a:fontRef>
-        </p:style>
-      </p:cxnSp>
-      <p:cxnSp>
-        <p:nvCxnSpPr>
-          <p:cNvPr id="28" name="Straight Arrow Connector 27">
-            <a:extLst>
-              <a:ext uri="{FF2B5EF4-FFF2-40B4-BE49-F238E27FC236}">
-                <a16:creationId xmlns:a16="http://schemas.microsoft.com/office/drawing/2014/main" id="{63A733B1-35F9-4DE7-902C-2D53FBDF5849}"/>
-              </a:ext>
-            </a:extLst>
-          </p:cNvPr>
-          <p:cNvCxnSpPr>
-            <a:cxnSpLocks/>
-          </p:cNvCxnSpPr>
-          <p:nvPr/>
-        </p:nvCxnSpPr>
-        <p:spPr>
-          <a:xfrm>
-            <a:off x="7700441" y="3162892"/>
-            <a:ext cx="2759175" cy="746635"/>
-          </a:xfrm>
-          <a:prstGeom prst="straightConnector1">
-            <a:avLst/>
-          </a:prstGeom>
-          <a:ln>
-            <a:solidFill>
-              <a:srgbClr val="FF0000"/>
-            </a:solidFill>
-            <a:tailEnd type="triangle"/>
-          </a:ln>
-        </p:spPr>
-        <p:style>
-          <a:lnRef idx="1">
-            <a:schemeClr val="accent1"/>
-          </a:lnRef>
-          <a:fillRef idx="0">
-            <a:schemeClr val="accent1"/>
-          </a:fillRef>
-          <a:effectRef idx="0">
-            <a:schemeClr val="accent1"/>
-          </a:effectRef>
-          <a:fontRef idx="minor">
-            <a:schemeClr val="tx1"/>
-          </a:fontRef>
-        </p:style>
-      </p:cxnSp>
-    </p:spTree>
-    <p:extLst>
-      <p:ext uri="{BB962C8B-B14F-4D97-AF65-F5344CB8AC3E}">
-        <p14:creationId xmlns:p14="http://schemas.microsoft.com/office/powerpoint/2010/main" val="3348396032"/>
-      </p:ext>
-    </p:extLst>
-  </p:cSld>
-  <p:clrMapOvr>
-    <a:masterClrMapping/>
-  </p:clrMapOvr>
-</p:sld>
-</file>
-
-<file path=ppt/slides/slide11.xml><?xml version="1.0" encoding="utf-8"?>
-<p:sld xmlns:a="http://schemas.openxmlformats.org/drawingml/2006/main" xmlns:r="http://schemas.openxmlformats.org/officeDocument/2006/relationships" xmlns:p="http://schemas.openxmlformats.org/presentationml/2006/main">
-  <p:cSld>
-    <p:spTree>
-      <p:nvGrpSpPr>
-        <p:cNvPr id="1" name=""/>
-        <p:cNvGrpSpPr/>
-        <p:nvPr/>
-      </p:nvGrpSpPr>
-      <p:grpSpPr>
-        <a:xfrm>
-          <a:off x="0" y="0"/>
-          <a:ext cx="0" cy="0"/>
-          <a:chOff x="0" y="0"/>
-          <a:chExt cx="0" cy="0"/>
-        </a:xfrm>
-      </p:grpSpPr>
-      <p:sp>
-        <p:nvSpPr>
-          <p:cNvPr id="2" name="Title 1">
-            <a:extLst>
-              <a:ext uri="{FF2B5EF4-FFF2-40B4-BE49-F238E27FC236}">
-                <a16:creationId xmlns:a16="http://schemas.microsoft.com/office/drawing/2014/main" id="{4D4F4F8C-82C7-4A75-BDDE-C1B760C2C9DD}"/>
-              </a:ext>
-            </a:extLst>
-          </p:cNvPr>
-          <p:cNvSpPr>
-            <a:spLocks noGrp="1"/>
-          </p:cNvSpPr>
-          <p:nvPr>
-            <p:ph type="title"/>
-          </p:nvPr>
-        </p:nvSpPr>
-        <p:spPr>
-          <a:xfrm>
-            <a:off x="643467" y="321734"/>
-            <a:ext cx="10905066" cy="1135737"/>
-          </a:xfrm>
-        </p:spPr>
-        <p:txBody>
-          <a:bodyPr>
-            <a:normAutofit/>
-          </a:bodyPr>
-          <a:lstStyle/>
-          <a:p>
-            <a:r>
-              <a:rPr lang="en-US" sz="3600" dirty="0"/>
-              <a:t>Dashboard Components – Income Group Benchmarking</a:t>
-            </a:r>
-          </a:p>
-        </p:txBody>
-      </p:sp>
-      <p:sp>
-        <p:nvSpPr>
-          <p:cNvPr id="9" name="Content Placeholder 8">
-            <a:extLst>
-              <a:ext uri="{FF2B5EF4-FFF2-40B4-BE49-F238E27FC236}">
-                <a16:creationId xmlns:a16="http://schemas.microsoft.com/office/drawing/2014/main" id="{6A02CD96-D376-4809-9E95-EDF84909A920}"/>
-              </a:ext>
-            </a:extLst>
-          </p:cNvPr>
-          <p:cNvSpPr>
-            <a:spLocks noGrp="1"/>
-          </p:cNvSpPr>
-          <p:nvPr>
-            <p:ph idx="1"/>
-          </p:nvPr>
-        </p:nvSpPr>
-        <p:spPr>
-          <a:xfrm>
-            <a:off x="643469" y="1782981"/>
-            <a:ext cx="4008384" cy="4393982"/>
-          </a:xfrm>
-        </p:spPr>
-        <p:txBody>
-          <a:bodyPr>
-            <a:normAutofit fontScale="92500" lnSpcReduction="20000"/>
-          </a:bodyPr>
-          <a:lstStyle/>
-          <a:p>
-            <a:r>
-              <a:rPr lang="en-US" sz="2000" dirty="0"/>
-              <a:t>Income Group Benchmarking Dashboard is updated for each Income Group (can be selected in “Tax Revenue-All Income Groups” chart from “Income Group Comparison” dashboard) and Year combination (can be selected in “Country vs Neighbors” chart from “Tax Revenue” dashboard)</a:t>
-            </a:r>
-          </a:p>
-          <a:p>
-            <a:r>
-              <a:rPr lang="en-US" sz="2000" dirty="0"/>
-              <a:t>It helps us to understand and compare the performance of all countries within the selected Income Group for Tax Revenue, Income Taxes, VAT, Excise Taxes, Trade Taxes, Property Taxes, PIT, and CIT.</a:t>
-            </a:r>
-          </a:p>
-          <a:p>
-            <a:r>
-              <a:rPr lang="en-US" sz="2000" dirty="0"/>
-              <a:t>The countries are color coded by Region Group.</a:t>
-            </a:r>
-          </a:p>
-        </p:txBody>
-      </p:sp>
-      <p:sp>
-        <p:nvSpPr>
-          <p:cNvPr id="15" name="Footer Placeholder 5">
-            <a:extLst>
-              <a:ext uri="{FF2B5EF4-FFF2-40B4-BE49-F238E27FC236}">
-                <a16:creationId xmlns:a16="http://schemas.microsoft.com/office/drawing/2014/main" id="{C45DE2A0-951D-40CE-8CDC-F56DBCBDF280}"/>
-              </a:ext>
-            </a:extLst>
-          </p:cNvPr>
-          <p:cNvSpPr>
-            <a:spLocks noGrp="1"/>
-          </p:cNvSpPr>
-          <p:nvPr>
-            <p:ph type="ftr" sz="quarter" idx="11"/>
-          </p:nvPr>
-        </p:nvSpPr>
-        <p:spPr>
-          <a:xfrm>
-            <a:off x="643467" y="6353703"/>
-            <a:ext cx="10905065" cy="365125"/>
-          </a:xfrm>
-        </p:spPr>
-        <p:txBody>
-          <a:bodyPr/>
-          <a:lstStyle/>
-          <a:p>
-            <a:endParaRPr lang="en-US" sz="1200" dirty="0"/>
-          </a:p>
-        </p:txBody>
-      </p:sp>
-      <p:pic>
-        <p:nvPicPr>
-          <p:cNvPr id="4" name="Picture 3">
-            <a:extLst>
-              <a:ext uri="{FF2B5EF4-FFF2-40B4-BE49-F238E27FC236}">
-                <a16:creationId xmlns:a16="http://schemas.microsoft.com/office/drawing/2014/main" id="{0A2114BA-B5CB-4CB5-ACDE-DD7E2F8A2597}"/>
-              </a:ext>
-            </a:extLst>
-          </p:cNvPr>
-          <p:cNvPicPr>
-            <a:picLocks noChangeAspect="1"/>
-          </p:cNvPicPr>
-          <p:nvPr/>
-        </p:nvPicPr>
-        <p:blipFill>
-          <a:blip r:embed="rId2"/>
-          <a:stretch>
-            <a:fillRect/>
-          </a:stretch>
-        </p:blipFill>
-        <p:spPr>
-          <a:xfrm>
-            <a:off x="4994728" y="1334279"/>
-            <a:ext cx="7131957" cy="4739666"/>
-          </a:xfrm>
-          <a:prstGeom prst="rect">
-            <a:avLst/>
-          </a:prstGeom>
-        </p:spPr>
-      </p:pic>
-    </p:spTree>
-    <p:extLst>
-      <p:ext uri="{BB962C8B-B14F-4D97-AF65-F5344CB8AC3E}">
-        <p14:creationId xmlns:p14="http://schemas.microsoft.com/office/powerpoint/2010/main" val="2693019512"/>
-      </p:ext>
-    </p:extLst>
-  </p:cSld>
-  <p:clrMapOvr>
-    <a:masterClrMapping/>
-  </p:clrMapOvr>
-</p:sld>
-</file>
-
-<file path=ppt/slides/slide12.xml><?xml version="1.0" encoding="utf-8"?>
-<p:sld xmlns:a="http://schemas.openxmlformats.org/drawingml/2006/main" xmlns:r="http://schemas.openxmlformats.org/officeDocument/2006/relationships" xmlns:p="http://schemas.openxmlformats.org/presentationml/2006/main">
-  <p:cSld>
     <p:bg>
       <p:bgPr>
         <a:solidFill>
@@ -5760,9 +6206,10 @@
           </a:bodyPr>
           <a:lstStyle/>
           <a:p>
+            <a:pPr algn="ctr"/>
             <a:r>
               <a:rPr lang="en-US" sz="3600" dirty="0"/>
-              <a:t>Dashboard Components – Tax Rates Dashboard</a:t>
+              <a:t>Tax Rates Dashboard</a:t>
             </a:r>
           </a:p>
         </p:txBody>
@@ -5785,13 +6232,13 @@
         </p:nvSpPr>
         <p:spPr>
           <a:xfrm>
-            <a:off x="643469" y="1782981"/>
-            <a:ext cx="4008384" cy="4393982"/>
+            <a:off x="643469" y="1457471"/>
+            <a:ext cx="4008384" cy="4645152"/>
           </a:xfrm>
         </p:spPr>
         <p:txBody>
           <a:bodyPr>
-            <a:normAutofit lnSpcReduction="10000"/>
+            <a:normAutofit/>
           </a:bodyPr>
           <a:lstStyle/>
           <a:p>
@@ -5986,36 +6433,6 @@
           </p:txBody>
         </p:sp>
       </p:grpSp>
-      <p:pic>
-        <p:nvPicPr>
-          <p:cNvPr id="5" name="Picture 4">
-            <a:extLst>
-              <a:ext uri="{FF2B5EF4-FFF2-40B4-BE49-F238E27FC236}">
-                <a16:creationId xmlns:a16="http://schemas.microsoft.com/office/drawing/2014/main" id="{B34689A4-F002-49F3-98E2-C61D9323A073}"/>
-              </a:ext>
-            </a:extLst>
-          </p:cNvPr>
-          <p:cNvPicPr>
-            <a:picLocks noChangeAspect="1"/>
-          </p:cNvPicPr>
-          <p:nvPr/>
-        </p:nvPicPr>
-        <p:blipFill>
-          <a:blip r:embed="rId2"/>
-          <a:stretch>
-            <a:fillRect/>
-          </a:stretch>
-        </p:blipFill>
-        <p:spPr>
-          <a:xfrm>
-            <a:off x="4651853" y="1457472"/>
-            <a:ext cx="7540145" cy="4644748"/>
-          </a:xfrm>
-          <a:prstGeom prst="rect">
-            <a:avLst/>
-          </a:prstGeom>
-        </p:spPr>
-      </p:pic>
       <p:grpSp>
         <p:nvGrpSpPr>
           <p:cNvPr id="26" name="Group 25">
@@ -6216,10 +6633,1367 @@
           </a:p>
         </p:txBody>
       </p:sp>
+      <p:pic>
+        <p:nvPicPr>
+          <p:cNvPr id="4" name="Picture 3">
+            <a:extLst>
+              <a:ext uri="{FF2B5EF4-FFF2-40B4-BE49-F238E27FC236}">
+                <a16:creationId xmlns:a16="http://schemas.microsoft.com/office/drawing/2014/main" id="{1E5E9718-8E09-4792-9865-AE0BDD367995}"/>
+              </a:ext>
+            </a:extLst>
+          </p:cNvPr>
+          <p:cNvPicPr>
+            <a:picLocks noChangeAspect="1"/>
+          </p:cNvPicPr>
+          <p:nvPr/>
+        </p:nvPicPr>
+        <p:blipFill>
+          <a:blip r:embed="rId2"/>
+          <a:stretch>
+            <a:fillRect/>
+          </a:stretch>
+        </p:blipFill>
+        <p:spPr>
+          <a:xfrm>
+            <a:off x="4651853" y="1457471"/>
+            <a:ext cx="7425249" cy="4645152"/>
+          </a:xfrm>
+          <a:prstGeom prst="rect">
+            <a:avLst/>
+          </a:prstGeom>
+        </p:spPr>
+      </p:pic>
     </p:spTree>
     <p:extLst>
       <p:ext uri="{BB962C8B-B14F-4D97-AF65-F5344CB8AC3E}">
         <p14:creationId xmlns:p14="http://schemas.microsoft.com/office/powerpoint/2010/main" val="1261770764"/>
+      </p:ext>
+    </p:extLst>
+  </p:cSld>
+  <p:clrMapOvr>
+    <a:masterClrMapping/>
+  </p:clrMapOvr>
+</p:sld>
+</file>
+
+<file path=ppt/slides/slide11.xml><?xml version="1.0" encoding="utf-8"?>
+<p:sld xmlns:a="http://schemas.openxmlformats.org/drawingml/2006/main" xmlns:r="http://schemas.openxmlformats.org/officeDocument/2006/relationships" xmlns:p="http://schemas.openxmlformats.org/presentationml/2006/main">
+  <p:cSld>
+    <p:bg>
+      <p:bgPr>
+        <a:solidFill>
+          <a:schemeClr val="bg1"/>
+        </a:solidFill>
+        <a:effectLst/>
+      </p:bgPr>
+    </p:bg>
+    <p:spTree>
+      <p:nvGrpSpPr>
+        <p:cNvPr id="1" name=""/>
+        <p:cNvGrpSpPr/>
+        <p:nvPr/>
+      </p:nvGrpSpPr>
+      <p:grpSpPr>
+        <a:xfrm>
+          <a:off x="0" y="0"/>
+          <a:ext cx="0" cy="0"/>
+          <a:chOff x="0" y="0"/>
+          <a:chExt cx="0" cy="0"/>
+        </a:xfrm>
+      </p:grpSpPr>
+      <p:sp>
+        <p:nvSpPr>
+          <p:cNvPr id="20" name="Rectangle 19">
+            <a:extLst>
+              <a:ext uri="{FF2B5EF4-FFF2-40B4-BE49-F238E27FC236}">
+                <a16:creationId xmlns:a16="http://schemas.microsoft.com/office/drawing/2014/main" id="{2B566528-1B12-4246-9431-5C2D7D081168}"/>
+              </a:ext>
+              <a:ext uri="{C183D7F6-B498-43B3-948B-1728B52AA6E4}">
+                <adec:decorative xmlns:adec="http://schemas.microsoft.com/office/drawing/2017/decorative" val="1"/>
+              </a:ext>
+            </a:extLst>
+          </p:cNvPr>
+          <p:cNvSpPr>
+            <a:spLocks noGrp="1" noRot="1" noChangeAspect="1" noMove="1" noResize="1" noEditPoints="1" noAdjustHandles="1" noChangeArrowheads="1" noChangeShapeType="1" noTextEdit="1"/>
+          </p:cNvSpPr>
+          <p:nvPr>
+            <p:extLst>
+              <p:ext uri="{386F3935-93C4-4BCD-93E2-E3B085C9AB24}">
+                <p16:designElem xmlns:p16="http://schemas.microsoft.com/office/powerpoint/2015/main" val="1"/>
+              </p:ext>
+            </p:extLst>
+          </p:nvPr>
+        </p:nvSpPr>
+        <p:spPr>
+          <a:xfrm>
+            <a:off x="0" y="0"/>
+            <a:ext cx="12192000" cy="6858000"/>
+          </a:xfrm>
+          <a:prstGeom prst="rect">
+            <a:avLst/>
+          </a:prstGeom>
+          <a:solidFill>
+            <a:schemeClr val="bg1"/>
+          </a:solidFill>
+          <a:ln>
+            <a:noFill/>
+          </a:ln>
+        </p:spPr>
+        <p:style>
+          <a:lnRef idx="2">
+            <a:schemeClr val="accent1">
+              <a:shade val="50000"/>
+            </a:schemeClr>
+          </a:lnRef>
+          <a:fillRef idx="1">
+            <a:schemeClr val="accent1"/>
+          </a:fillRef>
+          <a:effectRef idx="0">
+            <a:schemeClr val="accent1"/>
+          </a:effectRef>
+          <a:fontRef idx="minor">
+            <a:schemeClr val="lt1"/>
+          </a:fontRef>
+        </p:style>
+        <p:txBody>
+          <a:bodyPr rtlCol="0" anchor="ctr"/>
+          <a:lstStyle/>
+          <a:p>
+            <a:pPr algn="ctr"/>
+            <a:endParaRPr lang="en-US" dirty="0"/>
+          </a:p>
+        </p:txBody>
+      </p:sp>
+      <p:sp>
+        <p:nvSpPr>
+          <p:cNvPr id="2" name="Title 1">
+            <a:extLst>
+              <a:ext uri="{FF2B5EF4-FFF2-40B4-BE49-F238E27FC236}">
+                <a16:creationId xmlns:a16="http://schemas.microsoft.com/office/drawing/2014/main" id="{4D4F4F8C-82C7-4A75-BDDE-C1B760C2C9DD}"/>
+              </a:ext>
+            </a:extLst>
+          </p:cNvPr>
+          <p:cNvSpPr>
+            <a:spLocks noGrp="1"/>
+          </p:cNvSpPr>
+          <p:nvPr>
+            <p:ph type="title"/>
+          </p:nvPr>
+        </p:nvSpPr>
+        <p:spPr>
+          <a:xfrm>
+            <a:off x="643467" y="321734"/>
+            <a:ext cx="10905066" cy="1135737"/>
+          </a:xfrm>
+        </p:spPr>
+        <p:txBody>
+          <a:bodyPr>
+            <a:normAutofit/>
+          </a:bodyPr>
+          <a:lstStyle/>
+          <a:p>
+            <a:pPr algn="ctr"/>
+            <a:r>
+              <a:rPr lang="en-US" sz="3600" dirty="0"/>
+              <a:t>Direct to Indirect Tax Ratios Dashboard</a:t>
+            </a:r>
+          </a:p>
+        </p:txBody>
+      </p:sp>
+      <p:sp>
+        <p:nvSpPr>
+          <p:cNvPr id="9" name="Content Placeholder 8">
+            <a:extLst>
+              <a:ext uri="{FF2B5EF4-FFF2-40B4-BE49-F238E27FC236}">
+                <a16:creationId xmlns:a16="http://schemas.microsoft.com/office/drawing/2014/main" id="{6A02CD96-D376-4809-9E95-EDF84909A920}"/>
+              </a:ext>
+            </a:extLst>
+          </p:cNvPr>
+          <p:cNvSpPr>
+            <a:spLocks noGrp="1"/>
+          </p:cNvSpPr>
+          <p:nvPr>
+            <p:ph idx="1"/>
+          </p:nvPr>
+        </p:nvSpPr>
+        <p:spPr>
+          <a:xfrm>
+            <a:off x="643469" y="1321553"/>
+            <a:ext cx="4008384" cy="4645152"/>
+          </a:xfrm>
+        </p:spPr>
+        <p:txBody>
+          <a:bodyPr>
+            <a:normAutofit fontScale="85000" lnSpcReduction="10000"/>
+          </a:bodyPr>
+          <a:lstStyle/>
+          <a:p>
+            <a:r>
+              <a:rPr lang="en-US" sz="1700" dirty="0"/>
+              <a:t>The Direct to Indirect Tax Ratios Dashboard focuses on Direct to Indirect Tax Ratios which is one of the key parameter to measure Progressivity.</a:t>
+            </a:r>
+          </a:p>
+          <a:p>
+            <a:r>
+              <a:rPr lang="en-US" sz="1700" dirty="0"/>
+              <a:t>The country is selected from the Tax Revenue Dashboard.</a:t>
+            </a:r>
+          </a:p>
+          <a:p>
+            <a:r>
+              <a:rPr lang="en-US" sz="1700" dirty="0"/>
+              <a:t>The Tax Structure (in percent of Tax Revenue) (top-left) focuses on second level taxes (like Property, Income, VAT, Excise taxes) are contributing towards the total Tax Revenue.</a:t>
+            </a:r>
+          </a:p>
+          <a:p>
+            <a:r>
+              <a:rPr lang="en-US" sz="1700" dirty="0"/>
+              <a:t>Direct Indirect Taxes Trends (top right) chart conveys the distribution of total Direct and Indirect Taxes.</a:t>
+            </a:r>
+          </a:p>
+          <a:p>
+            <a:r>
+              <a:rPr lang="en-US" sz="1700" dirty="0"/>
+              <a:t>The Direct Taxes (bottom left) compares Direct Taxes for the selected country and its region.</a:t>
+            </a:r>
+          </a:p>
+          <a:p>
+            <a:r>
+              <a:rPr lang="en-US" sz="1700" dirty="0"/>
+              <a:t>The Direct Indirect Taxes: Country-Region-World (bottom right) compares Direct Indirect Taxes and the second level taxes for selected country, its region, and world.</a:t>
+            </a:r>
+          </a:p>
+          <a:p>
+            <a:r>
+              <a:rPr lang="en-US" sz="1700" dirty="0"/>
+              <a:t>Income and Property Taxes are considered as Direct Taxes and whereas VAT, Excise, Trade, and Other Taxes are considered as Indirect Taxes.</a:t>
+            </a:r>
+          </a:p>
+        </p:txBody>
+      </p:sp>
+      <p:grpSp>
+        <p:nvGrpSpPr>
+          <p:cNvPr id="22" name="Group 21">
+            <a:extLst>
+              <a:ext uri="{FF2B5EF4-FFF2-40B4-BE49-F238E27FC236}">
+                <a16:creationId xmlns:a16="http://schemas.microsoft.com/office/drawing/2014/main" id="{828A5161-06F1-46CF-8AD7-844680A59E13}"/>
+              </a:ext>
+              <a:ext uri="{C183D7F6-B498-43B3-948B-1728B52AA6E4}">
+                <adec:decorative xmlns:adec="http://schemas.microsoft.com/office/drawing/2017/decorative" val="1"/>
+              </a:ext>
+            </a:extLst>
+          </p:cNvPr>
+          <p:cNvGrpSpPr>
+            <a:grpSpLocks noGrp="1" noUngrp="1" noRot="1" noChangeAspect="1" noMove="1" noResize="1"/>
+          </p:cNvGrpSpPr>
+          <p:nvPr>
+            <p:extLst>
+              <p:ext uri="{386F3935-93C4-4BCD-93E2-E3B085C9AB24}">
+                <p16:designElem xmlns:p16="http://schemas.microsoft.com/office/powerpoint/2015/main" val="1"/>
+              </p:ext>
+            </p:extLst>
+          </p:nvPr>
+        </p:nvGrpSpPr>
+        <p:grpSpPr>
+          <a:xfrm>
+            <a:off x="0" y="4601497"/>
+            <a:ext cx="1014060" cy="2017580"/>
+            <a:chOff x="0" y="4601497"/>
+            <a:chExt cx="1014060" cy="2017580"/>
+          </a:xfrm>
+        </p:grpSpPr>
+        <p:sp>
+          <p:nvSpPr>
+            <p:cNvPr id="23" name="Isosceles Triangle 22">
+              <a:extLst>
+                <a:ext uri="{FF2B5EF4-FFF2-40B4-BE49-F238E27FC236}">
+                  <a16:creationId xmlns:a16="http://schemas.microsoft.com/office/drawing/2014/main" id="{D3F51FEB-38FB-4F6C-9F7B-2F2AFAB65463}"/>
+                </a:ext>
+                <a:ext uri="{C183D7F6-B498-43B3-948B-1728B52AA6E4}">
+                  <adec:decorative xmlns:adec="http://schemas.microsoft.com/office/drawing/2017/decorative" val="1"/>
+                </a:ext>
+              </a:extLst>
+            </p:cNvPr>
+            <p:cNvSpPr/>
+            <p:nvPr>
+              <p:extLst>
+                <p:ext uri="{386F3935-93C4-4BCD-93E2-E3B085C9AB24}">
+                  <p16:designElem xmlns:p16="http://schemas.microsoft.com/office/powerpoint/2015/main" val="1"/>
+                </p:ext>
+              </p:extLst>
+            </p:nvPr>
+          </p:nvSpPr>
+          <p:spPr>
+            <a:xfrm rot="5400000">
+              <a:off x="-501760" y="5103257"/>
+              <a:ext cx="2017580" cy="1014060"/>
+            </a:xfrm>
+            <a:prstGeom prst="triangle">
+              <a:avLst>
+                <a:gd name="adj" fmla="val 50000"/>
+              </a:avLst>
+            </a:prstGeom>
+            <a:solidFill>
+              <a:schemeClr val="accent1">
+                <a:alpha val="30000"/>
+              </a:schemeClr>
+            </a:solidFill>
+            <a:ln>
+              <a:noFill/>
+            </a:ln>
+          </p:spPr>
+          <p:style>
+            <a:lnRef idx="2">
+              <a:schemeClr val="accent1">
+                <a:shade val="50000"/>
+              </a:schemeClr>
+            </a:lnRef>
+            <a:fillRef idx="1">
+              <a:schemeClr val="accent1"/>
+            </a:fillRef>
+            <a:effectRef idx="0">
+              <a:schemeClr val="accent1"/>
+            </a:effectRef>
+            <a:fontRef idx="minor">
+              <a:schemeClr val="lt1"/>
+            </a:fontRef>
+          </p:style>
+          <p:txBody>
+            <a:bodyPr rtlCol="0" anchor="ctr"/>
+            <a:lstStyle/>
+            <a:p>
+              <a:pPr algn="ctr"/>
+              <a:endParaRPr lang="en-US"/>
+            </a:p>
+          </p:txBody>
+        </p:sp>
+        <p:sp>
+          <p:nvSpPr>
+            <p:cNvPr id="24" name="Rectangle 23">
+              <a:extLst>
+                <a:ext uri="{FF2B5EF4-FFF2-40B4-BE49-F238E27FC236}">
+                  <a16:creationId xmlns:a16="http://schemas.microsoft.com/office/drawing/2014/main" id="{1E547BA6-BAE0-43BB-A7CA-60F69CE252F0}"/>
+                </a:ext>
+                <a:ext uri="{C183D7F6-B498-43B3-948B-1728B52AA6E4}">
+                  <adec:decorative xmlns:adec="http://schemas.microsoft.com/office/drawing/2017/decorative" val="1"/>
+                </a:ext>
+              </a:extLst>
+            </p:cNvPr>
+            <p:cNvSpPr/>
+            <p:nvPr>
+              <p:extLst>
+                <p:ext uri="{386F3935-93C4-4BCD-93E2-E3B085C9AB24}">
+                  <p16:designElem xmlns:p16="http://schemas.microsoft.com/office/powerpoint/2015/main" val="1"/>
+                </p:ext>
+              </p:extLst>
+            </p:nvPr>
+          </p:nvSpPr>
+          <p:spPr>
+            <a:xfrm rot="2700000">
+              <a:off x="427916" y="5728708"/>
+              <a:ext cx="485578" cy="485578"/>
+            </a:xfrm>
+            <a:prstGeom prst="rect">
+              <a:avLst/>
+            </a:prstGeom>
+            <a:solidFill>
+              <a:schemeClr val="accent1">
+                <a:alpha val="30000"/>
+              </a:schemeClr>
+            </a:solidFill>
+            <a:ln>
+              <a:noFill/>
+            </a:ln>
+          </p:spPr>
+          <p:style>
+            <a:lnRef idx="2">
+              <a:schemeClr val="accent1">
+                <a:shade val="50000"/>
+              </a:schemeClr>
+            </a:lnRef>
+            <a:fillRef idx="1">
+              <a:schemeClr val="accent1"/>
+            </a:fillRef>
+            <a:effectRef idx="0">
+              <a:schemeClr val="accent1"/>
+            </a:effectRef>
+            <a:fontRef idx="minor">
+              <a:schemeClr val="lt1"/>
+            </a:fontRef>
+          </p:style>
+          <p:txBody>
+            <a:bodyPr rtlCol="0" anchor="ctr"/>
+            <a:lstStyle/>
+            <a:p>
+              <a:pPr algn="ctr"/>
+              <a:endParaRPr lang="en-US"/>
+            </a:p>
+          </p:txBody>
+        </p:sp>
+      </p:grpSp>
+      <p:grpSp>
+        <p:nvGrpSpPr>
+          <p:cNvPr id="26" name="Group 25">
+            <a:extLst>
+              <a:ext uri="{FF2B5EF4-FFF2-40B4-BE49-F238E27FC236}">
+                <a16:creationId xmlns:a16="http://schemas.microsoft.com/office/drawing/2014/main" id="{5995D10D-E9C9-47DB-AE7E-801FEF38F5C9}"/>
+              </a:ext>
+              <a:ext uri="{C183D7F6-B498-43B3-948B-1728B52AA6E4}">
+                <adec:decorative xmlns:adec="http://schemas.microsoft.com/office/drawing/2017/decorative" val="1"/>
+              </a:ext>
+            </a:extLst>
+          </p:cNvPr>
+          <p:cNvGrpSpPr>
+            <a:grpSpLocks noGrp="1" noUngrp="1" noRot="1" noChangeAspect="1" noMove="1" noResize="1"/>
+          </p:cNvGrpSpPr>
+          <p:nvPr>
+            <p:extLst>
+              <p:ext uri="{386F3935-93C4-4BCD-93E2-E3B085C9AB24}">
+                <p16:designElem xmlns:p16="http://schemas.microsoft.com/office/powerpoint/2015/main" val="1"/>
+              </p:ext>
+            </p:extLst>
+          </p:nvPr>
+        </p:nvGrpSpPr>
+        <p:grpSpPr>
+          <a:xfrm>
+            <a:off x="11219290" y="1"/>
+            <a:ext cx="972709" cy="1935307"/>
+            <a:chOff x="10918968" y="713127"/>
+            <a:chExt cx="1273032" cy="2532832"/>
+          </a:xfrm>
+        </p:grpSpPr>
+        <p:sp>
+          <p:nvSpPr>
+            <p:cNvPr id="27" name="Rectangle 26">
+              <a:extLst>
+                <a:ext uri="{FF2B5EF4-FFF2-40B4-BE49-F238E27FC236}">
+                  <a16:creationId xmlns:a16="http://schemas.microsoft.com/office/drawing/2014/main" id="{CC1A72C6-3DE4-4EC3-9AD5-9E0D40D8CE8A}"/>
+                </a:ext>
+                <a:ext uri="{C183D7F6-B498-43B3-948B-1728B52AA6E4}">
+                  <adec:decorative xmlns:adec="http://schemas.microsoft.com/office/drawing/2017/decorative" val="1"/>
+                </a:ext>
+              </a:extLst>
+            </p:cNvPr>
+            <p:cNvSpPr/>
+            <p:nvPr>
+              <p:extLst>
+                <p:ext uri="{386F3935-93C4-4BCD-93E2-E3B085C9AB24}">
+                  <p16:designElem xmlns:p16="http://schemas.microsoft.com/office/powerpoint/2015/main" val="1"/>
+                </p:ext>
+              </p:extLst>
+            </p:nvPr>
+          </p:nvSpPr>
+          <p:spPr>
+            <a:xfrm rot="2700000">
+              <a:off x="11052629" y="2120024"/>
+              <a:ext cx="645368" cy="645368"/>
+            </a:xfrm>
+            <a:prstGeom prst="rect">
+              <a:avLst/>
+            </a:prstGeom>
+            <a:solidFill>
+              <a:schemeClr val="accent4">
+                <a:alpha val="30000"/>
+              </a:schemeClr>
+            </a:solidFill>
+            <a:ln>
+              <a:noFill/>
+            </a:ln>
+          </p:spPr>
+          <p:style>
+            <a:lnRef idx="2">
+              <a:schemeClr val="accent1">
+                <a:shade val="50000"/>
+              </a:schemeClr>
+            </a:lnRef>
+            <a:fillRef idx="1">
+              <a:schemeClr val="accent1"/>
+            </a:fillRef>
+            <a:effectRef idx="0">
+              <a:schemeClr val="accent1"/>
+            </a:effectRef>
+            <a:fontRef idx="minor">
+              <a:schemeClr val="lt1"/>
+            </a:fontRef>
+          </p:style>
+          <p:txBody>
+            <a:bodyPr rtlCol="0" anchor="ctr"/>
+            <a:lstStyle/>
+            <a:p>
+              <a:pPr algn="ctr"/>
+              <a:endParaRPr lang="en-US"/>
+            </a:p>
+          </p:txBody>
+        </p:sp>
+        <p:sp>
+          <p:nvSpPr>
+            <p:cNvPr id="28" name="Isosceles Triangle 27">
+              <a:extLst>
+                <a:ext uri="{FF2B5EF4-FFF2-40B4-BE49-F238E27FC236}">
+                  <a16:creationId xmlns:a16="http://schemas.microsoft.com/office/drawing/2014/main" id="{0B0DA1F1-C391-4EDF-9FE0-23E86E137765}"/>
+                </a:ext>
+                <a:ext uri="{C183D7F6-B498-43B3-948B-1728B52AA6E4}">
+                  <adec:decorative xmlns:adec="http://schemas.microsoft.com/office/drawing/2017/decorative" val="1"/>
+                </a:ext>
+              </a:extLst>
+            </p:cNvPr>
+            <p:cNvSpPr/>
+            <p:nvPr>
+              <p:extLst>
+                <p:ext uri="{386F3935-93C4-4BCD-93E2-E3B085C9AB24}">
+                  <p16:designElem xmlns:p16="http://schemas.microsoft.com/office/powerpoint/2015/main" val="1"/>
+                </p:ext>
+              </p:extLst>
+            </p:nvPr>
+          </p:nvSpPr>
+          <p:spPr>
+            <a:xfrm rot="16200000">
+              <a:off x="10289068" y="1343027"/>
+              <a:ext cx="2532832" cy="1273032"/>
+            </a:xfrm>
+            <a:prstGeom prst="triangle">
+              <a:avLst>
+                <a:gd name="adj" fmla="val 50000"/>
+              </a:avLst>
+            </a:prstGeom>
+            <a:solidFill>
+              <a:schemeClr val="accent4">
+                <a:alpha val="30000"/>
+              </a:schemeClr>
+            </a:solidFill>
+            <a:ln>
+              <a:noFill/>
+            </a:ln>
+          </p:spPr>
+          <p:style>
+            <a:lnRef idx="2">
+              <a:schemeClr val="accent1">
+                <a:shade val="50000"/>
+              </a:schemeClr>
+            </a:lnRef>
+            <a:fillRef idx="1">
+              <a:schemeClr val="accent1"/>
+            </a:fillRef>
+            <a:effectRef idx="0">
+              <a:schemeClr val="accent1"/>
+            </a:effectRef>
+            <a:fontRef idx="minor">
+              <a:schemeClr val="lt1"/>
+            </a:fontRef>
+          </p:style>
+          <p:txBody>
+            <a:bodyPr rtlCol="0" anchor="ctr"/>
+            <a:lstStyle/>
+            <a:p>
+              <a:pPr algn="ctr"/>
+              <a:endParaRPr lang="en-US" dirty="0"/>
+            </a:p>
+          </p:txBody>
+        </p:sp>
+      </p:grpSp>
+      <p:sp>
+        <p:nvSpPr>
+          <p:cNvPr id="15" name="Footer Placeholder 5">
+            <a:extLst>
+              <a:ext uri="{FF2B5EF4-FFF2-40B4-BE49-F238E27FC236}">
+                <a16:creationId xmlns:a16="http://schemas.microsoft.com/office/drawing/2014/main" id="{C45DE2A0-951D-40CE-8CDC-F56DBCBDF280}"/>
+              </a:ext>
+            </a:extLst>
+          </p:cNvPr>
+          <p:cNvSpPr>
+            <a:spLocks noGrp="1"/>
+          </p:cNvSpPr>
+          <p:nvPr>
+            <p:ph type="ftr" sz="quarter" idx="11"/>
+          </p:nvPr>
+        </p:nvSpPr>
+        <p:spPr>
+          <a:xfrm>
+            <a:off x="4038600" y="6356350"/>
+            <a:ext cx="4114800" cy="365125"/>
+          </a:xfrm>
+        </p:spPr>
+        <p:txBody>
+          <a:bodyPr>
+            <a:normAutofit/>
+          </a:bodyPr>
+          <a:lstStyle/>
+          <a:p>
+            <a:pPr>
+              <a:lnSpc>
+                <a:spcPct val="90000"/>
+              </a:lnSpc>
+              <a:spcAft>
+                <a:spcPts val="600"/>
+              </a:spcAft>
+            </a:pPr>
+            <a:endParaRPr lang="en-US" sz="700" dirty="0"/>
+          </a:p>
+        </p:txBody>
+      </p:sp>
+      <p:pic>
+        <p:nvPicPr>
+          <p:cNvPr id="7" name="Picture 6">
+            <a:extLst>
+              <a:ext uri="{FF2B5EF4-FFF2-40B4-BE49-F238E27FC236}">
+                <a16:creationId xmlns:a16="http://schemas.microsoft.com/office/drawing/2014/main" id="{6EF3C609-7DC7-EADF-ADAA-9F1C29094FCA}"/>
+              </a:ext>
+            </a:extLst>
+          </p:cNvPr>
+          <p:cNvPicPr>
+            <a:picLocks noChangeAspect="1"/>
+          </p:cNvPicPr>
+          <p:nvPr/>
+        </p:nvPicPr>
+        <p:blipFill>
+          <a:blip r:embed="rId2"/>
+          <a:stretch>
+            <a:fillRect/>
+          </a:stretch>
+        </p:blipFill>
+        <p:spPr>
+          <a:xfrm>
+            <a:off x="4771729" y="1321553"/>
+            <a:ext cx="6763342" cy="4645152"/>
+          </a:xfrm>
+          <a:prstGeom prst="rect">
+            <a:avLst/>
+          </a:prstGeom>
+        </p:spPr>
+      </p:pic>
+    </p:spTree>
+    <p:extLst>
+      <p:ext uri="{BB962C8B-B14F-4D97-AF65-F5344CB8AC3E}">
+        <p14:creationId xmlns:p14="http://schemas.microsoft.com/office/powerpoint/2010/main" val="454794925"/>
+      </p:ext>
+    </p:extLst>
+  </p:cSld>
+  <p:clrMapOvr>
+    <a:masterClrMapping/>
+  </p:clrMapOvr>
+</p:sld>
+</file>
+
+<file path=ppt/slides/slide12.xml><?xml version="1.0" encoding="utf-8"?>
+<p:sld xmlns:a="http://schemas.openxmlformats.org/drawingml/2006/main" xmlns:r="http://schemas.openxmlformats.org/officeDocument/2006/relationships" xmlns:p="http://schemas.openxmlformats.org/presentationml/2006/main">
+  <p:cSld>
+    <p:bg>
+      <p:bgPr>
+        <a:solidFill>
+          <a:schemeClr val="bg1"/>
+        </a:solidFill>
+        <a:effectLst/>
+      </p:bgPr>
+    </p:bg>
+    <p:spTree>
+      <p:nvGrpSpPr>
+        <p:cNvPr id="1" name=""/>
+        <p:cNvGrpSpPr/>
+        <p:nvPr/>
+      </p:nvGrpSpPr>
+      <p:grpSpPr>
+        <a:xfrm>
+          <a:off x="0" y="0"/>
+          <a:ext cx="0" cy="0"/>
+          <a:chOff x="0" y="0"/>
+          <a:chExt cx="0" cy="0"/>
+        </a:xfrm>
+      </p:grpSpPr>
+      <p:sp>
+        <p:nvSpPr>
+          <p:cNvPr id="20" name="Rectangle 19">
+            <a:extLst>
+              <a:ext uri="{FF2B5EF4-FFF2-40B4-BE49-F238E27FC236}">
+                <a16:creationId xmlns:a16="http://schemas.microsoft.com/office/drawing/2014/main" id="{2B566528-1B12-4246-9431-5C2D7D081168}"/>
+              </a:ext>
+              <a:ext uri="{C183D7F6-B498-43B3-948B-1728B52AA6E4}">
+                <adec:decorative xmlns:adec="http://schemas.microsoft.com/office/drawing/2017/decorative" val="1"/>
+              </a:ext>
+            </a:extLst>
+          </p:cNvPr>
+          <p:cNvSpPr>
+            <a:spLocks noGrp="1" noRot="1" noChangeAspect="1" noMove="1" noResize="1" noEditPoints="1" noAdjustHandles="1" noChangeArrowheads="1" noChangeShapeType="1" noTextEdit="1"/>
+          </p:cNvSpPr>
+          <p:nvPr>
+            <p:extLst>
+              <p:ext uri="{386F3935-93C4-4BCD-93E2-E3B085C9AB24}">
+                <p16:designElem xmlns:p16="http://schemas.microsoft.com/office/powerpoint/2015/main" val="1"/>
+              </p:ext>
+            </p:extLst>
+          </p:nvPr>
+        </p:nvSpPr>
+        <p:spPr>
+          <a:xfrm>
+            <a:off x="0" y="0"/>
+            <a:ext cx="12192000" cy="6858000"/>
+          </a:xfrm>
+          <a:prstGeom prst="rect">
+            <a:avLst/>
+          </a:prstGeom>
+          <a:solidFill>
+            <a:schemeClr val="bg1"/>
+          </a:solidFill>
+          <a:ln>
+            <a:noFill/>
+          </a:ln>
+        </p:spPr>
+        <p:style>
+          <a:lnRef idx="2">
+            <a:schemeClr val="accent1">
+              <a:shade val="50000"/>
+            </a:schemeClr>
+          </a:lnRef>
+          <a:fillRef idx="1">
+            <a:schemeClr val="accent1"/>
+          </a:fillRef>
+          <a:effectRef idx="0">
+            <a:schemeClr val="accent1"/>
+          </a:effectRef>
+          <a:fontRef idx="minor">
+            <a:schemeClr val="lt1"/>
+          </a:fontRef>
+        </p:style>
+        <p:txBody>
+          <a:bodyPr rtlCol="0" anchor="ctr"/>
+          <a:lstStyle/>
+          <a:p>
+            <a:pPr algn="ctr"/>
+            <a:endParaRPr lang="en-US" dirty="0"/>
+          </a:p>
+        </p:txBody>
+      </p:sp>
+      <p:sp>
+        <p:nvSpPr>
+          <p:cNvPr id="2" name="Title 1">
+            <a:extLst>
+              <a:ext uri="{FF2B5EF4-FFF2-40B4-BE49-F238E27FC236}">
+                <a16:creationId xmlns:a16="http://schemas.microsoft.com/office/drawing/2014/main" id="{4D4F4F8C-82C7-4A75-BDDE-C1B760C2C9DD}"/>
+              </a:ext>
+            </a:extLst>
+          </p:cNvPr>
+          <p:cNvSpPr>
+            <a:spLocks noGrp="1"/>
+          </p:cNvSpPr>
+          <p:nvPr>
+            <p:ph type="title"/>
+          </p:nvPr>
+        </p:nvSpPr>
+        <p:spPr>
+          <a:xfrm>
+            <a:off x="643467" y="321734"/>
+            <a:ext cx="10905066" cy="1135737"/>
+          </a:xfrm>
+        </p:spPr>
+        <p:txBody>
+          <a:bodyPr>
+            <a:normAutofit/>
+          </a:bodyPr>
+          <a:lstStyle/>
+          <a:p>
+            <a:pPr algn="ctr"/>
+            <a:r>
+              <a:rPr lang="en-US" sz="3600" dirty="0"/>
+              <a:t>Macro Dashboard</a:t>
+            </a:r>
+          </a:p>
+        </p:txBody>
+      </p:sp>
+      <p:sp>
+        <p:nvSpPr>
+          <p:cNvPr id="9" name="Content Placeholder 8">
+            <a:extLst>
+              <a:ext uri="{FF2B5EF4-FFF2-40B4-BE49-F238E27FC236}">
+                <a16:creationId xmlns:a16="http://schemas.microsoft.com/office/drawing/2014/main" id="{6A02CD96-D376-4809-9E95-EDF84909A920}"/>
+              </a:ext>
+            </a:extLst>
+          </p:cNvPr>
+          <p:cNvSpPr>
+            <a:spLocks noGrp="1"/>
+          </p:cNvSpPr>
+          <p:nvPr>
+            <p:ph idx="1"/>
+          </p:nvPr>
+        </p:nvSpPr>
+        <p:spPr>
+          <a:xfrm>
+            <a:off x="643469" y="1105242"/>
+            <a:ext cx="4008384" cy="5071721"/>
+          </a:xfrm>
+        </p:spPr>
+        <p:txBody>
+          <a:bodyPr>
+            <a:normAutofit fontScale="85000" lnSpcReduction="10000"/>
+          </a:bodyPr>
+          <a:lstStyle/>
+          <a:p>
+            <a:r>
+              <a:rPr lang="en-US" sz="1700" dirty="0"/>
+              <a:t>The Macro Dashboard focuses on various GDP components in addition to Total Revenue, Expenses, Fiscal Balance, and General Government Gross Debt.</a:t>
+            </a:r>
+          </a:p>
+          <a:p>
+            <a:r>
+              <a:rPr lang="en-US" sz="1700" dirty="0"/>
+              <a:t>The countries are selected from “Country vs. Neighbors” chart from the Tax Revenue Dashboard.</a:t>
+            </a:r>
+          </a:p>
+          <a:p>
+            <a:r>
+              <a:rPr lang="en-US" sz="1700" dirty="0"/>
+              <a:t>Country vs Neighbors: Total Revenue, Country vs Neighbors: Expenses, Country vs Neighbors: Fiscal Balance, and Country vs Neighbors: General Government Gross Debt (top row) charts focuses on comparing the referred indicators for selected countries.</a:t>
+            </a:r>
+          </a:p>
+          <a:p>
+            <a:r>
+              <a:rPr lang="en-US" sz="1700" dirty="0"/>
+              <a:t>GDP components chart (bottom left) focuses on GDP (constant USD) along with the components. User can select multiple or all components for comparison.</a:t>
+            </a:r>
+          </a:p>
+          <a:p>
+            <a:r>
+              <a:rPr lang="en-US" sz="1700" dirty="0"/>
+              <a:t>GDP Composition chart (bottom middle) allows user to view GDP composition with all the components either in Constant USD or in Growth Rates percentage.</a:t>
+            </a:r>
+          </a:p>
+          <a:p>
+            <a:r>
+              <a:rPr lang="en-US" sz="1700" dirty="0"/>
+              <a:t>GDP Components Comparison (bottom right) chart focuses on comparison of GDP components among selected country, its region, and world.</a:t>
+            </a:r>
+          </a:p>
+        </p:txBody>
+      </p:sp>
+      <p:grpSp>
+        <p:nvGrpSpPr>
+          <p:cNvPr id="22" name="Group 21">
+            <a:extLst>
+              <a:ext uri="{FF2B5EF4-FFF2-40B4-BE49-F238E27FC236}">
+                <a16:creationId xmlns:a16="http://schemas.microsoft.com/office/drawing/2014/main" id="{828A5161-06F1-46CF-8AD7-844680A59E13}"/>
+              </a:ext>
+              <a:ext uri="{C183D7F6-B498-43B3-948B-1728B52AA6E4}">
+                <adec:decorative xmlns:adec="http://schemas.microsoft.com/office/drawing/2017/decorative" val="1"/>
+              </a:ext>
+            </a:extLst>
+          </p:cNvPr>
+          <p:cNvGrpSpPr>
+            <a:grpSpLocks noGrp="1" noUngrp="1" noRot="1" noChangeAspect="1" noMove="1" noResize="1"/>
+          </p:cNvGrpSpPr>
+          <p:nvPr>
+            <p:extLst>
+              <p:ext uri="{386F3935-93C4-4BCD-93E2-E3B085C9AB24}">
+                <p16:designElem xmlns:p16="http://schemas.microsoft.com/office/powerpoint/2015/main" val="1"/>
+              </p:ext>
+            </p:extLst>
+          </p:nvPr>
+        </p:nvGrpSpPr>
+        <p:grpSpPr>
+          <a:xfrm>
+            <a:off x="0" y="4601497"/>
+            <a:ext cx="1014060" cy="2017580"/>
+            <a:chOff x="0" y="4601497"/>
+            <a:chExt cx="1014060" cy="2017580"/>
+          </a:xfrm>
+        </p:grpSpPr>
+        <p:sp>
+          <p:nvSpPr>
+            <p:cNvPr id="23" name="Isosceles Triangle 22">
+              <a:extLst>
+                <a:ext uri="{FF2B5EF4-FFF2-40B4-BE49-F238E27FC236}">
+                  <a16:creationId xmlns:a16="http://schemas.microsoft.com/office/drawing/2014/main" id="{D3F51FEB-38FB-4F6C-9F7B-2F2AFAB65463}"/>
+                </a:ext>
+                <a:ext uri="{C183D7F6-B498-43B3-948B-1728B52AA6E4}">
+                  <adec:decorative xmlns:adec="http://schemas.microsoft.com/office/drawing/2017/decorative" val="1"/>
+                </a:ext>
+              </a:extLst>
+            </p:cNvPr>
+            <p:cNvSpPr/>
+            <p:nvPr>
+              <p:extLst>
+                <p:ext uri="{386F3935-93C4-4BCD-93E2-E3B085C9AB24}">
+                  <p16:designElem xmlns:p16="http://schemas.microsoft.com/office/powerpoint/2015/main" val="1"/>
+                </p:ext>
+              </p:extLst>
+            </p:nvPr>
+          </p:nvSpPr>
+          <p:spPr>
+            <a:xfrm rot="5400000">
+              <a:off x="-501760" y="5103257"/>
+              <a:ext cx="2017580" cy="1014060"/>
+            </a:xfrm>
+            <a:prstGeom prst="triangle">
+              <a:avLst>
+                <a:gd name="adj" fmla="val 50000"/>
+              </a:avLst>
+            </a:prstGeom>
+            <a:solidFill>
+              <a:schemeClr val="accent1">
+                <a:alpha val="30000"/>
+              </a:schemeClr>
+            </a:solidFill>
+            <a:ln>
+              <a:noFill/>
+            </a:ln>
+          </p:spPr>
+          <p:style>
+            <a:lnRef idx="2">
+              <a:schemeClr val="accent1">
+                <a:shade val="50000"/>
+              </a:schemeClr>
+            </a:lnRef>
+            <a:fillRef idx="1">
+              <a:schemeClr val="accent1"/>
+            </a:fillRef>
+            <a:effectRef idx="0">
+              <a:schemeClr val="accent1"/>
+            </a:effectRef>
+            <a:fontRef idx="minor">
+              <a:schemeClr val="lt1"/>
+            </a:fontRef>
+          </p:style>
+          <p:txBody>
+            <a:bodyPr rtlCol="0" anchor="ctr"/>
+            <a:lstStyle/>
+            <a:p>
+              <a:pPr algn="ctr"/>
+              <a:endParaRPr lang="en-US"/>
+            </a:p>
+          </p:txBody>
+        </p:sp>
+        <p:sp>
+          <p:nvSpPr>
+            <p:cNvPr id="24" name="Rectangle 23">
+              <a:extLst>
+                <a:ext uri="{FF2B5EF4-FFF2-40B4-BE49-F238E27FC236}">
+                  <a16:creationId xmlns:a16="http://schemas.microsoft.com/office/drawing/2014/main" id="{1E547BA6-BAE0-43BB-A7CA-60F69CE252F0}"/>
+                </a:ext>
+                <a:ext uri="{C183D7F6-B498-43B3-948B-1728B52AA6E4}">
+                  <adec:decorative xmlns:adec="http://schemas.microsoft.com/office/drawing/2017/decorative" val="1"/>
+                </a:ext>
+              </a:extLst>
+            </p:cNvPr>
+            <p:cNvSpPr/>
+            <p:nvPr>
+              <p:extLst>
+                <p:ext uri="{386F3935-93C4-4BCD-93E2-E3B085C9AB24}">
+                  <p16:designElem xmlns:p16="http://schemas.microsoft.com/office/powerpoint/2015/main" val="1"/>
+                </p:ext>
+              </p:extLst>
+            </p:nvPr>
+          </p:nvSpPr>
+          <p:spPr>
+            <a:xfrm rot="2700000">
+              <a:off x="427916" y="5728708"/>
+              <a:ext cx="485578" cy="485578"/>
+            </a:xfrm>
+            <a:prstGeom prst="rect">
+              <a:avLst/>
+            </a:prstGeom>
+            <a:solidFill>
+              <a:schemeClr val="accent1">
+                <a:alpha val="30000"/>
+              </a:schemeClr>
+            </a:solidFill>
+            <a:ln>
+              <a:noFill/>
+            </a:ln>
+          </p:spPr>
+          <p:style>
+            <a:lnRef idx="2">
+              <a:schemeClr val="accent1">
+                <a:shade val="50000"/>
+              </a:schemeClr>
+            </a:lnRef>
+            <a:fillRef idx="1">
+              <a:schemeClr val="accent1"/>
+            </a:fillRef>
+            <a:effectRef idx="0">
+              <a:schemeClr val="accent1"/>
+            </a:effectRef>
+            <a:fontRef idx="minor">
+              <a:schemeClr val="lt1"/>
+            </a:fontRef>
+          </p:style>
+          <p:txBody>
+            <a:bodyPr rtlCol="0" anchor="ctr"/>
+            <a:lstStyle/>
+            <a:p>
+              <a:pPr algn="ctr"/>
+              <a:endParaRPr lang="en-US"/>
+            </a:p>
+          </p:txBody>
+        </p:sp>
+      </p:grpSp>
+      <p:grpSp>
+        <p:nvGrpSpPr>
+          <p:cNvPr id="26" name="Group 25">
+            <a:extLst>
+              <a:ext uri="{FF2B5EF4-FFF2-40B4-BE49-F238E27FC236}">
+                <a16:creationId xmlns:a16="http://schemas.microsoft.com/office/drawing/2014/main" id="{5995D10D-E9C9-47DB-AE7E-801FEF38F5C9}"/>
+              </a:ext>
+              <a:ext uri="{C183D7F6-B498-43B3-948B-1728B52AA6E4}">
+                <adec:decorative xmlns:adec="http://schemas.microsoft.com/office/drawing/2017/decorative" val="1"/>
+              </a:ext>
+            </a:extLst>
+          </p:cNvPr>
+          <p:cNvGrpSpPr>
+            <a:grpSpLocks noGrp="1" noUngrp="1" noRot="1" noChangeAspect="1" noMove="1" noResize="1"/>
+          </p:cNvGrpSpPr>
+          <p:nvPr>
+            <p:extLst>
+              <p:ext uri="{386F3935-93C4-4BCD-93E2-E3B085C9AB24}">
+                <p16:designElem xmlns:p16="http://schemas.microsoft.com/office/powerpoint/2015/main" val="1"/>
+              </p:ext>
+            </p:extLst>
+          </p:nvPr>
+        </p:nvGrpSpPr>
+        <p:grpSpPr>
+          <a:xfrm>
+            <a:off x="11219290" y="1"/>
+            <a:ext cx="972709" cy="1935307"/>
+            <a:chOff x="10918968" y="713127"/>
+            <a:chExt cx="1273032" cy="2532832"/>
+          </a:xfrm>
+        </p:grpSpPr>
+        <p:sp>
+          <p:nvSpPr>
+            <p:cNvPr id="27" name="Rectangle 26">
+              <a:extLst>
+                <a:ext uri="{FF2B5EF4-FFF2-40B4-BE49-F238E27FC236}">
+                  <a16:creationId xmlns:a16="http://schemas.microsoft.com/office/drawing/2014/main" id="{CC1A72C6-3DE4-4EC3-9AD5-9E0D40D8CE8A}"/>
+                </a:ext>
+                <a:ext uri="{C183D7F6-B498-43B3-948B-1728B52AA6E4}">
+                  <adec:decorative xmlns:adec="http://schemas.microsoft.com/office/drawing/2017/decorative" val="1"/>
+                </a:ext>
+              </a:extLst>
+            </p:cNvPr>
+            <p:cNvSpPr/>
+            <p:nvPr>
+              <p:extLst>
+                <p:ext uri="{386F3935-93C4-4BCD-93E2-E3B085C9AB24}">
+                  <p16:designElem xmlns:p16="http://schemas.microsoft.com/office/powerpoint/2015/main" val="1"/>
+                </p:ext>
+              </p:extLst>
+            </p:nvPr>
+          </p:nvSpPr>
+          <p:spPr>
+            <a:xfrm rot="2700000">
+              <a:off x="11052629" y="2120024"/>
+              <a:ext cx="645368" cy="645368"/>
+            </a:xfrm>
+            <a:prstGeom prst="rect">
+              <a:avLst/>
+            </a:prstGeom>
+            <a:solidFill>
+              <a:schemeClr val="accent4">
+                <a:alpha val="30000"/>
+              </a:schemeClr>
+            </a:solidFill>
+            <a:ln>
+              <a:noFill/>
+            </a:ln>
+          </p:spPr>
+          <p:style>
+            <a:lnRef idx="2">
+              <a:schemeClr val="accent1">
+                <a:shade val="50000"/>
+              </a:schemeClr>
+            </a:lnRef>
+            <a:fillRef idx="1">
+              <a:schemeClr val="accent1"/>
+            </a:fillRef>
+            <a:effectRef idx="0">
+              <a:schemeClr val="accent1"/>
+            </a:effectRef>
+            <a:fontRef idx="minor">
+              <a:schemeClr val="lt1"/>
+            </a:fontRef>
+          </p:style>
+          <p:txBody>
+            <a:bodyPr rtlCol="0" anchor="ctr"/>
+            <a:lstStyle/>
+            <a:p>
+              <a:pPr algn="ctr"/>
+              <a:endParaRPr lang="en-US"/>
+            </a:p>
+          </p:txBody>
+        </p:sp>
+        <p:sp>
+          <p:nvSpPr>
+            <p:cNvPr id="28" name="Isosceles Triangle 27">
+              <a:extLst>
+                <a:ext uri="{FF2B5EF4-FFF2-40B4-BE49-F238E27FC236}">
+                  <a16:creationId xmlns:a16="http://schemas.microsoft.com/office/drawing/2014/main" id="{0B0DA1F1-C391-4EDF-9FE0-23E86E137765}"/>
+                </a:ext>
+                <a:ext uri="{C183D7F6-B498-43B3-948B-1728B52AA6E4}">
+                  <adec:decorative xmlns:adec="http://schemas.microsoft.com/office/drawing/2017/decorative" val="1"/>
+                </a:ext>
+              </a:extLst>
+            </p:cNvPr>
+            <p:cNvSpPr/>
+            <p:nvPr>
+              <p:extLst>
+                <p:ext uri="{386F3935-93C4-4BCD-93E2-E3B085C9AB24}">
+                  <p16:designElem xmlns:p16="http://schemas.microsoft.com/office/powerpoint/2015/main" val="1"/>
+                </p:ext>
+              </p:extLst>
+            </p:nvPr>
+          </p:nvSpPr>
+          <p:spPr>
+            <a:xfrm rot="16200000">
+              <a:off x="10289068" y="1343027"/>
+              <a:ext cx="2532832" cy="1273032"/>
+            </a:xfrm>
+            <a:prstGeom prst="triangle">
+              <a:avLst>
+                <a:gd name="adj" fmla="val 50000"/>
+              </a:avLst>
+            </a:prstGeom>
+            <a:solidFill>
+              <a:schemeClr val="accent4">
+                <a:alpha val="30000"/>
+              </a:schemeClr>
+            </a:solidFill>
+            <a:ln>
+              <a:noFill/>
+            </a:ln>
+          </p:spPr>
+          <p:style>
+            <a:lnRef idx="2">
+              <a:schemeClr val="accent1">
+                <a:shade val="50000"/>
+              </a:schemeClr>
+            </a:lnRef>
+            <a:fillRef idx="1">
+              <a:schemeClr val="accent1"/>
+            </a:fillRef>
+            <a:effectRef idx="0">
+              <a:schemeClr val="accent1"/>
+            </a:effectRef>
+            <a:fontRef idx="minor">
+              <a:schemeClr val="lt1"/>
+            </a:fontRef>
+          </p:style>
+          <p:txBody>
+            <a:bodyPr rtlCol="0" anchor="ctr"/>
+            <a:lstStyle/>
+            <a:p>
+              <a:pPr algn="ctr"/>
+              <a:endParaRPr lang="en-US" dirty="0"/>
+            </a:p>
+          </p:txBody>
+        </p:sp>
+      </p:grpSp>
+      <p:sp>
+        <p:nvSpPr>
+          <p:cNvPr id="15" name="Footer Placeholder 5">
+            <a:extLst>
+              <a:ext uri="{FF2B5EF4-FFF2-40B4-BE49-F238E27FC236}">
+                <a16:creationId xmlns:a16="http://schemas.microsoft.com/office/drawing/2014/main" id="{C45DE2A0-951D-40CE-8CDC-F56DBCBDF280}"/>
+              </a:ext>
+            </a:extLst>
+          </p:cNvPr>
+          <p:cNvSpPr>
+            <a:spLocks noGrp="1"/>
+          </p:cNvSpPr>
+          <p:nvPr>
+            <p:ph type="ftr" sz="quarter" idx="11"/>
+          </p:nvPr>
+        </p:nvSpPr>
+        <p:spPr>
+          <a:xfrm>
+            <a:off x="4038600" y="6356350"/>
+            <a:ext cx="4114800" cy="365125"/>
+          </a:xfrm>
+        </p:spPr>
+        <p:txBody>
+          <a:bodyPr>
+            <a:normAutofit/>
+          </a:bodyPr>
+          <a:lstStyle/>
+          <a:p>
+            <a:pPr>
+              <a:lnSpc>
+                <a:spcPct val="90000"/>
+              </a:lnSpc>
+              <a:spcAft>
+                <a:spcPts val="600"/>
+              </a:spcAft>
+            </a:pPr>
+            <a:endParaRPr lang="en-US" sz="700" dirty="0"/>
+          </a:p>
+        </p:txBody>
+      </p:sp>
+      <p:pic>
+        <p:nvPicPr>
+          <p:cNvPr id="7" name="Picture 6">
+            <a:extLst>
+              <a:ext uri="{FF2B5EF4-FFF2-40B4-BE49-F238E27FC236}">
+                <a16:creationId xmlns:a16="http://schemas.microsoft.com/office/drawing/2014/main" id="{83863DE7-6DD5-8A94-6F48-5AA11EA205FC}"/>
+              </a:ext>
+            </a:extLst>
+          </p:cNvPr>
+          <p:cNvPicPr>
+            <a:picLocks noChangeAspect="1"/>
+          </p:cNvPicPr>
+          <p:nvPr/>
+        </p:nvPicPr>
+        <p:blipFill>
+          <a:blip r:embed="rId2"/>
+          <a:stretch>
+            <a:fillRect/>
+          </a:stretch>
+        </p:blipFill>
+        <p:spPr>
+          <a:xfrm>
+            <a:off x="4715685" y="1105243"/>
+            <a:ext cx="7137919" cy="5071720"/>
+          </a:xfrm>
+          <a:prstGeom prst="rect">
+            <a:avLst/>
+          </a:prstGeom>
+        </p:spPr>
+      </p:pic>
+      <p:sp>
+        <p:nvSpPr>
+          <p:cNvPr id="11" name="Oval 10">
+            <a:extLst>
+              <a:ext uri="{FF2B5EF4-FFF2-40B4-BE49-F238E27FC236}">
+                <a16:creationId xmlns:a16="http://schemas.microsoft.com/office/drawing/2014/main" id="{FDDFCE6C-BFF8-ADF9-D4E3-E0D74A16CAAF}"/>
+              </a:ext>
+            </a:extLst>
+          </p:cNvPr>
+          <p:cNvSpPr/>
+          <p:nvPr/>
+        </p:nvSpPr>
+        <p:spPr>
+          <a:xfrm>
+            <a:off x="8087714" y="3556399"/>
+            <a:ext cx="993422" cy="338629"/>
+          </a:xfrm>
+          <a:prstGeom prst="ellipse">
+            <a:avLst/>
+          </a:prstGeom>
+          <a:noFill/>
+          <a:ln>
+            <a:solidFill>
+              <a:srgbClr val="FF0000"/>
+            </a:solidFill>
+          </a:ln>
+        </p:spPr>
+        <p:style>
+          <a:lnRef idx="2">
+            <a:schemeClr val="accent1">
+              <a:shade val="50000"/>
+            </a:schemeClr>
+          </a:lnRef>
+          <a:fillRef idx="1">
+            <a:schemeClr val="accent1"/>
+          </a:fillRef>
+          <a:effectRef idx="0">
+            <a:schemeClr val="accent1"/>
+          </a:effectRef>
+          <a:fontRef idx="minor">
+            <a:schemeClr val="lt1"/>
+          </a:fontRef>
+        </p:style>
+        <p:txBody>
+          <a:bodyPr rtlCol="0" anchor="ctr"/>
+          <a:lstStyle/>
+          <a:p>
+            <a:pPr algn="ctr"/>
+            <a:endParaRPr lang="en-US"/>
+          </a:p>
+        </p:txBody>
+      </p:sp>
+      <p:cxnSp>
+        <p:nvCxnSpPr>
+          <p:cNvPr id="12" name="Straight Arrow Connector 11">
+            <a:extLst>
+              <a:ext uri="{FF2B5EF4-FFF2-40B4-BE49-F238E27FC236}">
+                <a16:creationId xmlns:a16="http://schemas.microsoft.com/office/drawing/2014/main" id="{CDBD52D0-C623-654F-F0BD-DEE4772AFEAA}"/>
+              </a:ext>
+            </a:extLst>
+          </p:cNvPr>
+          <p:cNvCxnSpPr>
+            <a:cxnSpLocks/>
+            <a:stCxn id="13" idx="1"/>
+            <a:endCxn id="11" idx="6"/>
+          </p:cNvCxnSpPr>
+          <p:nvPr/>
+        </p:nvCxnSpPr>
+        <p:spPr>
+          <a:xfrm flipH="1" flipV="1">
+            <a:off x="9081136" y="3725714"/>
+            <a:ext cx="247510" cy="15351"/>
+          </a:xfrm>
+          <a:prstGeom prst="straightConnector1">
+            <a:avLst/>
+          </a:prstGeom>
+          <a:ln>
+            <a:solidFill>
+              <a:srgbClr val="FF0000"/>
+            </a:solidFill>
+            <a:tailEnd type="triangle"/>
+          </a:ln>
+        </p:spPr>
+        <p:style>
+          <a:lnRef idx="1">
+            <a:schemeClr val="accent1"/>
+          </a:lnRef>
+          <a:fillRef idx="0">
+            <a:schemeClr val="accent1"/>
+          </a:fillRef>
+          <a:effectRef idx="0">
+            <a:schemeClr val="accent1"/>
+          </a:effectRef>
+          <a:fontRef idx="minor">
+            <a:schemeClr val="tx1"/>
+          </a:fontRef>
+        </p:style>
+      </p:cxnSp>
+      <p:sp>
+        <p:nvSpPr>
+          <p:cNvPr id="13" name="TextBox 12">
+            <a:extLst>
+              <a:ext uri="{FF2B5EF4-FFF2-40B4-BE49-F238E27FC236}">
+                <a16:creationId xmlns:a16="http://schemas.microsoft.com/office/drawing/2014/main" id="{8DA3147A-35FD-050B-BD33-BF63B0B6EB28}"/>
+              </a:ext>
+            </a:extLst>
+          </p:cNvPr>
+          <p:cNvSpPr txBox="1"/>
+          <p:nvPr/>
+        </p:nvSpPr>
+        <p:spPr>
+          <a:xfrm>
+            <a:off x="9328646" y="3556399"/>
+            <a:ext cx="1412736" cy="369332"/>
+          </a:xfrm>
+          <a:prstGeom prst="rect">
+            <a:avLst/>
+          </a:prstGeom>
+          <a:noFill/>
+        </p:spPr>
+        <p:txBody>
+          <a:bodyPr wrap="square" rtlCol="0">
+            <a:spAutoFit/>
+          </a:bodyPr>
+          <a:lstStyle/>
+          <a:p>
+            <a:r>
+              <a:rPr lang="en-US" sz="900" b="1" dirty="0">
+                <a:solidFill>
+                  <a:srgbClr val="FF0000"/>
+                </a:solidFill>
+              </a:rPr>
+              <a:t>Choose Constant USD or Growth Rates option</a:t>
+            </a:r>
+          </a:p>
+        </p:txBody>
+      </p:sp>
+    </p:spTree>
+    <p:extLst>
+      <p:ext uri="{BB962C8B-B14F-4D97-AF65-F5344CB8AC3E}">
+        <p14:creationId xmlns:p14="http://schemas.microsoft.com/office/powerpoint/2010/main" val="3834550388"/>
       </p:ext>
     </p:extLst>
   </p:cSld>
@@ -6344,36 +8118,6 @@
           </a:p>
         </p:txBody>
       </p:sp>
-      <p:pic>
-        <p:nvPicPr>
-          <p:cNvPr id="6" name="Picture 5">
-            <a:extLst>
-              <a:ext uri="{FF2B5EF4-FFF2-40B4-BE49-F238E27FC236}">
-                <a16:creationId xmlns:a16="http://schemas.microsoft.com/office/drawing/2014/main" id="{FD465908-EA6A-451F-97D5-70FDB794B171}"/>
-              </a:ext>
-            </a:extLst>
-          </p:cNvPr>
-          <p:cNvPicPr>
-            <a:picLocks noChangeAspect="1"/>
-          </p:cNvPicPr>
-          <p:nvPr/>
-        </p:nvPicPr>
-        <p:blipFill>
-          <a:blip r:embed="rId2"/>
-          <a:stretch>
-            <a:fillRect/>
-          </a:stretch>
-        </p:blipFill>
-        <p:spPr>
-          <a:xfrm>
-            <a:off x="90311" y="1049867"/>
-            <a:ext cx="12192000" cy="4786489"/>
-          </a:xfrm>
-          <a:prstGeom prst="rect">
-            <a:avLst/>
-          </a:prstGeom>
-        </p:spPr>
-      </p:pic>
       <p:sp>
         <p:nvSpPr>
           <p:cNvPr id="7" name="Oval 6">
@@ -6426,6 +8170,330 @@
           </a:p>
         </p:txBody>
       </p:sp>
+      <p:pic>
+        <p:nvPicPr>
+          <p:cNvPr id="13" name="Picture 12">
+            <a:extLst>
+              <a:ext uri="{FF2B5EF4-FFF2-40B4-BE49-F238E27FC236}">
+                <a16:creationId xmlns:a16="http://schemas.microsoft.com/office/drawing/2014/main" id="{B4035CC5-1983-43D6-8930-84218D739FC5}"/>
+              </a:ext>
+            </a:extLst>
+          </p:cNvPr>
+          <p:cNvPicPr>
+            <a:picLocks noChangeAspect="1"/>
+          </p:cNvPicPr>
+          <p:nvPr/>
+        </p:nvPicPr>
+        <p:blipFill>
+          <a:blip r:embed="rId2"/>
+          <a:stretch>
+            <a:fillRect/>
+          </a:stretch>
+        </p:blipFill>
+        <p:spPr>
+          <a:xfrm>
+            <a:off x="0" y="225425"/>
+            <a:ext cx="12192000" cy="6407150"/>
+          </a:xfrm>
+          <a:prstGeom prst="rect">
+            <a:avLst/>
+          </a:prstGeom>
+        </p:spPr>
+      </p:pic>
+      <p:cxnSp>
+        <p:nvCxnSpPr>
+          <p:cNvPr id="9" name="Straight Arrow Connector 8">
+            <a:extLst>
+              <a:ext uri="{FF2B5EF4-FFF2-40B4-BE49-F238E27FC236}">
+                <a16:creationId xmlns:a16="http://schemas.microsoft.com/office/drawing/2014/main" id="{47A0964D-5D75-4BF8-B152-6F55D70BD300}"/>
+              </a:ext>
+            </a:extLst>
+          </p:cNvPr>
+          <p:cNvCxnSpPr>
+            <a:cxnSpLocks/>
+            <a:stCxn id="7" idx="2"/>
+          </p:cNvCxnSpPr>
+          <p:nvPr/>
+        </p:nvCxnSpPr>
+        <p:spPr>
+          <a:xfrm flipH="1" flipV="1">
+            <a:off x="8584163" y="1089150"/>
+            <a:ext cx="2425959" cy="4674865"/>
+          </a:xfrm>
+          <a:prstGeom prst="straightConnector1">
+            <a:avLst/>
+          </a:prstGeom>
+          <a:ln>
+            <a:solidFill>
+              <a:srgbClr val="FF0000"/>
+            </a:solidFill>
+            <a:tailEnd type="triangle"/>
+          </a:ln>
+        </p:spPr>
+        <p:style>
+          <a:lnRef idx="1">
+            <a:schemeClr val="accent1"/>
+          </a:lnRef>
+          <a:fillRef idx="0">
+            <a:schemeClr val="accent1"/>
+          </a:fillRef>
+          <a:effectRef idx="0">
+            <a:schemeClr val="accent1"/>
+          </a:effectRef>
+          <a:fontRef idx="minor">
+            <a:schemeClr val="tx1"/>
+          </a:fontRef>
+        </p:style>
+      </p:cxnSp>
+      <p:sp>
+        <p:nvSpPr>
+          <p:cNvPr id="12" name="TextBox 11">
+            <a:extLst>
+              <a:ext uri="{FF2B5EF4-FFF2-40B4-BE49-F238E27FC236}">
+                <a16:creationId xmlns:a16="http://schemas.microsoft.com/office/drawing/2014/main" id="{98D1C4DD-6426-49DE-9B6E-CA3CA95714F0}"/>
+              </a:ext>
+            </a:extLst>
+          </p:cNvPr>
+          <p:cNvSpPr txBox="1"/>
+          <p:nvPr/>
+        </p:nvSpPr>
+        <p:spPr>
+          <a:xfrm>
+            <a:off x="7091264" y="350486"/>
+            <a:ext cx="4262535" cy="738664"/>
+          </a:xfrm>
+          <a:prstGeom prst="rect">
+            <a:avLst/>
+          </a:prstGeom>
+          <a:noFill/>
+        </p:spPr>
+        <p:txBody>
+          <a:bodyPr wrap="square" rtlCol="0">
+            <a:spAutoFit/>
+          </a:bodyPr>
+          <a:lstStyle/>
+          <a:p>
+            <a:r>
+              <a:rPr lang="en-US" sz="1400" b="1" dirty="0">
+                <a:solidFill>
+                  <a:srgbClr val="FF0000"/>
+                </a:solidFill>
+              </a:rPr>
+              <a:t>Selecting Download activates various options to download Data (csv/Excel) and Charts. Selecting PDF/PowerPoint allows selection of individual charts</a:t>
+            </a:r>
+          </a:p>
+        </p:txBody>
+      </p:sp>
+    </p:spTree>
+    <p:extLst>
+      <p:ext uri="{BB962C8B-B14F-4D97-AF65-F5344CB8AC3E}">
+        <p14:creationId xmlns:p14="http://schemas.microsoft.com/office/powerpoint/2010/main" val="3132577484"/>
+      </p:ext>
+    </p:extLst>
+  </p:cSld>
+  <p:clrMapOvr>
+    <a:masterClrMapping/>
+  </p:clrMapOvr>
+</p:sld>
+</file>
+
+<file path=ppt/slides/slide14.xml><?xml version="1.0" encoding="utf-8"?>
+<p:sld xmlns:a="http://schemas.openxmlformats.org/drawingml/2006/main" xmlns:r="http://schemas.openxmlformats.org/officeDocument/2006/relationships" xmlns:p="http://schemas.openxmlformats.org/presentationml/2006/main">
+  <p:cSld>
+    <p:spTree>
+      <p:nvGrpSpPr>
+        <p:cNvPr id="1" name=""/>
+        <p:cNvGrpSpPr/>
+        <p:nvPr/>
+      </p:nvGrpSpPr>
+      <p:grpSpPr>
+        <a:xfrm>
+          <a:off x="0" y="0"/>
+          <a:ext cx="0" cy="0"/>
+          <a:chOff x="0" y="0"/>
+          <a:chExt cx="0" cy="0"/>
+        </a:xfrm>
+      </p:grpSpPr>
+      <p:sp>
+        <p:nvSpPr>
+          <p:cNvPr id="2" name="Title 1">
+            <a:extLst>
+              <a:ext uri="{FF2B5EF4-FFF2-40B4-BE49-F238E27FC236}">
+                <a16:creationId xmlns:a16="http://schemas.microsoft.com/office/drawing/2014/main" id="{7217CF72-B613-47A4-8CAE-39814C22EC48}"/>
+              </a:ext>
+            </a:extLst>
+          </p:cNvPr>
+          <p:cNvSpPr>
+            <a:spLocks noGrp="1"/>
+          </p:cNvSpPr>
+          <p:nvPr>
+            <p:ph type="title"/>
+          </p:nvPr>
+        </p:nvSpPr>
+        <p:spPr>
+          <a:xfrm>
+            <a:off x="90311" y="136525"/>
+            <a:ext cx="10515600" cy="684742"/>
+          </a:xfrm>
+        </p:spPr>
+        <p:txBody>
+          <a:bodyPr>
+            <a:normAutofit fontScale="90000"/>
+          </a:bodyPr>
+          <a:lstStyle/>
+          <a:p>
+            <a:r>
+              <a:rPr lang="en-US" dirty="0"/>
+              <a:t>Downloading Data and Charts </a:t>
+            </a:r>
+          </a:p>
+        </p:txBody>
+      </p:sp>
+      <p:sp>
+        <p:nvSpPr>
+          <p:cNvPr id="3" name="Content Placeholder 2">
+            <a:extLst>
+              <a:ext uri="{FF2B5EF4-FFF2-40B4-BE49-F238E27FC236}">
+                <a16:creationId xmlns:a16="http://schemas.microsoft.com/office/drawing/2014/main" id="{3E724538-44C9-4D43-969E-54BC3E43CB6E}"/>
+              </a:ext>
+            </a:extLst>
+          </p:cNvPr>
+          <p:cNvSpPr>
+            <a:spLocks noGrp="1"/>
+          </p:cNvSpPr>
+          <p:nvPr>
+            <p:ph idx="1"/>
+          </p:nvPr>
+        </p:nvSpPr>
+        <p:spPr/>
+        <p:txBody>
+          <a:bodyPr/>
+          <a:lstStyle/>
+          <a:p>
+            <a:endParaRPr lang="en-US"/>
+          </a:p>
+        </p:txBody>
+      </p:sp>
+      <p:sp>
+        <p:nvSpPr>
+          <p:cNvPr id="4" name="Footer Placeholder 3">
+            <a:extLst>
+              <a:ext uri="{FF2B5EF4-FFF2-40B4-BE49-F238E27FC236}">
+                <a16:creationId xmlns:a16="http://schemas.microsoft.com/office/drawing/2014/main" id="{96E8FE31-FB4F-45D0-95C6-B80E5A5DFE1B}"/>
+              </a:ext>
+            </a:extLst>
+          </p:cNvPr>
+          <p:cNvSpPr>
+            <a:spLocks noGrp="1"/>
+          </p:cNvSpPr>
+          <p:nvPr>
+            <p:ph type="ftr" sz="quarter" idx="11"/>
+          </p:nvPr>
+        </p:nvSpPr>
+        <p:spPr>
+          <a:xfrm>
+            <a:off x="541867" y="6356350"/>
+            <a:ext cx="11277600" cy="365125"/>
+          </a:xfrm>
+        </p:spPr>
+        <p:txBody>
+          <a:bodyPr/>
+          <a:lstStyle/>
+          <a:p>
+            <a:pPr>
+              <a:lnSpc>
+                <a:spcPct val="90000"/>
+              </a:lnSpc>
+              <a:spcAft>
+                <a:spcPts val="600"/>
+              </a:spcAft>
+            </a:pPr>
+            <a:endParaRPr lang="en-US" sz="800" dirty="0"/>
+          </a:p>
+        </p:txBody>
+      </p:sp>
+      <p:pic>
+        <p:nvPicPr>
+          <p:cNvPr id="6" name="Picture 5">
+            <a:extLst>
+              <a:ext uri="{FF2B5EF4-FFF2-40B4-BE49-F238E27FC236}">
+                <a16:creationId xmlns:a16="http://schemas.microsoft.com/office/drawing/2014/main" id="{FD465908-EA6A-451F-97D5-70FDB794B171}"/>
+              </a:ext>
+            </a:extLst>
+          </p:cNvPr>
+          <p:cNvPicPr>
+            <a:picLocks noChangeAspect="1"/>
+          </p:cNvPicPr>
+          <p:nvPr/>
+        </p:nvPicPr>
+        <p:blipFill>
+          <a:blip r:embed="rId2"/>
+          <a:stretch>
+            <a:fillRect/>
+          </a:stretch>
+        </p:blipFill>
+        <p:spPr>
+          <a:xfrm>
+            <a:off x="90311" y="1049867"/>
+            <a:ext cx="12192000" cy="4786489"/>
+          </a:xfrm>
+          <a:prstGeom prst="rect">
+            <a:avLst/>
+          </a:prstGeom>
+        </p:spPr>
+      </p:pic>
+      <p:sp>
+        <p:nvSpPr>
+          <p:cNvPr id="7" name="Oval 6">
+            <a:extLst>
+              <a:ext uri="{FF2B5EF4-FFF2-40B4-BE49-F238E27FC236}">
+                <a16:creationId xmlns:a16="http://schemas.microsoft.com/office/drawing/2014/main" id="{F38576A8-1509-40EB-ABD4-05C9CF5CCBFC}"/>
+              </a:ext>
+            </a:extLst>
+          </p:cNvPr>
+          <p:cNvSpPr/>
+          <p:nvPr/>
+        </p:nvSpPr>
+        <p:spPr>
+          <a:xfrm>
+            <a:off x="11010122" y="5691673"/>
+            <a:ext cx="578498" cy="144683"/>
+          </a:xfrm>
+          <a:prstGeom prst="ellipse">
+            <a:avLst/>
+          </a:prstGeom>
+          <a:noFill/>
+          <a:ln>
+            <a:solidFill>
+              <a:srgbClr val="FF0000"/>
+            </a:solidFill>
+          </a:ln>
+        </p:spPr>
+        <p:style>
+          <a:lnRef idx="2">
+            <a:schemeClr val="accent1">
+              <a:shade val="50000"/>
+            </a:schemeClr>
+          </a:lnRef>
+          <a:fillRef idx="1">
+            <a:schemeClr val="accent1"/>
+          </a:fillRef>
+          <a:effectRef idx="0">
+            <a:schemeClr val="accent1"/>
+          </a:effectRef>
+          <a:fontRef idx="minor">
+            <a:schemeClr val="lt1"/>
+          </a:fontRef>
+        </p:style>
+        <p:txBody>
+          <a:bodyPr rtlCol="0" anchor="ctr"/>
+          <a:lstStyle/>
+          <a:p>
+            <a:pPr algn="ctr"/>
+            <a:endParaRPr lang="en-US"/>
+          </a:p>
+        </p:txBody>
+      </p:sp>
       <p:cxnSp>
         <p:nvCxnSpPr>
           <p:cNvPr id="9" name="Straight Arrow Connector 8">
@@ -6557,7 +8625,7 @@
     </p:spTree>
     <p:extLst>
       <p:ext uri="{BB962C8B-B14F-4D97-AF65-F5344CB8AC3E}">
-        <p14:creationId xmlns:p14="http://schemas.microsoft.com/office/powerpoint/2010/main" val="3132577484"/>
+        <p14:creationId xmlns:p14="http://schemas.microsoft.com/office/powerpoint/2010/main" val="2651786568"/>
       </p:ext>
     </p:extLst>
   </p:cSld>
@@ -6567,7 +8635,7 @@
 </p:sld>
 </file>
 
-<file path=ppt/slides/slide14.xml><?xml version="1.0" encoding="utf-8"?>
+<file path=ppt/slides/slide15.xml><?xml version="1.0" encoding="utf-8"?>
 <p:sld xmlns:a="http://schemas.openxmlformats.org/drawingml/2006/main" xmlns:r="http://schemas.openxmlformats.org/officeDocument/2006/relationships" xmlns:p="http://schemas.openxmlformats.org/presentationml/2006/main">
   <p:cSld>
     <p:bg>
@@ -7106,7 +9174,7 @@
 </p:sld>
 </file>
 
-<file path=ppt/slides/slide15.xml><?xml version="1.0" encoding="utf-8"?>
+<file path=ppt/slides/slide16.xml><?xml version="1.0" encoding="utf-8"?>
 <p:sld xmlns:a="http://schemas.openxmlformats.org/drawingml/2006/main" xmlns:r="http://schemas.openxmlformats.org/officeDocument/2006/relationships" xmlns:p="http://schemas.openxmlformats.org/presentationml/2006/main">
   <p:cSld>
     <p:spTree>
@@ -7282,8 +9350,8 @@
         </p:nvSpPr>
         <p:spPr>
           <a:xfrm>
-            <a:off x="345232" y="261256"/>
-            <a:ext cx="4627983" cy="848645"/>
+            <a:off x="83128" y="261256"/>
+            <a:ext cx="5420787" cy="848645"/>
           </a:xfrm>
         </p:spPr>
         <p:txBody>
@@ -7298,12 +9366,9 @@
               </a:rPr>
               <a:t>Revenue Dashboard</a:t>
             </a:r>
-            <a:br>
+            <a:r>
               <a:rPr lang="en-US" sz="4200" dirty="0"/>
-            </a:br>
-            <a:r>
-              <a:rPr lang="en-US" sz="4200" dirty="0"/>
-              <a:t>- Overview</a:t>
+              <a:t>: Overview</a:t>
             </a:r>
             <a:endParaRPr lang="en-US" sz="2200" b="1" dirty="0"/>
           </a:p>
@@ -7333,38 +9398,6 @@
           <a:xfrm>
             <a:off x="5597221" y="138274"/>
             <a:ext cx="6336362" cy="2986712"/>
-          </a:xfrm>
-          <a:prstGeom prst="rect">
-            <a:avLst/>
-          </a:prstGeom>
-        </p:spPr>
-      </p:pic>
-      <p:pic>
-        <p:nvPicPr>
-          <p:cNvPr id="5" name="Content Placeholder 4" descr="Graphical user interface, chart, application&#10;&#10;Description automatically generated">
-            <a:extLst>
-              <a:ext uri="{FF2B5EF4-FFF2-40B4-BE49-F238E27FC236}">
-                <a16:creationId xmlns:a16="http://schemas.microsoft.com/office/drawing/2014/main" id="{85401CA2-7080-4487-A4EE-0AC61070E4F3}"/>
-              </a:ext>
-            </a:extLst>
-          </p:cNvPr>
-          <p:cNvPicPr>
-            <a:picLocks noGrp="1" noChangeAspect="1"/>
-          </p:cNvPicPr>
-          <p:nvPr>
-            <p:ph idx="1"/>
-          </p:nvPr>
-        </p:nvPicPr>
-        <p:blipFill>
-          <a:blip r:embed="rId4"/>
-          <a:stretch>
-            <a:fillRect/>
-          </a:stretch>
-        </p:blipFill>
-        <p:spPr>
-          <a:xfrm>
-            <a:off x="5734667" y="3205654"/>
-            <a:ext cx="5586942" cy="3067381"/>
           </a:xfrm>
           <a:prstGeom prst="rect">
             <a:avLst/>
@@ -7783,6 +9816,36 @@
           </a:p>
         </p:txBody>
       </p:sp>
+      <p:pic>
+        <p:nvPicPr>
+          <p:cNvPr id="4" name="Picture 3">
+            <a:extLst>
+              <a:ext uri="{FF2B5EF4-FFF2-40B4-BE49-F238E27FC236}">
+                <a16:creationId xmlns:a16="http://schemas.microsoft.com/office/drawing/2014/main" id="{8232DE1F-0C30-4C63-A43F-495BC42D5759}"/>
+              </a:ext>
+            </a:extLst>
+          </p:cNvPr>
+          <p:cNvPicPr>
+            <a:picLocks noChangeAspect="1"/>
+          </p:cNvPicPr>
+          <p:nvPr/>
+        </p:nvPicPr>
+        <p:blipFill>
+          <a:blip r:embed="rId4"/>
+          <a:stretch>
+            <a:fillRect/>
+          </a:stretch>
+        </p:blipFill>
+        <p:spPr>
+          <a:xfrm>
+            <a:off x="5733288" y="3192126"/>
+            <a:ext cx="5881333" cy="3072384"/>
+          </a:xfrm>
+          <a:prstGeom prst="rect">
+            <a:avLst/>
+          </a:prstGeom>
+        </p:spPr>
+      </p:pic>
     </p:spTree>
     <p:extLst>
       <p:ext uri="{BB962C8B-B14F-4D97-AF65-F5344CB8AC3E}">
@@ -7912,9 +9975,10 @@
           </a:bodyPr>
           <a:lstStyle/>
           <a:p>
+            <a:pPr algn="ctr"/>
             <a:r>
               <a:rPr lang="en-US" sz="3600" dirty="0"/>
-              <a:t>Dashboard Components - Tax Revenue Dashboard</a:t>
+              <a:t>Tax Revenue Dashboard</a:t>
             </a:r>
           </a:p>
         </p:txBody>
@@ -7937,8 +10001,8 @@
         </p:nvSpPr>
         <p:spPr>
           <a:xfrm>
-            <a:off x="507030" y="1345815"/>
-            <a:ext cx="4008384" cy="4393982"/>
+            <a:off x="507030" y="1457471"/>
+            <a:ext cx="4008384" cy="4488048"/>
           </a:xfrm>
         </p:spPr>
         <p:txBody>
@@ -7975,7 +10039,7 @@
           <a:p>
             <a:r>
               <a:rPr lang="en-US" sz="2000" dirty="0"/>
-              <a:t>Single or multiple countries can be selected from “Countries” filter and time period can be selected using “Years” slider</a:t>
+              <a:t>Single or multiple countries can be selected from “Countries” filter, single indicator can be selected from “Indicators” filter, and time period can be selected using “Years” slider</a:t>
             </a:r>
           </a:p>
           <a:p>
@@ -8312,36 +10376,6 @@
           </p:txBody>
         </p:sp>
       </p:grpSp>
-      <p:pic>
-        <p:nvPicPr>
-          <p:cNvPr id="4" name="Picture 3">
-            <a:extLst>
-              <a:ext uri="{FF2B5EF4-FFF2-40B4-BE49-F238E27FC236}">
-                <a16:creationId xmlns:a16="http://schemas.microsoft.com/office/drawing/2014/main" id="{1B50D216-F5D9-4181-8A72-365CE4B68325}"/>
-              </a:ext>
-            </a:extLst>
-          </p:cNvPr>
-          <p:cNvPicPr>
-            <a:picLocks noChangeAspect="1"/>
-          </p:cNvPicPr>
-          <p:nvPr/>
-        </p:nvPicPr>
-        <p:blipFill>
-          <a:blip r:embed="rId2"/>
-          <a:stretch>
-            <a:fillRect/>
-          </a:stretch>
-        </p:blipFill>
-        <p:spPr>
-          <a:xfrm>
-            <a:off x="4572000" y="1166327"/>
-            <a:ext cx="7620000" cy="5187375"/>
-          </a:xfrm>
-          <a:prstGeom prst="rect">
-            <a:avLst/>
-          </a:prstGeom>
-        </p:spPr>
-      </p:pic>
       <p:sp>
         <p:nvSpPr>
           <p:cNvPr id="17" name="TextBox 16">
@@ -8409,7 +10443,7 @@
                 </a:solidFill>
                 <a:effectLst/>
                 <a:cs typeface="Arial" panose="020B0604020202020204" pitchFamily="34" charset="0"/>
-                <a:hlinkClick r:id="rId3"/>
+                <a:hlinkClick r:id="rId2"/>
               </a:rPr>
               <a:t>here</a:t>
             </a:r>
@@ -8438,6 +10472,36 @@
           </a:p>
         </p:txBody>
       </p:sp>
+      <p:pic>
+        <p:nvPicPr>
+          <p:cNvPr id="13" name="Picture 12">
+            <a:extLst>
+              <a:ext uri="{FF2B5EF4-FFF2-40B4-BE49-F238E27FC236}">
+                <a16:creationId xmlns:a16="http://schemas.microsoft.com/office/drawing/2014/main" id="{1EC7E900-FB1A-4D70-B8D9-B36149FC79E4}"/>
+              </a:ext>
+            </a:extLst>
+          </p:cNvPr>
+          <p:cNvPicPr>
+            <a:picLocks noChangeAspect="1"/>
+          </p:cNvPicPr>
+          <p:nvPr/>
+        </p:nvPicPr>
+        <p:blipFill>
+          <a:blip r:embed="rId3"/>
+          <a:stretch>
+            <a:fillRect/>
+          </a:stretch>
+        </p:blipFill>
+        <p:spPr>
+          <a:xfrm>
+            <a:off x="4355869" y="1371600"/>
+            <a:ext cx="7329101" cy="4573920"/>
+          </a:xfrm>
+          <a:prstGeom prst="rect">
+            <a:avLst/>
+          </a:prstGeom>
+        </p:spPr>
+      </p:pic>
     </p:spTree>
     <p:extLst>
       <p:ext uri="{BB962C8B-B14F-4D97-AF65-F5344CB8AC3E}">
@@ -8476,69 +10540,12 @@
           <a:chExt cx="0" cy="0"/>
         </a:xfrm>
       </p:grpSpPr>
-      <p:sp>
-        <p:nvSpPr>
-          <p:cNvPr id="4" name="Footer Placeholder 3">
-            <a:extLst>
-              <a:ext uri="{FF2B5EF4-FFF2-40B4-BE49-F238E27FC236}">
-                <a16:creationId xmlns:a16="http://schemas.microsoft.com/office/drawing/2014/main" id="{96F628D8-034A-4109-BD9D-D63D26763163}"/>
-              </a:ext>
-            </a:extLst>
-          </p:cNvPr>
-          <p:cNvSpPr>
-            <a:spLocks noGrp="1"/>
-          </p:cNvSpPr>
-          <p:nvPr>
-            <p:ph type="ftr" sz="quarter" idx="11"/>
-          </p:nvPr>
-        </p:nvSpPr>
-        <p:spPr>
-          <a:xfrm>
-            <a:off x="671804" y="6356350"/>
-            <a:ext cx="11336694" cy="365125"/>
-          </a:xfrm>
-        </p:spPr>
-        <p:txBody>
-          <a:bodyPr vert="horz" lIns="91440" tIns="45720" rIns="91440" bIns="45720" rtlCol="0" anchor="ctr">
-            <a:normAutofit/>
-          </a:bodyPr>
-          <a:lstStyle/>
-          <a:p>
-            <a:endParaRPr lang="en-US" sz="900" dirty="0"/>
-          </a:p>
-        </p:txBody>
-      </p:sp>
-      <p:sp>
-        <p:nvSpPr>
-          <p:cNvPr id="3" name="Content Placeholder 2">
-            <a:extLst>
-              <a:ext uri="{FF2B5EF4-FFF2-40B4-BE49-F238E27FC236}">
-                <a16:creationId xmlns:a16="http://schemas.microsoft.com/office/drawing/2014/main" id="{6750BA1D-CADD-4B66-8CCF-713FEC4FC02D}"/>
-              </a:ext>
-            </a:extLst>
-          </p:cNvPr>
-          <p:cNvSpPr>
-            <a:spLocks noGrp="1"/>
-          </p:cNvSpPr>
-          <p:nvPr>
-            <p:ph idx="1"/>
-          </p:nvPr>
-        </p:nvSpPr>
-        <p:spPr/>
-        <p:txBody>
-          <a:bodyPr/>
-          <a:lstStyle/>
-          <a:p>
-            <a:endParaRPr lang="en-US"/>
-          </a:p>
-        </p:txBody>
-      </p:sp>
       <p:pic>
         <p:nvPicPr>
-          <p:cNvPr id="7" name="Picture 6">
-            <a:extLst>
-              <a:ext uri="{FF2B5EF4-FFF2-40B4-BE49-F238E27FC236}">
-                <a16:creationId xmlns:a16="http://schemas.microsoft.com/office/drawing/2014/main" id="{9F7AFE1A-8CF1-4DCC-BAE7-A4221B8E7C92}"/>
+          <p:cNvPr id="17" name="Picture 16">
+            <a:extLst>
+              <a:ext uri="{FF2B5EF4-FFF2-40B4-BE49-F238E27FC236}">
+                <a16:creationId xmlns:a16="http://schemas.microsoft.com/office/drawing/2014/main" id="{3EB1E7DA-76F5-4B28-BDB0-D6D60DA291BB}"/>
               </a:ext>
             </a:extLst>
           </p:cNvPr>
@@ -8555,8 +10562,8 @@
         </p:blipFill>
         <p:spPr>
           <a:xfrm>
-            <a:off x="0" y="681037"/>
-            <a:ext cx="12192000" cy="5495926"/>
+            <a:off x="0" y="685800"/>
+            <a:ext cx="12188952" cy="6367458"/>
           </a:xfrm>
           <a:prstGeom prst="rect">
             <a:avLst/>
@@ -8565,110 +10572,397 @@
       </p:pic>
       <p:sp>
         <p:nvSpPr>
-          <p:cNvPr id="8" name="TextBox 7">
-            <a:extLst>
-              <a:ext uri="{FF2B5EF4-FFF2-40B4-BE49-F238E27FC236}">
-                <a16:creationId xmlns:a16="http://schemas.microsoft.com/office/drawing/2014/main" id="{9214458A-8342-4ADA-8E9B-474141DC3E96}"/>
-              </a:ext>
-            </a:extLst>
-          </p:cNvPr>
-          <p:cNvSpPr txBox="1"/>
-          <p:nvPr/>
+          <p:cNvPr id="4" name="Footer Placeholder 3">
+            <a:extLst>
+              <a:ext uri="{FF2B5EF4-FFF2-40B4-BE49-F238E27FC236}">
+                <a16:creationId xmlns:a16="http://schemas.microsoft.com/office/drawing/2014/main" id="{96F628D8-034A-4109-BD9D-D63D26763163}"/>
+              </a:ext>
+            </a:extLst>
+          </p:cNvPr>
+          <p:cNvSpPr>
+            <a:spLocks noGrp="1"/>
+          </p:cNvSpPr>
+          <p:nvPr>
+            <p:ph type="ftr" sz="quarter" idx="11"/>
+          </p:nvPr>
         </p:nvSpPr>
         <p:spPr>
           <a:xfrm>
-            <a:off x="444137" y="1363960"/>
-            <a:ext cx="1994263" cy="461665"/>
-          </a:xfrm>
-          <a:prstGeom prst="rect">
-            <a:avLst/>
-          </a:prstGeom>
-          <a:noFill/>
-          <a:ln>
-            <a:solidFill>
-              <a:srgbClr val="FF0000"/>
-            </a:solidFill>
-          </a:ln>
+            <a:off x="671804" y="6356350"/>
+            <a:ext cx="11336694" cy="365125"/>
+          </a:xfrm>
         </p:spPr>
         <p:txBody>
-          <a:bodyPr wrap="square" rtlCol="0">
-            <a:spAutoFit/>
+          <a:bodyPr vert="horz" lIns="91440" tIns="45720" rIns="91440" bIns="45720" rtlCol="0" anchor="ctr">
+            <a:normAutofit/>
           </a:bodyPr>
           <a:lstStyle/>
           <a:p>
-            <a:r>
-              <a:rPr lang="en-US" sz="1200" b="1" dirty="0">
-                <a:solidFill>
-                  <a:srgbClr val="FF0000"/>
-                </a:solidFill>
-              </a:rPr>
-              <a:t>Use drop-down list to select or type the country name</a:t>
-            </a:r>
+            <a:endParaRPr lang="en-US" sz="900" dirty="0"/>
           </a:p>
         </p:txBody>
       </p:sp>
+      <p:grpSp>
+        <p:nvGrpSpPr>
+          <p:cNvPr id="12" name="Group 11">
+            <a:extLst>
+              <a:ext uri="{FF2B5EF4-FFF2-40B4-BE49-F238E27FC236}">
+                <a16:creationId xmlns:a16="http://schemas.microsoft.com/office/drawing/2014/main" id="{C49CC8A2-1E8F-4841-8C44-48CA9243A03B}"/>
+              </a:ext>
+            </a:extLst>
+          </p:cNvPr>
+          <p:cNvGrpSpPr/>
+          <p:nvPr/>
+        </p:nvGrpSpPr>
+        <p:grpSpPr>
+          <a:xfrm>
+            <a:off x="279763" y="821023"/>
+            <a:ext cx="2836817" cy="487972"/>
+            <a:chOff x="279763" y="821023"/>
+            <a:chExt cx="2836817" cy="487972"/>
+          </a:xfrm>
+        </p:grpSpPr>
+        <p:sp>
+          <p:nvSpPr>
+            <p:cNvPr id="8" name="TextBox 7">
+              <a:extLst>
+                <a:ext uri="{FF2B5EF4-FFF2-40B4-BE49-F238E27FC236}">
+                  <a16:creationId xmlns:a16="http://schemas.microsoft.com/office/drawing/2014/main" id="{9214458A-8342-4ADA-8E9B-474141DC3E96}"/>
+                </a:ext>
+              </a:extLst>
+            </p:cNvPr>
+            <p:cNvSpPr txBox="1"/>
+            <p:nvPr/>
+          </p:nvSpPr>
+          <p:spPr>
+            <a:xfrm>
+              <a:off x="1122317" y="821023"/>
+              <a:ext cx="1994263" cy="461665"/>
+            </a:xfrm>
+            <a:prstGeom prst="rect">
+              <a:avLst/>
+            </a:prstGeom>
+            <a:noFill/>
+            <a:ln>
+              <a:solidFill>
+                <a:srgbClr val="FF0000"/>
+              </a:solidFill>
+            </a:ln>
+          </p:spPr>
+          <p:txBody>
+            <a:bodyPr wrap="square" rtlCol="0">
+              <a:spAutoFit/>
+            </a:bodyPr>
+            <a:lstStyle/>
+            <a:p>
+              <a:r>
+                <a:rPr lang="en-US" sz="1200" b="1" dirty="0">
+                  <a:solidFill>
+                    <a:srgbClr val="FF0000"/>
+                  </a:solidFill>
+                </a:rPr>
+                <a:t>Use drop-down list to select or type the country name</a:t>
+              </a:r>
+            </a:p>
+          </p:txBody>
+        </p:sp>
+        <p:cxnSp>
+          <p:nvCxnSpPr>
+            <p:cNvPr id="13" name="Straight Arrow Connector 12">
+              <a:extLst>
+                <a:ext uri="{FF2B5EF4-FFF2-40B4-BE49-F238E27FC236}">
+                  <a16:creationId xmlns:a16="http://schemas.microsoft.com/office/drawing/2014/main" id="{533E84C8-887F-4BE4-960D-6640B0E80CB3}"/>
+                </a:ext>
+              </a:extLst>
+            </p:cNvPr>
+            <p:cNvCxnSpPr>
+              <a:cxnSpLocks/>
+            </p:cNvCxnSpPr>
+            <p:nvPr/>
+          </p:nvCxnSpPr>
+          <p:spPr>
+            <a:xfrm flipV="1">
+              <a:off x="279763" y="985710"/>
+              <a:ext cx="842554" cy="323285"/>
+            </a:xfrm>
+            <a:prstGeom prst="straightConnector1">
+              <a:avLst/>
+            </a:prstGeom>
+            <a:ln>
+              <a:solidFill>
+                <a:srgbClr val="FF0000"/>
+              </a:solidFill>
+              <a:tailEnd type="triangle"/>
+            </a:ln>
+          </p:spPr>
+          <p:style>
+            <a:lnRef idx="1">
+              <a:schemeClr val="accent1"/>
+            </a:lnRef>
+            <a:fillRef idx="0">
+              <a:schemeClr val="accent1"/>
+            </a:fillRef>
+            <a:effectRef idx="0">
+              <a:schemeClr val="accent1"/>
+            </a:effectRef>
+            <a:fontRef idx="minor">
+              <a:schemeClr val="tx1"/>
+            </a:fontRef>
+          </p:style>
+        </p:cxnSp>
+      </p:grpSp>
+      <p:grpSp>
+        <p:nvGrpSpPr>
+          <p:cNvPr id="26" name="Group 25">
+            <a:extLst>
+              <a:ext uri="{FF2B5EF4-FFF2-40B4-BE49-F238E27FC236}">
+                <a16:creationId xmlns:a16="http://schemas.microsoft.com/office/drawing/2014/main" id="{DA290885-D0DA-4421-AC0C-F4DE7B0A77D3}"/>
+              </a:ext>
+            </a:extLst>
+          </p:cNvPr>
+          <p:cNvGrpSpPr/>
+          <p:nvPr/>
+        </p:nvGrpSpPr>
+        <p:grpSpPr>
+          <a:xfrm>
+            <a:off x="3296194" y="1657642"/>
+            <a:ext cx="2931651" cy="2519874"/>
+            <a:chOff x="3296194" y="1657642"/>
+            <a:chExt cx="2931651" cy="2519874"/>
+          </a:xfrm>
+        </p:grpSpPr>
+        <p:sp>
+          <p:nvSpPr>
+            <p:cNvPr id="10" name="TextBox 9">
+              <a:extLst>
+                <a:ext uri="{FF2B5EF4-FFF2-40B4-BE49-F238E27FC236}">
+                  <a16:creationId xmlns:a16="http://schemas.microsoft.com/office/drawing/2014/main" id="{67433012-21A6-4E20-BE12-A0ED1C7C8DBD}"/>
+                </a:ext>
+              </a:extLst>
+            </p:cNvPr>
+            <p:cNvSpPr txBox="1"/>
+            <p:nvPr/>
+          </p:nvSpPr>
+          <p:spPr>
+            <a:xfrm>
+              <a:off x="3296194" y="2820362"/>
+              <a:ext cx="1863635" cy="1015663"/>
+            </a:xfrm>
+            <a:prstGeom prst="rect">
+              <a:avLst/>
+            </a:prstGeom>
+            <a:noFill/>
+            <a:ln>
+              <a:solidFill>
+                <a:srgbClr val="FF0000"/>
+              </a:solidFill>
+            </a:ln>
+          </p:spPr>
+          <p:txBody>
+            <a:bodyPr wrap="square" rtlCol="0">
+              <a:spAutoFit/>
+            </a:bodyPr>
+            <a:lstStyle/>
+            <a:p>
+              <a:r>
+                <a:rPr lang="en-US" sz="1200" b="1" dirty="0">
+                  <a:solidFill>
+                    <a:srgbClr val="FF0000"/>
+                  </a:solidFill>
+                </a:rPr>
+                <a:t>Click on country of interest and year. This activates the other charts including those in the other dashboards.</a:t>
+              </a:r>
+            </a:p>
+          </p:txBody>
+        </p:sp>
+        <p:cxnSp>
+          <p:nvCxnSpPr>
+            <p:cNvPr id="11" name="Straight Arrow Connector 10">
+              <a:extLst>
+                <a:ext uri="{FF2B5EF4-FFF2-40B4-BE49-F238E27FC236}">
+                  <a16:creationId xmlns:a16="http://schemas.microsoft.com/office/drawing/2014/main" id="{2F3D3C84-C1FA-427C-BEDA-D7EFA2E385DF}"/>
+                </a:ext>
+              </a:extLst>
+            </p:cNvPr>
+            <p:cNvCxnSpPr>
+              <a:cxnSpLocks/>
+            </p:cNvCxnSpPr>
+            <p:nvPr/>
+          </p:nvCxnSpPr>
+          <p:spPr>
+            <a:xfrm flipH="1">
+              <a:off x="4648200" y="2160335"/>
+              <a:ext cx="161109" cy="782890"/>
+            </a:xfrm>
+            <a:prstGeom prst="straightConnector1">
+              <a:avLst/>
+            </a:prstGeom>
+            <a:ln>
+              <a:solidFill>
+                <a:srgbClr val="FF0000"/>
+              </a:solidFill>
+              <a:tailEnd type="triangle"/>
+            </a:ln>
+          </p:spPr>
+          <p:style>
+            <a:lnRef idx="1">
+              <a:schemeClr val="accent1"/>
+            </a:lnRef>
+            <a:fillRef idx="0">
+              <a:schemeClr val="accent1"/>
+            </a:fillRef>
+            <a:effectRef idx="0">
+              <a:schemeClr val="accent1"/>
+            </a:effectRef>
+            <a:fontRef idx="minor">
+              <a:schemeClr val="tx1"/>
+            </a:fontRef>
+          </p:style>
+        </p:cxnSp>
+        <p:cxnSp>
+          <p:nvCxnSpPr>
+            <p:cNvPr id="15" name="Straight Arrow Connector 14">
+              <a:extLst>
+                <a:ext uri="{FF2B5EF4-FFF2-40B4-BE49-F238E27FC236}">
+                  <a16:creationId xmlns:a16="http://schemas.microsoft.com/office/drawing/2014/main" id="{F2409779-C2A9-4B2D-9290-A3A09FD1BB7A}"/>
+                </a:ext>
+              </a:extLst>
+            </p:cNvPr>
+            <p:cNvCxnSpPr>
+              <a:cxnSpLocks/>
+            </p:cNvCxnSpPr>
+            <p:nvPr/>
+          </p:nvCxnSpPr>
+          <p:spPr>
+            <a:xfrm flipV="1">
+              <a:off x="5048250" y="1657642"/>
+              <a:ext cx="1046226" cy="1367210"/>
+            </a:xfrm>
+            <a:prstGeom prst="straightConnector1">
+              <a:avLst/>
+            </a:prstGeom>
+            <a:ln>
+              <a:solidFill>
+                <a:srgbClr val="FF0000"/>
+              </a:solidFill>
+              <a:tailEnd type="triangle"/>
+            </a:ln>
+          </p:spPr>
+          <p:style>
+            <a:lnRef idx="1">
+              <a:schemeClr val="accent1"/>
+            </a:lnRef>
+            <a:fillRef idx="0">
+              <a:schemeClr val="accent1"/>
+            </a:fillRef>
+            <a:effectRef idx="0">
+              <a:schemeClr val="accent1"/>
+            </a:effectRef>
+            <a:fontRef idx="minor">
+              <a:schemeClr val="tx1"/>
+            </a:fontRef>
+          </p:style>
+        </p:cxnSp>
+        <p:cxnSp>
+          <p:nvCxnSpPr>
+            <p:cNvPr id="16" name="Straight Arrow Connector 15">
+              <a:extLst>
+                <a:ext uri="{FF2B5EF4-FFF2-40B4-BE49-F238E27FC236}">
+                  <a16:creationId xmlns:a16="http://schemas.microsoft.com/office/drawing/2014/main" id="{FBD7C36F-20F7-4E6B-96A6-57156A790D34}"/>
+                </a:ext>
+              </a:extLst>
+            </p:cNvPr>
+            <p:cNvCxnSpPr>
+              <a:cxnSpLocks/>
+            </p:cNvCxnSpPr>
+            <p:nvPr/>
+          </p:nvCxnSpPr>
+          <p:spPr>
+            <a:xfrm>
+              <a:off x="4856934" y="3638550"/>
+              <a:ext cx="1370911" cy="538966"/>
+            </a:xfrm>
+            <a:prstGeom prst="straightConnector1">
+              <a:avLst/>
+            </a:prstGeom>
+            <a:ln>
+              <a:solidFill>
+                <a:srgbClr val="FF0000"/>
+              </a:solidFill>
+              <a:tailEnd type="triangle"/>
+            </a:ln>
+          </p:spPr>
+          <p:style>
+            <a:lnRef idx="1">
+              <a:schemeClr val="accent1"/>
+            </a:lnRef>
+            <a:fillRef idx="0">
+              <a:schemeClr val="accent1"/>
+            </a:fillRef>
+            <a:effectRef idx="0">
+              <a:schemeClr val="accent1"/>
+            </a:effectRef>
+            <a:fontRef idx="minor">
+              <a:schemeClr val="tx1"/>
+            </a:fontRef>
+          </p:style>
+        </p:cxnSp>
+      </p:grpSp>
       <p:sp>
         <p:nvSpPr>
-          <p:cNvPr id="10" name="TextBox 9">
-            <a:extLst>
-              <a:ext uri="{FF2B5EF4-FFF2-40B4-BE49-F238E27FC236}">
-                <a16:creationId xmlns:a16="http://schemas.microsoft.com/office/drawing/2014/main" id="{67433012-21A6-4E20-BE12-A0ED1C7C8DBD}"/>
-              </a:ext>
-            </a:extLst>
-          </p:cNvPr>
-          <p:cNvSpPr txBox="1"/>
-          <p:nvPr/>
+          <p:cNvPr id="20" name="Title 1">
+            <a:extLst>
+              <a:ext uri="{FF2B5EF4-FFF2-40B4-BE49-F238E27FC236}">
+                <a16:creationId xmlns:a16="http://schemas.microsoft.com/office/drawing/2014/main" id="{AADBAF23-758F-4C93-A439-DFF3FB371D22}"/>
+              </a:ext>
+            </a:extLst>
+          </p:cNvPr>
+          <p:cNvSpPr>
+            <a:spLocks noGrp="1"/>
+          </p:cNvSpPr>
+          <p:nvPr>
+            <p:ph type="title"/>
+          </p:nvPr>
         </p:nvSpPr>
         <p:spPr>
           <a:xfrm>
-            <a:off x="3753394" y="2296487"/>
-            <a:ext cx="1863635" cy="1015663"/>
-          </a:xfrm>
-          <a:prstGeom prst="rect">
-            <a:avLst/>
-          </a:prstGeom>
-          <a:noFill/>
-          <a:ln>
-            <a:solidFill>
-              <a:srgbClr val="FF0000"/>
-            </a:solidFill>
-          </a:ln>
+            <a:off x="0" y="61344"/>
+            <a:ext cx="6096000" cy="798666"/>
+          </a:xfrm>
         </p:spPr>
         <p:txBody>
-          <a:bodyPr wrap="square" rtlCol="0">
-            <a:spAutoFit/>
+          <a:bodyPr vert="horz" lIns="91440" tIns="45720" rIns="91440" bIns="45720" rtlCol="0" anchor="b">
+            <a:normAutofit/>
           </a:bodyPr>
           <a:lstStyle/>
           <a:p>
             <a:r>
-              <a:rPr lang="en-US" sz="1200" b="1" dirty="0">
-                <a:solidFill>
-                  <a:srgbClr val="FF0000"/>
-                </a:solidFill>
-              </a:rPr>
-              <a:t>Click on country of interest and year. This activates the other charts including those in the other dashboards.</a:t>
-            </a:r>
+              <a:rPr lang="en-US" sz="4200" dirty="0"/>
+              <a:t>Navigating the Dashboard</a:t>
+            </a:r>
+            <a:endParaRPr lang="en-US" sz="2200" b="1" dirty="0"/>
           </a:p>
         </p:txBody>
       </p:sp>
       <p:cxnSp>
         <p:nvCxnSpPr>
-          <p:cNvPr id="11" name="Straight Arrow Connector 10">
-            <a:extLst>
-              <a:ext uri="{FF2B5EF4-FFF2-40B4-BE49-F238E27FC236}">
-                <a16:creationId xmlns:a16="http://schemas.microsoft.com/office/drawing/2014/main" id="{2F3D3C84-C1FA-427C-BEDA-D7EFA2E385DF}"/>
+          <p:cNvPr id="23" name="Straight Arrow Connector 22">
+            <a:extLst>
+              <a:ext uri="{FF2B5EF4-FFF2-40B4-BE49-F238E27FC236}">
+                <a16:creationId xmlns:a16="http://schemas.microsoft.com/office/drawing/2014/main" id="{D7B88C95-D7F3-4C6D-9577-9BEE278936EC}"/>
               </a:ext>
             </a:extLst>
           </p:cNvPr>
           <p:cNvCxnSpPr>
             <a:cxnSpLocks/>
+            <a:stCxn id="21" idx="7"/>
           </p:cNvCxnSpPr>
           <p:nvPr/>
         </p:nvCxnSpPr>
         <p:spPr>
-          <a:xfrm flipH="1">
-            <a:off x="4605746" y="1884110"/>
-            <a:ext cx="470263" cy="479666"/>
+          <a:xfrm flipV="1">
+            <a:off x="9534177" y="867574"/>
+            <a:ext cx="286098" cy="339634"/>
           </a:xfrm>
           <a:prstGeom prst="straightConnector1">
             <a:avLst/>
@@ -8695,399 +10989,341 @@
           </a:fontRef>
         </p:style>
       </p:cxnSp>
-      <p:cxnSp>
-        <p:nvCxnSpPr>
-          <p:cNvPr id="13" name="Straight Arrow Connector 12">
-            <a:extLst>
-              <a:ext uri="{FF2B5EF4-FFF2-40B4-BE49-F238E27FC236}">
-                <a16:creationId xmlns:a16="http://schemas.microsoft.com/office/drawing/2014/main" id="{533E84C8-887F-4BE4-960D-6640B0E80CB3}"/>
-              </a:ext>
-            </a:extLst>
-          </p:cNvPr>
-          <p:cNvCxnSpPr/>
+      <p:grpSp>
+        <p:nvGrpSpPr>
+          <p:cNvPr id="5" name="Group 4">
+            <a:extLst>
+              <a:ext uri="{FF2B5EF4-FFF2-40B4-BE49-F238E27FC236}">
+                <a16:creationId xmlns:a16="http://schemas.microsoft.com/office/drawing/2014/main" id="{C24D3FAC-17FD-47B1-9825-A661B079D43B}"/>
+              </a:ext>
+            </a:extLst>
+          </p:cNvPr>
+          <p:cNvGrpSpPr/>
           <p:nvPr/>
-        </p:nvCxnSpPr>
-        <p:spPr>
+        </p:nvGrpSpPr>
+        <p:grpSpPr>
           <a:xfrm>
-            <a:off x="592183" y="1175657"/>
-            <a:ext cx="383177" cy="252549"/>
-          </a:xfrm>
-          <a:prstGeom prst="straightConnector1">
-            <a:avLst/>
-          </a:prstGeom>
-          <a:ln>
-            <a:solidFill>
-              <a:srgbClr val="FF0000"/>
-            </a:solidFill>
-            <a:tailEnd type="triangle"/>
-          </a:ln>
-        </p:spPr>
-        <p:style>
-          <a:lnRef idx="1">
-            <a:schemeClr val="accent1"/>
-          </a:lnRef>
-          <a:fillRef idx="0">
-            <a:schemeClr val="accent1"/>
-          </a:fillRef>
-          <a:effectRef idx="0">
-            <a:schemeClr val="accent1"/>
-          </a:effectRef>
-          <a:fontRef idx="minor">
-            <a:schemeClr val="tx1"/>
-          </a:fontRef>
-        </p:style>
-      </p:cxnSp>
-      <p:cxnSp>
-        <p:nvCxnSpPr>
-          <p:cNvPr id="15" name="Straight Arrow Connector 14">
-            <a:extLst>
-              <a:ext uri="{FF2B5EF4-FFF2-40B4-BE49-F238E27FC236}">
-                <a16:creationId xmlns:a16="http://schemas.microsoft.com/office/drawing/2014/main" id="{F2409779-C2A9-4B2D-9290-A3A09FD1BB7A}"/>
-              </a:ext>
-            </a:extLst>
-          </p:cNvPr>
-          <p:cNvCxnSpPr/>
+            <a:off x="7029179" y="620713"/>
+            <a:ext cx="3901439" cy="876391"/>
+            <a:chOff x="8181704" y="430213"/>
+            <a:chExt cx="3901439" cy="876391"/>
+          </a:xfrm>
+        </p:grpSpPr>
+        <p:sp>
+          <p:nvSpPr>
+            <p:cNvPr id="21" name="Oval 20">
+              <a:extLst>
+                <a:ext uri="{FF2B5EF4-FFF2-40B4-BE49-F238E27FC236}">
+                  <a16:creationId xmlns:a16="http://schemas.microsoft.com/office/drawing/2014/main" id="{D90FF114-514E-4A40-8BA8-25936C94C8B0}"/>
+                </a:ext>
+              </a:extLst>
+            </p:cNvPr>
+            <p:cNvSpPr/>
+            <p:nvPr/>
+          </p:nvSpPr>
+          <p:spPr>
+            <a:xfrm>
+              <a:off x="8181704" y="966970"/>
+              <a:ext cx="2934788" cy="339634"/>
+            </a:xfrm>
+            <a:prstGeom prst="ellipse">
+              <a:avLst/>
+            </a:prstGeom>
+            <a:noFill/>
+            <a:ln>
+              <a:solidFill>
+                <a:srgbClr val="FF0000"/>
+              </a:solidFill>
+            </a:ln>
+          </p:spPr>
+          <p:style>
+            <a:lnRef idx="2">
+              <a:schemeClr val="accent1">
+                <a:shade val="50000"/>
+              </a:schemeClr>
+            </a:lnRef>
+            <a:fillRef idx="1">
+              <a:schemeClr val="accent1"/>
+            </a:fillRef>
+            <a:effectRef idx="0">
+              <a:schemeClr val="accent1"/>
+            </a:effectRef>
+            <a:fontRef idx="minor">
+              <a:schemeClr val="lt1"/>
+            </a:fontRef>
+          </p:style>
+          <p:txBody>
+            <a:bodyPr rtlCol="0" anchor="ctr"/>
+            <a:lstStyle/>
+            <a:p>
+              <a:pPr algn="ctr"/>
+              <a:endParaRPr lang="en-US"/>
+            </a:p>
+          </p:txBody>
+        </p:sp>
+        <p:sp>
+          <p:nvSpPr>
+            <p:cNvPr id="24" name="TextBox 23">
+              <a:extLst>
+                <a:ext uri="{FF2B5EF4-FFF2-40B4-BE49-F238E27FC236}">
+                  <a16:creationId xmlns:a16="http://schemas.microsoft.com/office/drawing/2014/main" id="{535E2B3E-6336-4E5B-B6E9-17E5AF9EF600}"/>
+                </a:ext>
+              </a:extLst>
+            </p:cNvPr>
+            <p:cNvSpPr txBox="1"/>
+            <p:nvPr/>
+          </p:nvSpPr>
+          <p:spPr>
+            <a:xfrm>
+              <a:off x="10088880" y="430213"/>
+              <a:ext cx="1994263" cy="461665"/>
+            </a:xfrm>
+            <a:prstGeom prst="rect">
+              <a:avLst/>
+            </a:prstGeom>
+            <a:noFill/>
+            <a:ln>
+              <a:solidFill>
+                <a:srgbClr val="FF0000"/>
+              </a:solidFill>
+            </a:ln>
+          </p:spPr>
+          <p:txBody>
+            <a:bodyPr wrap="square" rtlCol="0">
+              <a:spAutoFit/>
+            </a:bodyPr>
+            <a:lstStyle/>
+            <a:p>
+              <a:r>
+                <a:rPr lang="en-US" sz="1200" b="1" dirty="0">
+                  <a:solidFill>
+                    <a:srgbClr val="FF0000"/>
+                  </a:solidFill>
+                </a:rPr>
+                <a:t>Use slider to select the years of interest</a:t>
+              </a:r>
+            </a:p>
+          </p:txBody>
+        </p:sp>
+      </p:grpSp>
+      <p:grpSp>
+        <p:nvGrpSpPr>
+          <p:cNvPr id="6" name="Group 5">
+            <a:extLst>
+              <a:ext uri="{FF2B5EF4-FFF2-40B4-BE49-F238E27FC236}">
+                <a16:creationId xmlns:a16="http://schemas.microsoft.com/office/drawing/2014/main" id="{C874D01B-B281-4F26-9B6C-BA94737E35E0}"/>
+              </a:ext>
+            </a:extLst>
+          </p:cNvPr>
+          <p:cNvGrpSpPr/>
           <p:nvPr/>
-        </p:nvCxnSpPr>
-        <p:spPr>
-          <a:xfrm flipV="1">
-            <a:off x="5277394" y="1363960"/>
-            <a:ext cx="714103" cy="1040300"/>
-          </a:xfrm>
-          <a:prstGeom prst="straightConnector1">
-            <a:avLst/>
-          </a:prstGeom>
-          <a:ln>
-            <a:solidFill>
-              <a:srgbClr val="FF0000"/>
-            </a:solidFill>
-            <a:tailEnd type="triangle"/>
-          </a:ln>
-        </p:spPr>
-        <p:style>
-          <a:lnRef idx="1">
-            <a:schemeClr val="accent1"/>
-          </a:lnRef>
-          <a:fillRef idx="0">
-            <a:schemeClr val="accent1"/>
-          </a:fillRef>
-          <a:effectRef idx="0">
-            <a:schemeClr val="accent1"/>
-          </a:effectRef>
-          <a:fontRef idx="minor">
-            <a:schemeClr val="tx1"/>
-          </a:fontRef>
-        </p:style>
-      </p:cxnSp>
-      <p:cxnSp>
-        <p:nvCxnSpPr>
-          <p:cNvPr id="16" name="Straight Arrow Connector 15">
-            <a:extLst>
-              <a:ext uri="{FF2B5EF4-FFF2-40B4-BE49-F238E27FC236}">
-                <a16:creationId xmlns:a16="http://schemas.microsoft.com/office/drawing/2014/main" id="{FBD7C36F-20F7-4E6B-96A6-57156A790D34}"/>
-              </a:ext>
-            </a:extLst>
-          </p:cNvPr>
-          <p:cNvCxnSpPr>
-            <a:cxnSpLocks/>
-          </p:cNvCxnSpPr>
+        </p:nvGrpSpPr>
+        <p:grpSpPr>
+          <a:xfrm>
+            <a:off x="835712" y="2785019"/>
+            <a:ext cx="1863635" cy="1023402"/>
+            <a:chOff x="835712" y="2223044"/>
+            <a:chExt cx="1863635" cy="1023402"/>
+          </a:xfrm>
+        </p:grpSpPr>
+        <p:sp>
+          <p:nvSpPr>
+            <p:cNvPr id="27" name="TextBox 26">
+              <a:extLst>
+                <a:ext uri="{FF2B5EF4-FFF2-40B4-BE49-F238E27FC236}">
+                  <a16:creationId xmlns:a16="http://schemas.microsoft.com/office/drawing/2014/main" id="{02909AD0-9B67-4BF2-BDC7-7C0C3293196D}"/>
+                </a:ext>
+              </a:extLst>
+            </p:cNvPr>
+            <p:cNvSpPr txBox="1"/>
+            <p:nvPr/>
+          </p:nvSpPr>
+          <p:spPr>
+            <a:xfrm>
+              <a:off x="835712" y="2600115"/>
+              <a:ext cx="1863635" cy="646331"/>
+            </a:xfrm>
+            <a:prstGeom prst="rect">
+              <a:avLst/>
+            </a:prstGeom>
+            <a:noFill/>
+            <a:ln>
+              <a:solidFill>
+                <a:srgbClr val="FF0000"/>
+              </a:solidFill>
+            </a:ln>
+          </p:spPr>
+          <p:txBody>
+            <a:bodyPr wrap="square" rtlCol="0">
+              <a:spAutoFit/>
+            </a:bodyPr>
+            <a:lstStyle/>
+            <a:p>
+              <a:r>
+                <a:rPr lang="en-US" sz="1200" b="1" dirty="0">
+                  <a:solidFill>
+                    <a:srgbClr val="FF0000"/>
+                  </a:solidFill>
+                </a:rPr>
+                <a:t>Click on an empty part of the chart to highlight all the country-line charts.</a:t>
+              </a:r>
+            </a:p>
+          </p:txBody>
+        </p:sp>
+        <p:cxnSp>
+          <p:nvCxnSpPr>
+            <p:cNvPr id="28" name="Straight Arrow Connector 27">
+              <a:extLst>
+                <a:ext uri="{FF2B5EF4-FFF2-40B4-BE49-F238E27FC236}">
+                  <a16:creationId xmlns:a16="http://schemas.microsoft.com/office/drawing/2014/main" id="{34275356-B4DB-408A-AF61-DDE63CEE542D}"/>
+                </a:ext>
+              </a:extLst>
+            </p:cNvPr>
+            <p:cNvCxnSpPr>
+              <a:cxnSpLocks/>
+            </p:cNvCxnSpPr>
+            <p:nvPr/>
+          </p:nvCxnSpPr>
+          <p:spPr>
+            <a:xfrm flipH="1">
+              <a:off x="1655717" y="2223044"/>
+              <a:ext cx="470263" cy="479666"/>
+            </a:xfrm>
+            <a:prstGeom prst="straightConnector1">
+              <a:avLst/>
+            </a:prstGeom>
+            <a:ln>
+              <a:solidFill>
+                <a:srgbClr val="FF0000"/>
+              </a:solidFill>
+              <a:tailEnd type="triangle"/>
+            </a:ln>
+          </p:spPr>
+          <p:style>
+            <a:lnRef idx="1">
+              <a:schemeClr val="accent1"/>
+            </a:lnRef>
+            <a:fillRef idx="0">
+              <a:schemeClr val="accent1"/>
+            </a:fillRef>
+            <a:effectRef idx="0">
+              <a:schemeClr val="accent1"/>
+            </a:effectRef>
+            <a:fontRef idx="minor">
+              <a:schemeClr val="tx1"/>
+            </a:fontRef>
+          </p:style>
+        </p:cxnSp>
+      </p:grpSp>
+      <p:grpSp>
+        <p:nvGrpSpPr>
+          <p:cNvPr id="36" name="Group 35">
+            <a:extLst>
+              <a:ext uri="{FF2B5EF4-FFF2-40B4-BE49-F238E27FC236}">
+                <a16:creationId xmlns:a16="http://schemas.microsoft.com/office/drawing/2014/main" id="{814EF5BD-264F-4FFD-99F9-782DC4FDBCA8}"/>
+              </a:ext>
+            </a:extLst>
+          </p:cNvPr>
+          <p:cNvGrpSpPr/>
           <p:nvPr/>
-        </p:nvCxnSpPr>
-        <p:spPr>
+        </p:nvGrpSpPr>
+        <p:grpSpPr>
           <a:xfrm>
-            <a:off x="5277394" y="2923281"/>
-            <a:ext cx="776151" cy="521279"/>
-          </a:xfrm>
-          <a:prstGeom prst="straightConnector1">
-            <a:avLst/>
-          </a:prstGeom>
-          <a:ln>
-            <a:solidFill>
-              <a:srgbClr val="FF0000"/>
-            </a:solidFill>
-            <a:tailEnd type="triangle"/>
-          </a:ln>
-        </p:spPr>
-        <p:style>
-          <a:lnRef idx="1">
-            <a:schemeClr val="accent1"/>
-          </a:lnRef>
-          <a:fillRef idx="0">
-            <a:schemeClr val="accent1"/>
-          </a:fillRef>
-          <a:effectRef idx="0">
-            <a:schemeClr val="accent1"/>
-          </a:effectRef>
-          <a:fontRef idx="minor">
-            <a:schemeClr val="tx1"/>
-          </a:fontRef>
-        </p:style>
-      </p:cxnSp>
-      <p:sp>
-        <p:nvSpPr>
-          <p:cNvPr id="20" name="Title 1">
-            <a:extLst>
-              <a:ext uri="{FF2B5EF4-FFF2-40B4-BE49-F238E27FC236}">
-                <a16:creationId xmlns:a16="http://schemas.microsoft.com/office/drawing/2014/main" id="{AADBAF23-758F-4C93-A439-DFF3FB371D22}"/>
-              </a:ext>
-            </a:extLst>
-          </p:cNvPr>
-          <p:cNvSpPr>
-            <a:spLocks noGrp="1"/>
-          </p:cNvSpPr>
-          <p:nvPr>
-            <p:ph type="title"/>
-          </p:nvPr>
-        </p:nvSpPr>
-        <p:spPr>
-          <a:xfrm>
-            <a:off x="0" y="59916"/>
-            <a:ext cx="6096000" cy="798666"/>
-          </a:xfrm>
-        </p:spPr>
-        <p:txBody>
-          <a:bodyPr vert="horz" lIns="91440" tIns="45720" rIns="91440" bIns="45720" rtlCol="0" anchor="b">
-            <a:normAutofit/>
-          </a:bodyPr>
-          <a:lstStyle/>
-          <a:p>
-            <a:r>
-              <a:rPr lang="en-US" sz="4200" dirty="0"/>
-              <a:t>Navigating the Dashboard</a:t>
-            </a:r>
-            <a:endParaRPr lang="en-US" sz="2200" b="1" dirty="0"/>
-          </a:p>
-        </p:txBody>
-      </p:sp>
-      <p:sp>
-        <p:nvSpPr>
-          <p:cNvPr id="21" name="Oval 20">
-            <a:extLst>
-              <a:ext uri="{FF2B5EF4-FFF2-40B4-BE49-F238E27FC236}">
-                <a16:creationId xmlns:a16="http://schemas.microsoft.com/office/drawing/2014/main" id="{D90FF114-514E-4A40-8BA8-25936C94C8B0}"/>
-              </a:ext>
-            </a:extLst>
-          </p:cNvPr>
-          <p:cNvSpPr/>
-          <p:nvPr/>
-        </p:nvSpPr>
-        <p:spPr>
-          <a:xfrm>
-            <a:off x="8181704" y="966970"/>
-            <a:ext cx="2934788" cy="339634"/>
-          </a:xfrm>
-          <a:prstGeom prst="ellipse">
-            <a:avLst/>
-          </a:prstGeom>
-          <a:noFill/>
-          <a:ln>
-            <a:solidFill>
-              <a:srgbClr val="FF0000"/>
-            </a:solidFill>
-          </a:ln>
-        </p:spPr>
-        <p:style>
-          <a:lnRef idx="2">
-            <a:schemeClr val="accent1">
-              <a:shade val="50000"/>
-            </a:schemeClr>
-          </a:lnRef>
-          <a:fillRef idx="1">
-            <a:schemeClr val="accent1"/>
-          </a:fillRef>
-          <a:effectRef idx="0">
-            <a:schemeClr val="accent1"/>
-          </a:effectRef>
-          <a:fontRef idx="minor">
-            <a:schemeClr val="lt1"/>
-          </a:fontRef>
-        </p:style>
-        <p:txBody>
-          <a:bodyPr rtlCol="0" anchor="ctr"/>
-          <a:lstStyle/>
-          <a:p>
-            <a:pPr algn="ctr"/>
-            <a:endParaRPr lang="en-US"/>
-          </a:p>
-        </p:txBody>
-      </p:sp>
-      <p:cxnSp>
-        <p:nvCxnSpPr>
-          <p:cNvPr id="23" name="Straight Arrow Connector 22">
-            <a:extLst>
-              <a:ext uri="{FF2B5EF4-FFF2-40B4-BE49-F238E27FC236}">
-                <a16:creationId xmlns:a16="http://schemas.microsoft.com/office/drawing/2014/main" id="{D7B88C95-D7F3-4C6D-9577-9BEE278936EC}"/>
-              </a:ext>
-            </a:extLst>
-          </p:cNvPr>
-          <p:cNvCxnSpPr>
-            <a:cxnSpLocks/>
-            <a:stCxn id="21" idx="7"/>
-          </p:cNvCxnSpPr>
-          <p:nvPr/>
-        </p:nvCxnSpPr>
-        <p:spPr>
-          <a:xfrm flipV="1">
-            <a:off x="10686702" y="677074"/>
-            <a:ext cx="286098" cy="339634"/>
-          </a:xfrm>
-          <a:prstGeom prst="straightConnector1">
-            <a:avLst/>
-          </a:prstGeom>
-          <a:ln>
-            <a:solidFill>
-              <a:srgbClr val="FF0000"/>
-            </a:solidFill>
-            <a:tailEnd type="triangle"/>
-          </a:ln>
-        </p:spPr>
-        <p:style>
-          <a:lnRef idx="1">
-            <a:schemeClr val="accent1"/>
-          </a:lnRef>
-          <a:fillRef idx="0">
-            <a:schemeClr val="accent1"/>
-          </a:fillRef>
-          <a:effectRef idx="0">
-            <a:schemeClr val="accent1"/>
-          </a:effectRef>
-          <a:fontRef idx="minor">
-            <a:schemeClr val="tx1"/>
-          </a:fontRef>
-        </p:style>
-      </p:cxnSp>
-      <p:sp>
-        <p:nvSpPr>
-          <p:cNvPr id="24" name="TextBox 23">
-            <a:extLst>
-              <a:ext uri="{FF2B5EF4-FFF2-40B4-BE49-F238E27FC236}">
-                <a16:creationId xmlns:a16="http://schemas.microsoft.com/office/drawing/2014/main" id="{535E2B3E-6336-4E5B-B6E9-17E5AF9EF600}"/>
-              </a:ext>
-            </a:extLst>
-          </p:cNvPr>
-          <p:cNvSpPr txBox="1"/>
-          <p:nvPr/>
-        </p:nvSpPr>
-        <p:spPr>
-          <a:xfrm>
-            <a:off x="10088880" y="430213"/>
-            <a:ext cx="1994263" cy="461665"/>
-          </a:xfrm>
-          <a:prstGeom prst="rect">
-            <a:avLst/>
-          </a:prstGeom>
-          <a:noFill/>
-          <a:ln>
-            <a:solidFill>
-              <a:srgbClr val="FF0000"/>
-            </a:solidFill>
-          </a:ln>
-        </p:spPr>
-        <p:txBody>
-          <a:bodyPr wrap="square" rtlCol="0">
-            <a:spAutoFit/>
-          </a:bodyPr>
-          <a:lstStyle/>
-          <a:p>
-            <a:r>
-              <a:rPr lang="en-US" sz="1200" b="1" dirty="0">
-                <a:solidFill>
-                  <a:srgbClr val="FF0000"/>
-                </a:solidFill>
-              </a:rPr>
-              <a:t>Use slider to select the years of interest</a:t>
-            </a:r>
-          </a:p>
-        </p:txBody>
-      </p:sp>
-      <p:sp>
-        <p:nvSpPr>
-          <p:cNvPr id="27" name="TextBox 26">
-            <a:extLst>
-              <a:ext uri="{FF2B5EF4-FFF2-40B4-BE49-F238E27FC236}">
-                <a16:creationId xmlns:a16="http://schemas.microsoft.com/office/drawing/2014/main" id="{02909AD0-9B67-4BF2-BDC7-7C0C3293196D}"/>
-              </a:ext>
-            </a:extLst>
-          </p:cNvPr>
-          <p:cNvSpPr txBox="1"/>
-          <p:nvPr/>
-        </p:nvSpPr>
-        <p:spPr>
-          <a:xfrm>
-            <a:off x="835712" y="2600115"/>
-            <a:ext cx="1863635" cy="646331"/>
-          </a:xfrm>
-          <a:prstGeom prst="rect">
-            <a:avLst/>
-          </a:prstGeom>
-          <a:noFill/>
-          <a:ln>
-            <a:solidFill>
-              <a:srgbClr val="FF0000"/>
-            </a:solidFill>
-          </a:ln>
-        </p:spPr>
-        <p:txBody>
-          <a:bodyPr wrap="square" rtlCol="0">
-            <a:spAutoFit/>
-          </a:bodyPr>
-          <a:lstStyle/>
-          <a:p>
-            <a:r>
-              <a:rPr lang="en-US" sz="1200" b="1" dirty="0">
-                <a:solidFill>
-                  <a:srgbClr val="FF0000"/>
-                </a:solidFill>
-              </a:rPr>
-              <a:t>Click on an empty part of the chart to highlight all the country-line charts.</a:t>
-            </a:r>
-          </a:p>
-        </p:txBody>
-      </p:sp>
-      <p:cxnSp>
-        <p:nvCxnSpPr>
-          <p:cNvPr id="28" name="Straight Arrow Connector 27">
-            <a:extLst>
-              <a:ext uri="{FF2B5EF4-FFF2-40B4-BE49-F238E27FC236}">
-                <a16:creationId xmlns:a16="http://schemas.microsoft.com/office/drawing/2014/main" id="{34275356-B4DB-408A-AF61-DDE63CEE542D}"/>
-              </a:ext>
-            </a:extLst>
-          </p:cNvPr>
-          <p:cNvCxnSpPr>
-            <a:cxnSpLocks/>
-          </p:cNvCxnSpPr>
-          <p:nvPr/>
-        </p:nvCxnSpPr>
-        <p:spPr>
-          <a:xfrm flipH="1">
-            <a:off x="1655717" y="2223044"/>
-            <a:ext cx="470263" cy="479666"/>
-          </a:xfrm>
-          <a:prstGeom prst="straightConnector1">
-            <a:avLst/>
-          </a:prstGeom>
-          <a:ln>
-            <a:solidFill>
-              <a:srgbClr val="FF0000"/>
-            </a:solidFill>
-            <a:tailEnd type="triangle"/>
-          </a:ln>
-        </p:spPr>
-        <p:style>
-          <a:lnRef idx="1">
-            <a:schemeClr val="accent1"/>
-          </a:lnRef>
-          <a:fillRef idx="0">
-            <a:schemeClr val="accent1"/>
-          </a:fillRef>
-          <a:effectRef idx="0">
-            <a:schemeClr val="accent1"/>
-          </a:effectRef>
-          <a:fontRef idx="minor">
-            <a:schemeClr val="tx1"/>
-          </a:fontRef>
-        </p:style>
-      </p:cxnSp>
+            <a:off x="3344228" y="761292"/>
+            <a:ext cx="1994263" cy="605667"/>
+            <a:chOff x="3344228" y="761292"/>
+            <a:chExt cx="1994263" cy="605667"/>
+          </a:xfrm>
+        </p:grpSpPr>
+        <p:sp>
+          <p:nvSpPr>
+            <p:cNvPr id="30" name="TextBox 29">
+              <a:extLst>
+                <a:ext uri="{FF2B5EF4-FFF2-40B4-BE49-F238E27FC236}">
+                  <a16:creationId xmlns:a16="http://schemas.microsoft.com/office/drawing/2014/main" id="{CE32270C-602E-4BDC-95F1-58DC77FB911D}"/>
+                </a:ext>
+              </a:extLst>
+            </p:cNvPr>
+            <p:cNvSpPr txBox="1"/>
+            <p:nvPr/>
+          </p:nvSpPr>
+          <p:spPr>
+            <a:xfrm>
+              <a:off x="3344228" y="761292"/>
+              <a:ext cx="1994263" cy="461665"/>
+            </a:xfrm>
+            <a:prstGeom prst="rect">
+              <a:avLst/>
+            </a:prstGeom>
+            <a:noFill/>
+            <a:ln>
+              <a:solidFill>
+                <a:srgbClr val="FF0000"/>
+              </a:solidFill>
+            </a:ln>
+          </p:spPr>
+          <p:txBody>
+            <a:bodyPr wrap="square" rtlCol="0">
+              <a:spAutoFit/>
+            </a:bodyPr>
+            <a:lstStyle/>
+            <a:p>
+              <a:r>
+                <a:rPr lang="en-US" sz="1200" b="1" dirty="0">
+                  <a:solidFill>
+                    <a:srgbClr val="FF0000"/>
+                  </a:solidFill>
+                </a:rPr>
+                <a:t>Use drop-down list to select or type the indicator</a:t>
+              </a:r>
+            </a:p>
+          </p:txBody>
+        </p:sp>
+        <p:cxnSp>
+          <p:nvCxnSpPr>
+            <p:cNvPr id="31" name="Straight Arrow Connector 30">
+              <a:extLst>
+                <a:ext uri="{FF2B5EF4-FFF2-40B4-BE49-F238E27FC236}">
+                  <a16:creationId xmlns:a16="http://schemas.microsoft.com/office/drawing/2014/main" id="{0872B4DA-9ABB-4294-A885-B59CA3878D52}"/>
+                </a:ext>
+              </a:extLst>
+            </p:cNvPr>
+            <p:cNvCxnSpPr>
+              <a:cxnSpLocks/>
+            </p:cNvCxnSpPr>
+            <p:nvPr/>
+          </p:nvCxnSpPr>
+          <p:spPr>
+            <a:xfrm flipV="1">
+              <a:off x="3991589" y="1222957"/>
+              <a:ext cx="865345" cy="144002"/>
+            </a:xfrm>
+            <a:prstGeom prst="straightConnector1">
+              <a:avLst/>
+            </a:prstGeom>
+            <a:ln>
+              <a:solidFill>
+                <a:srgbClr val="FF0000"/>
+              </a:solidFill>
+              <a:tailEnd type="triangle"/>
+            </a:ln>
+          </p:spPr>
+          <p:style>
+            <a:lnRef idx="1">
+              <a:schemeClr val="accent1"/>
+            </a:lnRef>
+            <a:fillRef idx="0">
+              <a:schemeClr val="accent1"/>
+            </a:fillRef>
+            <a:effectRef idx="0">
+              <a:schemeClr val="accent1"/>
+            </a:effectRef>
+            <a:fontRef idx="minor">
+              <a:schemeClr val="tx1"/>
+            </a:fontRef>
+          </p:style>
+        </p:cxnSp>
+      </p:grpSp>
     </p:spTree>
     <p:extLst>
       <p:ext uri="{BB962C8B-B14F-4D97-AF65-F5344CB8AC3E}">
@@ -9217,9 +11453,10 @@
           </a:bodyPr>
           <a:lstStyle/>
           <a:p>
+            <a:pPr algn="ctr"/>
             <a:r>
               <a:rPr lang="en-US" sz="3600" dirty="0"/>
-              <a:t>Dashboard Components - Country Benchmarking</a:t>
+              <a:t>Country Benchmarking</a:t>
             </a:r>
           </a:p>
         </p:txBody>
@@ -9242,8 +11479,8 @@
         </p:nvSpPr>
         <p:spPr>
           <a:xfrm>
-            <a:off x="643469" y="1782981"/>
-            <a:ext cx="4008384" cy="4393982"/>
+            <a:off x="643469" y="1161287"/>
+            <a:ext cx="4008384" cy="4791177"/>
           </a:xfrm>
         </p:spPr>
         <p:txBody>
@@ -9425,36 +11662,6 @@
           </p:txBody>
         </p:sp>
       </p:grpSp>
-      <p:pic>
-        <p:nvPicPr>
-          <p:cNvPr id="5" name="Picture 4">
-            <a:extLst>
-              <a:ext uri="{FF2B5EF4-FFF2-40B4-BE49-F238E27FC236}">
-                <a16:creationId xmlns:a16="http://schemas.microsoft.com/office/drawing/2014/main" id="{8C085386-A860-4F2D-81B1-2B15B4C52626}"/>
-              </a:ext>
-            </a:extLst>
-          </p:cNvPr>
-          <p:cNvPicPr>
-            <a:picLocks noChangeAspect="1"/>
-          </p:cNvPicPr>
-          <p:nvPr/>
-        </p:nvPicPr>
-        <p:blipFill>
-          <a:blip r:embed="rId2"/>
-          <a:stretch>
-            <a:fillRect/>
-          </a:stretch>
-        </p:blipFill>
-        <p:spPr>
-          <a:xfrm>
-            <a:off x="4651853" y="1164514"/>
-            <a:ext cx="7540146" cy="5012449"/>
-          </a:xfrm>
-          <a:prstGeom prst="rect">
-            <a:avLst/>
-          </a:prstGeom>
-        </p:spPr>
-      </p:pic>
       <p:grpSp>
         <p:nvGrpSpPr>
           <p:cNvPr id="38" name="Group 37">
@@ -9615,6 +11822,36 @@
           </p:txBody>
         </p:sp>
       </p:grpSp>
+      <p:pic>
+        <p:nvPicPr>
+          <p:cNvPr id="4" name="Picture 3">
+            <a:extLst>
+              <a:ext uri="{FF2B5EF4-FFF2-40B4-BE49-F238E27FC236}">
+                <a16:creationId xmlns:a16="http://schemas.microsoft.com/office/drawing/2014/main" id="{C0DB87B7-B3BF-4E28-95E7-EF5C1C522EFD}"/>
+              </a:ext>
+            </a:extLst>
+          </p:cNvPr>
+          <p:cNvPicPr>
+            <a:picLocks noChangeAspect="1"/>
+          </p:cNvPicPr>
+          <p:nvPr/>
+        </p:nvPicPr>
+        <p:blipFill>
+          <a:blip r:embed="rId2"/>
+          <a:stretch>
+            <a:fillRect/>
+          </a:stretch>
+        </p:blipFill>
+        <p:spPr>
+          <a:xfrm>
+            <a:off x="4654296" y="1161288"/>
+            <a:ext cx="7543800" cy="4791177"/>
+          </a:xfrm>
+          <a:prstGeom prst="rect">
+            <a:avLst/>
+          </a:prstGeom>
+        </p:spPr>
+      </p:pic>
       <p:sp>
         <p:nvSpPr>
           <p:cNvPr id="15" name="Footer Placeholder 5">
@@ -9670,9 +11907,9 @@
           <p:nvPr/>
         </p:nvCxnSpPr>
         <p:spPr>
-          <a:xfrm flipV="1">
-            <a:off x="5752888" y="1820141"/>
-            <a:ext cx="118994" cy="960220"/>
+          <a:xfrm flipH="1">
+            <a:off x="5607698" y="1779204"/>
+            <a:ext cx="233265" cy="982657"/>
           </a:xfrm>
           <a:prstGeom prst="straightConnector1">
             <a:avLst/>
@@ -9748,14 +11985,14 @@
             </a:extLst>
           </p:cNvPr>
           <p:cNvCxnSpPr>
-            <a:endCxn id="10" idx="2"/>
+            <a:cxnSpLocks/>
           </p:cNvCxnSpPr>
           <p:nvPr/>
         </p:nvCxnSpPr>
         <p:spPr>
-          <a:xfrm flipH="1" flipV="1">
-            <a:off x="6200969" y="1844773"/>
-            <a:ext cx="1254190" cy="1280982"/>
+          <a:xfrm>
+            <a:off x="6096000" y="1779204"/>
+            <a:ext cx="1284514" cy="1226856"/>
           </a:xfrm>
           <a:prstGeom prst="straightConnector1">
             <a:avLst/>
@@ -9883,6 +12120,36 @@
           </a:p>
         </p:txBody>
       </p:sp>
+      <p:pic>
+        <p:nvPicPr>
+          <p:cNvPr id="14" name="Picture 13">
+            <a:extLst>
+              <a:ext uri="{FF2B5EF4-FFF2-40B4-BE49-F238E27FC236}">
+                <a16:creationId xmlns:a16="http://schemas.microsoft.com/office/drawing/2014/main" id="{04446E76-E60A-4153-8105-E46C6B435903}"/>
+              </a:ext>
+            </a:extLst>
+          </p:cNvPr>
+          <p:cNvPicPr>
+            <a:picLocks noChangeAspect="1"/>
+          </p:cNvPicPr>
+          <p:nvPr/>
+        </p:nvPicPr>
+        <p:blipFill>
+          <a:blip r:embed="rId2"/>
+          <a:stretch>
+            <a:fillRect/>
+          </a:stretch>
+        </p:blipFill>
+        <p:spPr>
+          <a:xfrm>
+            <a:off x="4764024" y="1065221"/>
+            <a:ext cx="7223760" cy="2633901"/>
+          </a:xfrm>
+          <a:prstGeom prst="rect">
+            <a:avLst/>
+          </a:prstGeom>
+        </p:spPr>
+      </p:pic>
       <p:sp>
         <p:nvSpPr>
           <p:cNvPr id="2" name="Title 1">
@@ -9911,9 +12178,10 @@
           </a:bodyPr>
           <a:lstStyle/>
           <a:p>
+            <a:pPr algn="ctr"/>
             <a:r>
               <a:rPr lang="en-US" sz="3600" dirty="0"/>
-              <a:t>Dashboard Components - Tax Capacity and Tax Performance</a:t>
+              <a:t>Tax Capacity and Tax Performance</a:t>
             </a:r>
           </a:p>
         </p:txBody>
@@ -9936,8 +12204,8 @@
         </p:nvSpPr>
         <p:spPr>
           <a:xfrm>
-            <a:off x="643469" y="1782981"/>
-            <a:ext cx="4008384" cy="4393982"/>
+            <a:off x="643469" y="1065221"/>
+            <a:ext cx="4008384" cy="5249632"/>
           </a:xfrm>
         </p:spPr>
         <p:txBody>
@@ -10127,10 +12395,10 @@
       </p:grpSp>
       <p:pic>
         <p:nvPicPr>
-          <p:cNvPr id="7" name="Picture 6">
-            <a:extLst>
-              <a:ext uri="{FF2B5EF4-FFF2-40B4-BE49-F238E27FC236}">
-                <a16:creationId xmlns:a16="http://schemas.microsoft.com/office/drawing/2014/main" id="{10B3863E-7F9F-4709-8045-A59DABDA9634}"/>
+          <p:cNvPr id="10" name="Picture 9">
+            <a:extLst>
+              <a:ext uri="{FF2B5EF4-FFF2-40B4-BE49-F238E27FC236}">
+                <a16:creationId xmlns:a16="http://schemas.microsoft.com/office/drawing/2014/main" id="{582918F4-D595-4CBB-BE65-E2345C0A4571}"/>
               </a:ext>
             </a:extLst>
           </p:cNvPr>
@@ -10140,15 +12408,15 @@
           <p:nvPr/>
         </p:nvPicPr>
         <p:blipFill>
-          <a:blip r:embed="rId2"/>
+          <a:blip r:embed="rId3"/>
           <a:stretch>
             <a:fillRect/>
           </a:stretch>
         </p:blipFill>
         <p:spPr>
           <a:xfrm>
-            <a:off x="4809067" y="914438"/>
-            <a:ext cx="7309570" cy="2551971"/>
+            <a:off x="4759910" y="3829701"/>
+            <a:ext cx="7219187" cy="2624328"/>
           </a:xfrm>
           <a:prstGeom prst="rect">
             <a:avLst/>
@@ -10315,36 +12583,6 @@
           </p:txBody>
         </p:sp>
       </p:grpSp>
-      <p:pic>
-        <p:nvPicPr>
-          <p:cNvPr id="4" name="Picture 3">
-            <a:extLst>
-              <a:ext uri="{FF2B5EF4-FFF2-40B4-BE49-F238E27FC236}">
-                <a16:creationId xmlns:a16="http://schemas.microsoft.com/office/drawing/2014/main" id="{AEC98317-CA4A-4752-A454-30AE958F6753}"/>
-              </a:ext>
-            </a:extLst>
-          </p:cNvPr>
-          <p:cNvPicPr>
-            <a:picLocks noChangeAspect="1"/>
-          </p:cNvPicPr>
-          <p:nvPr/>
-        </p:nvPicPr>
-        <p:blipFill>
-          <a:blip r:embed="rId3"/>
-          <a:stretch>
-            <a:fillRect/>
-          </a:stretch>
-        </p:blipFill>
-        <p:spPr>
-          <a:xfrm>
-            <a:off x="4967973" y="3524836"/>
-            <a:ext cx="7150664" cy="2620037"/>
-          </a:xfrm>
-          <a:prstGeom prst="rect">
-            <a:avLst/>
-          </a:prstGeom>
-        </p:spPr>
-      </p:pic>
       <p:sp>
         <p:nvSpPr>
           <p:cNvPr id="15" name="Footer Placeholder 5">
@@ -10399,7 +12637,7 @@
         </p:nvSpPr>
         <p:spPr>
           <a:xfrm>
-            <a:off x="10840163" y="877657"/>
+            <a:off x="10840163" y="1149781"/>
             <a:ext cx="993422" cy="338629"/>
           </a:xfrm>
           <a:prstGeom prst="ellipse">
@@ -10448,14 +12686,15 @@
           </p:cNvPr>
           <p:cNvCxnSpPr>
             <a:cxnSpLocks/>
-            <a:stCxn id="8" idx="2"/>
+            <a:stCxn id="12" idx="0"/>
+            <a:endCxn id="8" idx="3"/>
           </p:cNvCxnSpPr>
           <p:nvPr/>
         </p:nvCxnSpPr>
         <p:spPr>
-          <a:xfrm flipH="1">
-            <a:off x="10221775" y="1046972"/>
-            <a:ext cx="618388" cy="1826538"/>
+          <a:xfrm flipV="1">
+            <a:off x="10118035" y="1438819"/>
+            <a:ext cx="867611" cy="1567675"/>
           </a:xfrm>
           <a:prstGeom prst="straightConnector1">
             <a:avLst/>
@@ -10496,7 +12735,7 @@
         </p:nvSpPr>
         <p:spPr>
           <a:xfrm>
-            <a:off x="9021688" y="2790356"/>
+            <a:off x="9021688" y="3006494"/>
             <a:ext cx="2192694" cy="738664"/>
           </a:xfrm>
           <a:prstGeom prst="rect">
@@ -10516,7 +12755,7 @@
                   <a:srgbClr val="FF0000"/>
                 </a:solidFill>
               </a:rPr>
-              <a:t>Choose the Tax Gap or Tax Capacity vs Tax Revenue Charts</a:t>
+              <a:t>Choose the Tax Gap or Tax Capacity vs Tax Performance Charts</a:t>
             </a:r>
           </a:p>
         </p:txBody>
@@ -10537,8 +12776,8 @@
         </p:nvCxnSpPr>
         <p:spPr>
           <a:xfrm flipH="1" flipV="1">
-            <a:off x="8351561" y="1129005"/>
-            <a:ext cx="736455" cy="1890667"/>
+            <a:off x="8351561" y="1345143"/>
+            <a:ext cx="764447" cy="1735493"/>
           </a:xfrm>
           <a:prstGeom prst="straightConnector1">
             <a:avLst/>
@@ -10582,8 +12821,8 @@
         </p:nvCxnSpPr>
         <p:spPr>
           <a:xfrm flipH="1">
-            <a:off x="8424924" y="3159688"/>
-            <a:ext cx="596764" cy="509348"/>
+            <a:off x="8153400" y="3375826"/>
+            <a:ext cx="868288" cy="581888"/>
           </a:xfrm>
           <a:prstGeom prst="straightConnector1">
             <a:avLst/>
@@ -10624,7 +12863,7 @@
         </p:nvSpPr>
         <p:spPr>
           <a:xfrm>
-            <a:off x="10840163" y="3503190"/>
+            <a:off x="10812170" y="3924606"/>
             <a:ext cx="993422" cy="338629"/>
           </a:xfrm>
           <a:prstGeom prst="ellipse">
@@ -10673,14 +12912,15 @@
           </p:cNvPr>
           <p:cNvCxnSpPr>
             <a:cxnSpLocks/>
-            <a:stCxn id="43" idx="2"/>
+            <a:stCxn id="12" idx="2"/>
+            <a:endCxn id="43" idx="2"/>
           </p:cNvCxnSpPr>
           <p:nvPr/>
         </p:nvCxnSpPr>
         <p:spPr>
-          <a:xfrm flipH="1" flipV="1">
-            <a:off x="10366311" y="3268193"/>
-            <a:ext cx="473852" cy="404312"/>
+          <a:xfrm>
+            <a:off x="10118035" y="3745158"/>
+            <a:ext cx="694135" cy="348763"/>
           </a:xfrm>
           <a:prstGeom prst="straightConnector1">
             <a:avLst/>
@@ -10737,134 +12977,12 @@
           <a:chExt cx="0" cy="0"/>
         </a:xfrm>
       </p:grpSpPr>
-      <p:sp>
-        <p:nvSpPr>
-          <p:cNvPr id="2" name="Title 1">
-            <a:extLst>
-              <a:ext uri="{FF2B5EF4-FFF2-40B4-BE49-F238E27FC236}">
-                <a16:creationId xmlns:a16="http://schemas.microsoft.com/office/drawing/2014/main" id="{4D4F4F8C-82C7-4A75-BDDE-C1B760C2C9DD}"/>
-              </a:ext>
-            </a:extLst>
-          </p:cNvPr>
-          <p:cNvSpPr>
-            <a:spLocks noGrp="1"/>
-          </p:cNvSpPr>
-          <p:nvPr>
-            <p:ph type="title"/>
-          </p:nvPr>
-        </p:nvSpPr>
-        <p:spPr>
-          <a:xfrm>
-            <a:off x="643467" y="321734"/>
-            <a:ext cx="10905066" cy="1135737"/>
-          </a:xfrm>
-        </p:spPr>
-        <p:txBody>
-          <a:bodyPr>
-            <a:normAutofit/>
-          </a:bodyPr>
-          <a:lstStyle/>
-          <a:p>
-            <a:r>
-              <a:rPr lang="en-US" sz="3600" dirty="0"/>
-              <a:t>Dashboard Components – Tax Buoyancy Dashboard</a:t>
-            </a:r>
-          </a:p>
-        </p:txBody>
-      </p:sp>
-      <p:sp>
-        <p:nvSpPr>
-          <p:cNvPr id="9" name="Content Placeholder 8">
-            <a:extLst>
-              <a:ext uri="{FF2B5EF4-FFF2-40B4-BE49-F238E27FC236}">
-                <a16:creationId xmlns:a16="http://schemas.microsoft.com/office/drawing/2014/main" id="{6A02CD96-D376-4809-9E95-EDF84909A920}"/>
-              </a:ext>
-            </a:extLst>
-          </p:cNvPr>
-          <p:cNvSpPr>
-            <a:spLocks noGrp="1"/>
-          </p:cNvSpPr>
-          <p:nvPr>
-            <p:ph idx="1"/>
-          </p:nvPr>
-        </p:nvSpPr>
-        <p:spPr>
-          <a:xfrm>
-            <a:off x="643469" y="1782981"/>
-            <a:ext cx="4008384" cy="4393982"/>
-          </a:xfrm>
-        </p:spPr>
-        <p:txBody>
-          <a:bodyPr>
-            <a:normAutofit/>
-          </a:bodyPr>
-          <a:lstStyle/>
-          <a:p>
-            <a:r>
-              <a:rPr lang="en-US" sz="1700" dirty="0"/>
-              <a:t>The Tax Buoyancy Dashboard provides the buoyancy for Tax Revenue and the major taxes, PIT, CIT, VAT, Excises and Property Taxes.</a:t>
-            </a:r>
-          </a:p>
-          <a:p>
-            <a:r>
-              <a:rPr lang="en-US" sz="1700" dirty="0"/>
-              <a:t>The country and years are selected from the Tax Revenue Dashboard.</a:t>
-            </a:r>
-          </a:p>
-          <a:p>
-            <a:r>
-              <a:rPr lang="en-US" sz="1700" dirty="0"/>
-              <a:t>The charts shows the Buoyancy=1 line for reference and calculates the average buoyancy for the selected years.</a:t>
-            </a:r>
-          </a:p>
-        </p:txBody>
-      </p:sp>
-      <p:sp>
-        <p:nvSpPr>
-          <p:cNvPr id="15" name="Footer Placeholder 5">
-            <a:extLst>
-              <a:ext uri="{FF2B5EF4-FFF2-40B4-BE49-F238E27FC236}">
-                <a16:creationId xmlns:a16="http://schemas.microsoft.com/office/drawing/2014/main" id="{C45DE2A0-951D-40CE-8CDC-F56DBCBDF280}"/>
-              </a:ext>
-            </a:extLst>
-          </p:cNvPr>
-          <p:cNvSpPr>
-            <a:spLocks noGrp="1"/>
-          </p:cNvSpPr>
-          <p:nvPr>
-            <p:ph type="ftr" sz="quarter" idx="11"/>
-          </p:nvPr>
-        </p:nvSpPr>
-        <p:spPr>
-          <a:xfrm>
-            <a:off x="4038600" y="6356350"/>
-            <a:ext cx="4114800" cy="365125"/>
-          </a:xfrm>
-        </p:spPr>
-        <p:txBody>
-          <a:bodyPr>
-            <a:normAutofit/>
-          </a:bodyPr>
-          <a:lstStyle/>
-          <a:p>
-            <a:pPr>
-              <a:lnSpc>
-                <a:spcPct val="90000"/>
-              </a:lnSpc>
-              <a:spcAft>
-                <a:spcPts val="600"/>
-              </a:spcAft>
-            </a:pPr>
-            <a:endParaRPr lang="en-US" sz="700"/>
-          </a:p>
-        </p:txBody>
-      </p:sp>
       <p:pic>
         <p:nvPicPr>
-          <p:cNvPr id="13" name="Picture 12">
-            <a:extLst>
-              <a:ext uri="{FF2B5EF4-FFF2-40B4-BE49-F238E27FC236}">
-                <a16:creationId xmlns:a16="http://schemas.microsoft.com/office/drawing/2014/main" id="{62C3DBE4-19D3-45CD-B384-350060E80F39}"/>
+          <p:cNvPr id="5" name="Picture 4">
+            <a:extLst>
+              <a:ext uri="{FF2B5EF4-FFF2-40B4-BE49-F238E27FC236}">
+                <a16:creationId xmlns:a16="http://schemas.microsoft.com/office/drawing/2014/main" id="{026770F5-343E-4092-BDAC-E581B60CB4BA}"/>
               </a:ext>
             </a:extLst>
           </p:cNvPr>
@@ -10881,8 +12999,8 @@
         </p:blipFill>
         <p:spPr>
           <a:xfrm>
-            <a:off x="4651852" y="1222309"/>
-            <a:ext cx="7540147" cy="5134041"/>
+            <a:off x="4566128" y="1552103"/>
+            <a:ext cx="7616952" cy="4177422"/>
           </a:xfrm>
           <a:prstGeom prst="rect">
             <a:avLst/>
@@ -10891,6 +13009,135 @@
       </p:pic>
       <p:sp>
         <p:nvSpPr>
+          <p:cNvPr id="2" name="Title 1">
+            <a:extLst>
+              <a:ext uri="{FF2B5EF4-FFF2-40B4-BE49-F238E27FC236}">
+                <a16:creationId xmlns:a16="http://schemas.microsoft.com/office/drawing/2014/main" id="{4D4F4F8C-82C7-4A75-BDDE-C1B760C2C9DD}"/>
+              </a:ext>
+            </a:extLst>
+          </p:cNvPr>
+          <p:cNvSpPr>
+            <a:spLocks noGrp="1"/>
+          </p:cNvSpPr>
+          <p:nvPr>
+            <p:ph type="title"/>
+          </p:nvPr>
+        </p:nvSpPr>
+        <p:spPr>
+          <a:xfrm>
+            <a:off x="643467" y="321734"/>
+            <a:ext cx="10905066" cy="1135737"/>
+          </a:xfrm>
+        </p:spPr>
+        <p:txBody>
+          <a:bodyPr>
+            <a:normAutofit/>
+          </a:bodyPr>
+          <a:lstStyle/>
+          <a:p>
+            <a:pPr algn="ctr"/>
+            <a:r>
+              <a:rPr lang="en-US" sz="3600" dirty="0"/>
+              <a:t>Tax Buoyancy Dashboard</a:t>
+            </a:r>
+          </a:p>
+        </p:txBody>
+      </p:sp>
+      <p:sp>
+        <p:nvSpPr>
+          <p:cNvPr id="9" name="Content Placeholder 8">
+            <a:extLst>
+              <a:ext uri="{FF2B5EF4-FFF2-40B4-BE49-F238E27FC236}">
+                <a16:creationId xmlns:a16="http://schemas.microsoft.com/office/drawing/2014/main" id="{6A02CD96-D376-4809-9E95-EDF84909A920}"/>
+              </a:ext>
+            </a:extLst>
+          </p:cNvPr>
+          <p:cNvSpPr>
+            <a:spLocks noGrp="1"/>
+          </p:cNvSpPr>
+          <p:nvPr>
+            <p:ph idx="1"/>
+          </p:nvPr>
+        </p:nvSpPr>
+        <p:spPr>
+          <a:xfrm>
+            <a:off x="643469" y="1552103"/>
+            <a:ext cx="4008384" cy="4177422"/>
+          </a:xfrm>
+        </p:spPr>
+        <p:txBody>
+          <a:bodyPr>
+            <a:normAutofit/>
+          </a:bodyPr>
+          <a:lstStyle/>
+          <a:p>
+            <a:r>
+              <a:rPr lang="en-US" sz="1700" dirty="0"/>
+              <a:t>The Tax Buoyancy Dashboard provides the buoyancy for Tax Revenue and the major taxes, PIT, CIT, VAT, Excises and Property Taxes.</a:t>
+            </a:r>
+          </a:p>
+          <a:p>
+            <a:r>
+              <a:rPr lang="en-US" sz="1700" dirty="0"/>
+              <a:t>The country and years are selected from the Tax Revenue Dashboard.</a:t>
+            </a:r>
+          </a:p>
+          <a:p>
+            <a:r>
+              <a:rPr lang="en-US" sz="1700" dirty="0"/>
+              <a:t>The charts shows the Buoyancy=1 line for reference and calculates the average buoyancy for the selected years.</a:t>
+            </a:r>
+          </a:p>
+          <a:p>
+            <a:r>
+              <a:rPr lang="en-US" sz="1700" dirty="0"/>
+              <a:t>The charts also show average PIT, CIT, and VAT Rates to allow users check if the Buoyancy is due to fluctuation in Tax Rates.</a:t>
+            </a:r>
+          </a:p>
+        </p:txBody>
+      </p:sp>
+      <p:sp>
+        <p:nvSpPr>
+          <p:cNvPr id="15" name="Footer Placeholder 5">
+            <a:extLst>
+              <a:ext uri="{FF2B5EF4-FFF2-40B4-BE49-F238E27FC236}">
+                <a16:creationId xmlns:a16="http://schemas.microsoft.com/office/drawing/2014/main" id="{C45DE2A0-951D-40CE-8CDC-F56DBCBDF280}"/>
+              </a:ext>
+            </a:extLst>
+          </p:cNvPr>
+          <p:cNvSpPr>
+            <a:spLocks noGrp="1"/>
+          </p:cNvSpPr>
+          <p:nvPr>
+            <p:ph type="ftr" sz="quarter" idx="11"/>
+          </p:nvPr>
+        </p:nvSpPr>
+        <p:spPr>
+          <a:xfrm>
+            <a:off x="4038600" y="6356350"/>
+            <a:ext cx="4114800" cy="365125"/>
+          </a:xfrm>
+        </p:spPr>
+        <p:txBody>
+          <a:bodyPr>
+            <a:normAutofit/>
+          </a:bodyPr>
+          <a:lstStyle/>
+          <a:p>
+            <a:pPr>
+              <a:lnSpc>
+                <a:spcPct val="90000"/>
+              </a:lnSpc>
+              <a:spcAft>
+                <a:spcPts val="600"/>
+              </a:spcAft>
+            </a:pPr>
+            <a:endParaRPr lang="en-US" sz="700"/>
+          </a:p>
+        </p:txBody>
+      </p:sp>
+      <p:sp>
+        <p:nvSpPr>
           <p:cNvPr id="3" name="Oval 2">
             <a:extLst>
               <a:ext uri="{FF2B5EF4-FFF2-40B4-BE49-F238E27FC236}">
@@ -10903,7 +13150,7 @@
         </p:nvSpPr>
         <p:spPr>
           <a:xfrm>
-            <a:off x="6391469" y="1636858"/>
+            <a:off x="6362894" y="1817833"/>
             <a:ext cx="1343609" cy="177282"/>
           </a:xfrm>
           <a:prstGeom prst="ellipse">
@@ -11070,9 +13317,10 @@
           </a:bodyPr>
           <a:lstStyle/>
           <a:p>
+            <a:pPr algn="ctr"/>
             <a:r>
               <a:rPr lang="en-US" sz="3600" dirty="0"/>
-              <a:t>Dashboard Components - Regional Comparison</a:t>
+              <a:t>Comparison Dashboard</a:t>
             </a:r>
           </a:p>
         </p:txBody>
@@ -11095,8 +13343,889 @@
         </p:nvSpPr>
         <p:spPr>
           <a:xfrm>
-            <a:off x="643469" y="1782981"/>
-            <a:ext cx="4008384" cy="4393982"/>
+            <a:off x="643469" y="1394607"/>
+            <a:ext cx="4008384" cy="4746326"/>
+          </a:xfrm>
+        </p:spPr>
+        <p:txBody>
+          <a:bodyPr>
+            <a:normAutofit fontScale="92500" lnSpcReduction="10000"/>
+          </a:bodyPr>
+          <a:lstStyle/>
+          <a:p>
+            <a:r>
+              <a:rPr lang="en-US" sz="2000" dirty="0"/>
+              <a:t>Single comparator can be selected from “Comparison Basis” filter</a:t>
+            </a:r>
+          </a:p>
+          <a:p>
+            <a:r>
+              <a:rPr lang="en-US" sz="2000" dirty="0"/>
+              <a:t>Clicking on any data point (“Comparison Basis”, year) in the “Tax Revenue-All &lt;comparator&gt;” chart updates “Tax Rates : All &lt;comparator&gt;”(top middle), “Total Revenue: &lt;comparator&gt;-&lt;selected value&gt;” (top right), and “Tax Structure: &lt;comparator&gt;-&lt;selected value&gt;” (bottom right) charts.</a:t>
+            </a:r>
+          </a:p>
+          <a:p>
+            <a:r>
+              <a:rPr lang="en-US" sz="2000" dirty="0"/>
+              <a:t>Years are selected from the Tax Revenue Dashboard.</a:t>
+            </a:r>
+          </a:p>
+          <a:p>
+            <a:r>
+              <a:rPr lang="en-US" sz="2000" dirty="0"/>
+              <a:t>Average Tax Rates for PIT, CIT and VAT for the region are shown in the top-middle chart.</a:t>
+            </a:r>
+          </a:p>
+          <a:p>
+            <a:r>
+              <a:rPr lang="en-US" sz="2000" dirty="0"/>
+              <a:t>Un-weighted averages are used.</a:t>
+            </a:r>
+          </a:p>
+          <a:p>
+            <a:endParaRPr lang="en-US" sz="2000" dirty="0"/>
+          </a:p>
+        </p:txBody>
+      </p:sp>
+      <p:grpSp>
+        <p:nvGrpSpPr>
+          <p:cNvPr id="21" name="Group 20">
+            <a:extLst>
+              <a:ext uri="{FF2B5EF4-FFF2-40B4-BE49-F238E27FC236}">
+                <a16:creationId xmlns:a16="http://schemas.microsoft.com/office/drawing/2014/main" id="{828A5161-06F1-46CF-8AD7-844680A59E13}"/>
+              </a:ext>
+              <a:ext uri="{C183D7F6-B498-43B3-948B-1728B52AA6E4}">
+                <adec:decorative xmlns:adec="http://schemas.microsoft.com/office/drawing/2017/decorative" val="1"/>
+              </a:ext>
+            </a:extLst>
+          </p:cNvPr>
+          <p:cNvGrpSpPr>
+            <a:grpSpLocks noGrp="1" noUngrp="1" noRot="1" noChangeAspect="1" noMove="1" noResize="1"/>
+          </p:cNvGrpSpPr>
+          <p:nvPr>
+            <p:extLst>
+              <p:ext uri="{386F3935-93C4-4BCD-93E2-E3B085C9AB24}">
+                <p16:designElem xmlns:p16="http://schemas.microsoft.com/office/powerpoint/2015/main" val="1"/>
+              </p:ext>
+            </p:extLst>
+          </p:nvPr>
+        </p:nvGrpSpPr>
+        <p:grpSpPr>
+          <a:xfrm>
+            <a:off x="0" y="4601497"/>
+            <a:ext cx="1014060" cy="2017580"/>
+            <a:chOff x="0" y="4601497"/>
+            <a:chExt cx="1014060" cy="2017580"/>
+          </a:xfrm>
+        </p:grpSpPr>
+        <p:sp>
+          <p:nvSpPr>
+            <p:cNvPr id="22" name="Isosceles Triangle 21">
+              <a:extLst>
+                <a:ext uri="{FF2B5EF4-FFF2-40B4-BE49-F238E27FC236}">
+                  <a16:creationId xmlns:a16="http://schemas.microsoft.com/office/drawing/2014/main" id="{D3F51FEB-38FB-4F6C-9F7B-2F2AFAB65463}"/>
+                </a:ext>
+                <a:ext uri="{C183D7F6-B498-43B3-948B-1728B52AA6E4}">
+                  <adec:decorative xmlns:adec="http://schemas.microsoft.com/office/drawing/2017/decorative" val="1"/>
+                </a:ext>
+              </a:extLst>
+            </p:cNvPr>
+            <p:cNvSpPr/>
+            <p:nvPr>
+              <p:extLst>
+                <p:ext uri="{386F3935-93C4-4BCD-93E2-E3B085C9AB24}">
+                  <p16:designElem xmlns:p16="http://schemas.microsoft.com/office/powerpoint/2015/main" val="1"/>
+                </p:ext>
+              </p:extLst>
+            </p:nvPr>
+          </p:nvSpPr>
+          <p:spPr>
+            <a:xfrm rot="5400000">
+              <a:off x="-501760" y="5103257"/>
+              <a:ext cx="2017580" cy="1014060"/>
+            </a:xfrm>
+            <a:prstGeom prst="triangle">
+              <a:avLst>
+                <a:gd name="adj" fmla="val 50000"/>
+              </a:avLst>
+            </a:prstGeom>
+            <a:solidFill>
+              <a:schemeClr val="accent1">
+                <a:alpha val="30000"/>
+              </a:schemeClr>
+            </a:solidFill>
+            <a:ln>
+              <a:noFill/>
+            </a:ln>
+          </p:spPr>
+          <p:style>
+            <a:lnRef idx="2">
+              <a:schemeClr val="accent1">
+                <a:shade val="50000"/>
+              </a:schemeClr>
+            </a:lnRef>
+            <a:fillRef idx="1">
+              <a:schemeClr val="accent1"/>
+            </a:fillRef>
+            <a:effectRef idx="0">
+              <a:schemeClr val="accent1"/>
+            </a:effectRef>
+            <a:fontRef idx="minor">
+              <a:schemeClr val="lt1"/>
+            </a:fontRef>
+          </p:style>
+          <p:txBody>
+            <a:bodyPr rtlCol="0" anchor="ctr"/>
+            <a:lstStyle/>
+            <a:p>
+              <a:pPr algn="ctr"/>
+              <a:endParaRPr lang="en-US"/>
+            </a:p>
+          </p:txBody>
+        </p:sp>
+        <p:sp>
+          <p:nvSpPr>
+            <p:cNvPr id="23" name="Rectangle 22">
+              <a:extLst>
+                <a:ext uri="{FF2B5EF4-FFF2-40B4-BE49-F238E27FC236}">
+                  <a16:creationId xmlns:a16="http://schemas.microsoft.com/office/drawing/2014/main" id="{1E547BA6-BAE0-43BB-A7CA-60F69CE252F0}"/>
+                </a:ext>
+                <a:ext uri="{C183D7F6-B498-43B3-948B-1728B52AA6E4}">
+                  <adec:decorative xmlns:adec="http://schemas.microsoft.com/office/drawing/2017/decorative" val="1"/>
+                </a:ext>
+              </a:extLst>
+            </p:cNvPr>
+            <p:cNvSpPr/>
+            <p:nvPr>
+              <p:extLst>
+                <p:ext uri="{386F3935-93C4-4BCD-93E2-E3B085C9AB24}">
+                  <p16:designElem xmlns:p16="http://schemas.microsoft.com/office/powerpoint/2015/main" val="1"/>
+                </p:ext>
+              </p:extLst>
+            </p:nvPr>
+          </p:nvSpPr>
+          <p:spPr>
+            <a:xfrm rot="2700000">
+              <a:off x="427916" y="5728708"/>
+              <a:ext cx="485578" cy="485578"/>
+            </a:xfrm>
+            <a:prstGeom prst="rect">
+              <a:avLst/>
+            </a:prstGeom>
+            <a:solidFill>
+              <a:schemeClr val="accent1">
+                <a:alpha val="30000"/>
+              </a:schemeClr>
+            </a:solidFill>
+            <a:ln>
+              <a:noFill/>
+            </a:ln>
+          </p:spPr>
+          <p:style>
+            <a:lnRef idx="2">
+              <a:schemeClr val="accent1">
+                <a:shade val="50000"/>
+              </a:schemeClr>
+            </a:lnRef>
+            <a:fillRef idx="1">
+              <a:schemeClr val="accent1"/>
+            </a:fillRef>
+            <a:effectRef idx="0">
+              <a:schemeClr val="accent1"/>
+            </a:effectRef>
+            <a:fontRef idx="minor">
+              <a:schemeClr val="lt1"/>
+            </a:fontRef>
+          </p:style>
+          <p:txBody>
+            <a:bodyPr rtlCol="0" anchor="ctr"/>
+            <a:lstStyle/>
+            <a:p>
+              <a:pPr algn="ctr"/>
+              <a:endParaRPr lang="en-US"/>
+            </a:p>
+          </p:txBody>
+        </p:sp>
+      </p:grpSp>
+      <p:pic>
+        <p:nvPicPr>
+          <p:cNvPr id="24" name="Picture 23">
+            <a:extLst>
+              <a:ext uri="{FF2B5EF4-FFF2-40B4-BE49-F238E27FC236}">
+                <a16:creationId xmlns:a16="http://schemas.microsoft.com/office/drawing/2014/main" id="{3620F251-4E0A-4C7B-85B5-210B4A96AC78}"/>
+              </a:ext>
+            </a:extLst>
+          </p:cNvPr>
+          <p:cNvPicPr>
+            <a:picLocks noChangeAspect="1"/>
+          </p:cNvPicPr>
+          <p:nvPr/>
+        </p:nvPicPr>
+        <p:blipFill>
+          <a:blip r:embed="rId2"/>
+          <a:stretch>
+            <a:fillRect/>
+          </a:stretch>
+        </p:blipFill>
+        <p:spPr>
+          <a:xfrm>
+            <a:off x="4538107" y="1394607"/>
+            <a:ext cx="7491190" cy="4746326"/>
+          </a:xfrm>
+          <a:prstGeom prst="rect">
+            <a:avLst/>
+          </a:prstGeom>
+        </p:spPr>
+      </p:pic>
+      <p:grpSp>
+        <p:nvGrpSpPr>
+          <p:cNvPr id="25" name="Group 24">
+            <a:extLst>
+              <a:ext uri="{FF2B5EF4-FFF2-40B4-BE49-F238E27FC236}">
+                <a16:creationId xmlns:a16="http://schemas.microsoft.com/office/drawing/2014/main" id="{5995D10D-E9C9-47DB-AE7E-801FEF38F5C9}"/>
+              </a:ext>
+              <a:ext uri="{C183D7F6-B498-43B3-948B-1728B52AA6E4}">
+                <adec:decorative xmlns:adec="http://schemas.microsoft.com/office/drawing/2017/decorative" val="1"/>
+              </a:ext>
+            </a:extLst>
+          </p:cNvPr>
+          <p:cNvGrpSpPr>
+            <a:grpSpLocks noGrp="1" noUngrp="1" noRot="1" noChangeAspect="1" noMove="1" noResize="1"/>
+          </p:cNvGrpSpPr>
+          <p:nvPr>
+            <p:extLst>
+              <p:ext uri="{386F3935-93C4-4BCD-93E2-E3B085C9AB24}">
+                <p16:designElem xmlns:p16="http://schemas.microsoft.com/office/powerpoint/2015/main" val="1"/>
+              </p:ext>
+            </p:extLst>
+          </p:nvPr>
+        </p:nvGrpSpPr>
+        <p:grpSpPr>
+          <a:xfrm>
+            <a:off x="11219290" y="1"/>
+            <a:ext cx="972709" cy="1935307"/>
+            <a:chOff x="10918968" y="713127"/>
+            <a:chExt cx="1273032" cy="2532832"/>
+          </a:xfrm>
+        </p:grpSpPr>
+        <p:sp>
+          <p:nvSpPr>
+            <p:cNvPr id="26" name="Rectangle 25">
+              <a:extLst>
+                <a:ext uri="{FF2B5EF4-FFF2-40B4-BE49-F238E27FC236}">
+                  <a16:creationId xmlns:a16="http://schemas.microsoft.com/office/drawing/2014/main" id="{CC1A72C6-3DE4-4EC3-9AD5-9E0D40D8CE8A}"/>
+                </a:ext>
+                <a:ext uri="{C183D7F6-B498-43B3-948B-1728B52AA6E4}">
+                  <adec:decorative xmlns:adec="http://schemas.microsoft.com/office/drawing/2017/decorative" val="1"/>
+                </a:ext>
+              </a:extLst>
+            </p:cNvPr>
+            <p:cNvSpPr/>
+            <p:nvPr>
+              <p:extLst>
+                <p:ext uri="{386F3935-93C4-4BCD-93E2-E3B085C9AB24}">
+                  <p16:designElem xmlns:p16="http://schemas.microsoft.com/office/powerpoint/2015/main" val="1"/>
+                </p:ext>
+              </p:extLst>
+            </p:nvPr>
+          </p:nvSpPr>
+          <p:spPr>
+            <a:xfrm rot="2700000">
+              <a:off x="11052629" y="2120024"/>
+              <a:ext cx="645368" cy="645368"/>
+            </a:xfrm>
+            <a:prstGeom prst="rect">
+              <a:avLst/>
+            </a:prstGeom>
+            <a:solidFill>
+              <a:schemeClr val="accent4">
+                <a:alpha val="30000"/>
+              </a:schemeClr>
+            </a:solidFill>
+            <a:ln>
+              <a:noFill/>
+            </a:ln>
+          </p:spPr>
+          <p:style>
+            <a:lnRef idx="2">
+              <a:schemeClr val="accent1">
+                <a:shade val="50000"/>
+              </a:schemeClr>
+            </a:lnRef>
+            <a:fillRef idx="1">
+              <a:schemeClr val="accent1"/>
+            </a:fillRef>
+            <a:effectRef idx="0">
+              <a:schemeClr val="accent1"/>
+            </a:effectRef>
+            <a:fontRef idx="minor">
+              <a:schemeClr val="lt1"/>
+            </a:fontRef>
+          </p:style>
+          <p:txBody>
+            <a:bodyPr rtlCol="0" anchor="ctr"/>
+            <a:lstStyle/>
+            <a:p>
+              <a:pPr algn="ctr"/>
+              <a:endParaRPr lang="en-US"/>
+            </a:p>
+          </p:txBody>
+        </p:sp>
+        <p:sp>
+          <p:nvSpPr>
+            <p:cNvPr id="27" name="Isosceles Triangle 26">
+              <a:extLst>
+                <a:ext uri="{FF2B5EF4-FFF2-40B4-BE49-F238E27FC236}">
+                  <a16:creationId xmlns:a16="http://schemas.microsoft.com/office/drawing/2014/main" id="{0B0DA1F1-C391-4EDF-9FE0-23E86E137765}"/>
+                </a:ext>
+                <a:ext uri="{C183D7F6-B498-43B3-948B-1728B52AA6E4}">
+                  <adec:decorative xmlns:adec="http://schemas.microsoft.com/office/drawing/2017/decorative" val="1"/>
+                </a:ext>
+              </a:extLst>
+            </p:cNvPr>
+            <p:cNvSpPr/>
+            <p:nvPr>
+              <p:extLst>
+                <p:ext uri="{386F3935-93C4-4BCD-93E2-E3B085C9AB24}">
+                  <p16:designElem xmlns:p16="http://schemas.microsoft.com/office/powerpoint/2015/main" val="1"/>
+                </p:ext>
+              </p:extLst>
+            </p:nvPr>
+          </p:nvSpPr>
+          <p:spPr>
+            <a:xfrm rot="16200000">
+              <a:off x="10289068" y="1343027"/>
+              <a:ext cx="2532832" cy="1273032"/>
+            </a:xfrm>
+            <a:prstGeom prst="triangle">
+              <a:avLst>
+                <a:gd name="adj" fmla="val 50000"/>
+              </a:avLst>
+            </a:prstGeom>
+            <a:solidFill>
+              <a:schemeClr val="accent4">
+                <a:alpha val="30000"/>
+              </a:schemeClr>
+            </a:solidFill>
+            <a:ln>
+              <a:noFill/>
+            </a:ln>
+          </p:spPr>
+          <p:style>
+            <a:lnRef idx="2">
+              <a:schemeClr val="accent1">
+                <a:shade val="50000"/>
+              </a:schemeClr>
+            </a:lnRef>
+            <a:fillRef idx="1">
+              <a:schemeClr val="accent1"/>
+            </a:fillRef>
+            <a:effectRef idx="0">
+              <a:schemeClr val="accent1"/>
+            </a:effectRef>
+            <a:fontRef idx="minor">
+              <a:schemeClr val="lt1"/>
+            </a:fontRef>
+          </p:style>
+          <p:txBody>
+            <a:bodyPr rtlCol="0" anchor="ctr"/>
+            <a:lstStyle/>
+            <a:p>
+              <a:pPr algn="ctr"/>
+              <a:endParaRPr lang="en-US" dirty="0"/>
+            </a:p>
+          </p:txBody>
+        </p:sp>
+      </p:grpSp>
+      <p:sp>
+        <p:nvSpPr>
+          <p:cNvPr id="6" name="Footer Placeholder 5">
+            <a:extLst>
+              <a:ext uri="{FF2B5EF4-FFF2-40B4-BE49-F238E27FC236}">
+                <a16:creationId xmlns:a16="http://schemas.microsoft.com/office/drawing/2014/main" id="{6C24C68A-289C-477C-A8AB-2F0643334FCF}"/>
+              </a:ext>
+            </a:extLst>
+          </p:cNvPr>
+          <p:cNvSpPr>
+            <a:spLocks noGrp="1"/>
+          </p:cNvSpPr>
+          <p:nvPr>
+            <p:ph type="ftr" sz="quarter" idx="11"/>
+          </p:nvPr>
+        </p:nvSpPr>
+        <p:spPr>
+          <a:xfrm>
+            <a:off x="643467" y="6353703"/>
+            <a:ext cx="10905065" cy="365125"/>
+          </a:xfrm>
+        </p:spPr>
+        <p:txBody>
+          <a:bodyPr/>
+          <a:lstStyle/>
+          <a:p>
+            <a:endParaRPr lang="en-US" sz="1200" dirty="0"/>
+          </a:p>
+        </p:txBody>
+      </p:sp>
+      <p:sp>
+        <p:nvSpPr>
+          <p:cNvPr id="7" name="Oval 6">
+            <a:extLst>
+              <a:ext uri="{FF2B5EF4-FFF2-40B4-BE49-F238E27FC236}">
+                <a16:creationId xmlns:a16="http://schemas.microsoft.com/office/drawing/2014/main" id="{1D659583-B7F7-47C1-9A32-15E405E4BA54}"/>
+              </a:ext>
+            </a:extLst>
+          </p:cNvPr>
+          <p:cNvSpPr/>
+          <p:nvPr/>
+        </p:nvSpPr>
+        <p:spPr>
+          <a:xfrm>
+            <a:off x="7193903" y="2111360"/>
+            <a:ext cx="2799183" cy="365125"/>
+          </a:xfrm>
+          <a:prstGeom prst="ellipse">
+            <a:avLst/>
+          </a:prstGeom>
+          <a:noFill/>
+          <a:ln>
+            <a:solidFill>
+              <a:srgbClr val="FF0000"/>
+            </a:solidFill>
+          </a:ln>
+        </p:spPr>
+        <p:style>
+          <a:lnRef idx="2">
+            <a:schemeClr val="accent1">
+              <a:shade val="50000"/>
+            </a:schemeClr>
+          </a:lnRef>
+          <a:fillRef idx="1">
+            <a:schemeClr val="accent1"/>
+          </a:fillRef>
+          <a:effectRef idx="0">
+            <a:schemeClr val="accent1"/>
+          </a:effectRef>
+          <a:fontRef idx="minor">
+            <a:schemeClr val="lt1"/>
+          </a:fontRef>
+        </p:style>
+        <p:txBody>
+          <a:bodyPr rtlCol="0" anchor="ctr"/>
+          <a:lstStyle/>
+          <a:p>
+            <a:pPr algn="ctr"/>
+            <a:endParaRPr lang="en-US"/>
+          </a:p>
+        </p:txBody>
+      </p:sp>
+      <p:sp>
+        <p:nvSpPr>
+          <p:cNvPr id="16" name="TextBox 15">
+            <a:extLst>
+              <a:ext uri="{FF2B5EF4-FFF2-40B4-BE49-F238E27FC236}">
+                <a16:creationId xmlns:a16="http://schemas.microsoft.com/office/drawing/2014/main" id="{C2BEBE69-A2C8-4205-B6F3-555D3DF054CD}"/>
+              </a:ext>
+            </a:extLst>
+          </p:cNvPr>
+          <p:cNvSpPr txBox="1"/>
+          <p:nvPr/>
+        </p:nvSpPr>
+        <p:spPr>
+          <a:xfrm>
+            <a:off x="5013142" y="2862003"/>
+            <a:ext cx="2395364" cy="707886"/>
+          </a:xfrm>
+          <a:prstGeom prst="rect">
+            <a:avLst/>
+          </a:prstGeom>
+          <a:noFill/>
+          <a:ln>
+            <a:solidFill>
+              <a:srgbClr val="FF0000"/>
+            </a:solidFill>
+          </a:ln>
+        </p:spPr>
+        <p:txBody>
+          <a:bodyPr wrap="square" rtlCol="0">
+            <a:spAutoFit/>
+          </a:bodyPr>
+          <a:lstStyle/>
+          <a:p>
+            <a:r>
+              <a:rPr lang="en-US" sz="1000" b="1" dirty="0">
+                <a:solidFill>
+                  <a:srgbClr val="FF0000"/>
+                </a:solidFill>
+              </a:rPr>
+              <a:t>Click on data point (combination of “Comparison Basis” and “Year”) of interest. This activates the other charts including those in the other dashboards.</a:t>
+            </a:r>
+          </a:p>
+        </p:txBody>
+      </p:sp>
+      <p:cxnSp>
+        <p:nvCxnSpPr>
+          <p:cNvPr id="17" name="Straight Arrow Connector 16">
+            <a:extLst>
+              <a:ext uri="{FF2B5EF4-FFF2-40B4-BE49-F238E27FC236}">
+                <a16:creationId xmlns:a16="http://schemas.microsoft.com/office/drawing/2014/main" id="{1148D3C7-C552-4545-AF61-4065960F5420}"/>
+              </a:ext>
+            </a:extLst>
+          </p:cNvPr>
+          <p:cNvCxnSpPr>
+            <a:cxnSpLocks/>
+          </p:cNvCxnSpPr>
+          <p:nvPr/>
+        </p:nvCxnSpPr>
+        <p:spPr>
+          <a:xfrm flipH="1">
+            <a:off x="6555843" y="2649894"/>
+            <a:ext cx="404794" cy="247904"/>
+          </a:xfrm>
+          <a:prstGeom prst="straightConnector1">
+            <a:avLst/>
+          </a:prstGeom>
+          <a:ln>
+            <a:solidFill>
+              <a:srgbClr val="FF0000"/>
+            </a:solidFill>
+            <a:tailEnd type="triangle"/>
+          </a:ln>
+        </p:spPr>
+        <p:style>
+          <a:lnRef idx="1">
+            <a:schemeClr val="accent1"/>
+          </a:lnRef>
+          <a:fillRef idx="0">
+            <a:schemeClr val="accent1"/>
+          </a:fillRef>
+          <a:effectRef idx="0">
+            <a:schemeClr val="accent1"/>
+          </a:effectRef>
+          <a:fontRef idx="minor">
+            <a:schemeClr val="tx1"/>
+          </a:fontRef>
+        </p:style>
+      </p:cxnSp>
+      <p:cxnSp>
+        <p:nvCxnSpPr>
+          <p:cNvPr id="18" name="Straight Arrow Connector 17">
+            <a:extLst>
+              <a:ext uri="{FF2B5EF4-FFF2-40B4-BE49-F238E27FC236}">
+                <a16:creationId xmlns:a16="http://schemas.microsoft.com/office/drawing/2014/main" id="{1CF3EE27-80BE-494E-98AB-840EA8AE5BE6}"/>
+              </a:ext>
+            </a:extLst>
+          </p:cNvPr>
+          <p:cNvCxnSpPr>
+            <a:cxnSpLocks/>
+          </p:cNvCxnSpPr>
+          <p:nvPr/>
+        </p:nvCxnSpPr>
+        <p:spPr>
+          <a:xfrm flipV="1">
+            <a:off x="7401857" y="2649894"/>
+            <a:ext cx="2852486" cy="426261"/>
+          </a:xfrm>
+          <a:prstGeom prst="straightConnector1">
+            <a:avLst/>
+          </a:prstGeom>
+          <a:ln>
+            <a:solidFill>
+              <a:srgbClr val="FF0000"/>
+            </a:solidFill>
+            <a:tailEnd type="triangle"/>
+          </a:ln>
+        </p:spPr>
+        <p:style>
+          <a:lnRef idx="1">
+            <a:schemeClr val="accent1"/>
+          </a:lnRef>
+          <a:fillRef idx="0">
+            <a:schemeClr val="accent1"/>
+          </a:fillRef>
+          <a:effectRef idx="0">
+            <a:schemeClr val="accent1"/>
+          </a:effectRef>
+          <a:fontRef idx="minor">
+            <a:schemeClr val="tx1"/>
+          </a:fontRef>
+        </p:style>
+      </p:cxnSp>
+      <p:cxnSp>
+        <p:nvCxnSpPr>
+          <p:cNvPr id="20" name="Straight Arrow Connector 19">
+            <a:extLst>
+              <a:ext uri="{FF2B5EF4-FFF2-40B4-BE49-F238E27FC236}">
+                <a16:creationId xmlns:a16="http://schemas.microsoft.com/office/drawing/2014/main" id="{E8F70057-8B7A-4E3A-A045-4B7BF023ABAC}"/>
+              </a:ext>
+            </a:extLst>
+          </p:cNvPr>
+          <p:cNvCxnSpPr>
+            <a:cxnSpLocks/>
+            <a:stCxn id="16" idx="3"/>
+          </p:cNvCxnSpPr>
+          <p:nvPr/>
+        </p:nvCxnSpPr>
+        <p:spPr>
+          <a:xfrm>
+            <a:off x="7408506" y="3215946"/>
+            <a:ext cx="2668555" cy="1122789"/>
+          </a:xfrm>
+          <a:prstGeom prst="straightConnector1">
+            <a:avLst/>
+          </a:prstGeom>
+          <a:ln>
+            <a:solidFill>
+              <a:srgbClr val="FF0000"/>
+            </a:solidFill>
+            <a:tailEnd type="triangle"/>
+          </a:ln>
+        </p:spPr>
+        <p:style>
+          <a:lnRef idx="1">
+            <a:schemeClr val="accent1"/>
+          </a:lnRef>
+          <a:fillRef idx="0">
+            <a:schemeClr val="accent1"/>
+          </a:fillRef>
+          <a:effectRef idx="0">
+            <a:schemeClr val="accent1"/>
+          </a:effectRef>
+          <a:fontRef idx="minor">
+            <a:schemeClr val="tx1"/>
+          </a:fontRef>
+        </p:style>
+      </p:cxnSp>
+      <p:grpSp>
+        <p:nvGrpSpPr>
+          <p:cNvPr id="32" name="Group 31">
+            <a:extLst>
+              <a:ext uri="{FF2B5EF4-FFF2-40B4-BE49-F238E27FC236}">
+                <a16:creationId xmlns:a16="http://schemas.microsoft.com/office/drawing/2014/main" id="{7B051E5C-2E82-4853-AC09-7AC1145BD71C}"/>
+              </a:ext>
+            </a:extLst>
+          </p:cNvPr>
+          <p:cNvGrpSpPr/>
+          <p:nvPr/>
+        </p:nvGrpSpPr>
+        <p:grpSpPr>
+          <a:xfrm>
+            <a:off x="5098867" y="1421353"/>
+            <a:ext cx="1994263" cy="608083"/>
+            <a:chOff x="3410024" y="758876"/>
+            <a:chExt cx="1994263" cy="608083"/>
+          </a:xfrm>
+        </p:grpSpPr>
+        <p:sp>
+          <p:nvSpPr>
+            <p:cNvPr id="33" name="TextBox 32">
+              <a:extLst>
+                <a:ext uri="{FF2B5EF4-FFF2-40B4-BE49-F238E27FC236}">
+                  <a16:creationId xmlns:a16="http://schemas.microsoft.com/office/drawing/2014/main" id="{199F25DA-5509-4563-8691-1FBB68BD2CD1}"/>
+                </a:ext>
+              </a:extLst>
+            </p:cNvPr>
+            <p:cNvSpPr txBox="1"/>
+            <p:nvPr/>
+          </p:nvSpPr>
+          <p:spPr>
+            <a:xfrm>
+              <a:off x="3410024" y="758876"/>
+              <a:ext cx="1994263" cy="553998"/>
+            </a:xfrm>
+            <a:prstGeom prst="rect">
+              <a:avLst/>
+            </a:prstGeom>
+            <a:noFill/>
+            <a:ln>
+              <a:solidFill>
+                <a:srgbClr val="FF0000"/>
+              </a:solidFill>
+            </a:ln>
+          </p:spPr>
+          <p:txBody>
+            <a:bodyPr wrap="square" rtlCol="0">
+              <a:spAutoFit/>
+            </a:bodyPr>
+            <a:lstStyle/>
+            <a:p>
+              <a:r>
+                <a:rPr lang="en-US" sz="1000" b="1" dirty="0">
+                  <a:solidFill>
+                    <a:srgbClr val="FF0000"/>
+                  </a:solidFill>
+                </a:rPr>
+                <a:t>Use drop-down list to select or type the Comparison Basis (like Region, Income Group, etc.)</a:t>
+              </a:r>
+            </a:p>
+          </p:txBody>
+        </p:sp>
+        <p:cxnSp>
+          <p:nvCxnSpPr>
+            <p:cNvPr id="34" name="Straight Arrow Connector 33">
+              <a:extLst>
+                <a:ext uri="{FF2B5EF4-FFF2-40B4-BE49-F238E27FC236}">
+                  <a16:creationId xmlns:a16="http://schemas.microsoft.com/office/drawing/2014/main" id="{7A1DC449-CFD6-495E-ADF8-3273A4580F87}"/>
+                </a:ext>
+              </a:extLst>
+            </p:cNvPr>
+            <p:cNvCxnSpPr>
+              <a:cxnSpLocks/>
+            </p:cNvCxnSpPr>
+            <p:nvPr/>
+          </p:nvCxnSpPr>
+          <p:spPr>
+            <a:xfrm flipV="1">
+              <a:off x="3991589" y="1312875"/>
+              <a:ext cx="757690" cy="54084"/>
+            </a:xfrm>
+            <a:prstGeom prst="straightConnector1">
+              <a:avLst/>
+            </a:prstGeom>
+            <a:ln>
+              <a:solidFill>
+                <a:srgbClr val="FF0000"/>
+              </a:solidFill>
+              <a:tailEnd type="triangle"/>
+            </a:ln>
+          </p:spPr>
+          <p:style>
+            <a:lnRef idx="1">
+              <a:schemeClr val="accent1"/>
+            </a:lnRef>
+            <a:fillRef idx="0">
+              <a:schemeClr val="accent1"/>
+            </a:fillRef>
+            <a:effectRef idx="0">
+              <a:schemeClr val="accent1"/>
+            </a:effectRef>
+            <a:fontRef idx="minor">
+              <a:schemeClr val="tx1"/>
+            </a:fontRef>
+          </p:style>
+        </p:cxnSp>
+      </p:grpSp>
+    </p:spTree>
+    <p:extLst>
+      <p:ext uri="{BB962C8B-B14F-4D97-AF65-F5344CB8AC3E}">
+        <p14:creationId xmlns:p14="http://schemas.microsoft.com/office/powerpoint/2010/main" val="4077212009"/>
+      </p:ext>
+    </p:extLst>
+  </p:cSld>
+  <p:clrMapOvr>
+    <a:masterClrMapping/>
+  </p:clrMapOvr>
+</p:sld>
+</file>
+
+<file path=ppt/slides/slide9.xml><?xml version="1.0" encoding="utf-8"?>
+<p:sld xmlns:a="http://schemas.openxmlformats.org/drawingml/2006/main" xmlns:r="http://schemas.openxmlformats.org/officeDocument/2006/relationships" xmlns:p="http://schemas.openxmlformats.org/presentationml/2006/main">
+  <p:cSld>
+    <p:bg>
+      <p:bgPr>
+        <a:solidFill>
+          <a:schemeClr val="bg1"/>
+        </a:solidFill>
+        <a:effectLst/>
+      </p:bgPr>
+    </p:bg>
+    <p:spTree>
+      <p:nvGrpSpPr>
+        <p:cNvPr id="1" name=""/>
+        <p:cNvGrpSpPr/>
+        <p:nvPr/>
+      </p:nvGrpSpPr>
+      <p:grpSpPr>
+        <a:xfrm>
+          <a:off x="0" y="0"/>
+          <a:ext cx="0" cy="0"/>
+          <a:chOff x="0" y="0"/>
+          <a:chExt cx="0" cy="0"/>
+        </a:xfrm>
+      </p:grpSpPr>
+      <p:sp>
+        <p:nvSpPr>
+          <p:cNvPr id="19" name="Rectangle 18">
+            <a:extLst>
+              <a:ext uri="{FF2B5EF4-FFF2-40B4-BE49-F238E27FC236}">
+                <a16:creationId xmlns:a16="http://schemas.microsoft.com/office/drawing/2014/main" id="{2B566528-1B12-4246-9431-5C2D7D081168}"/>
+              </a:ext>
+              <a:ext uri="{C183D7F6-B498-43B3-948B-1728B52AA6E4}">
+                <adec:decorative xmlns:adec="http://schemas.microsoft.com/office/drawing/2017/decorative" val="1"/>
+              </a:ext>
+            </a:extLst>
+          </p:cNvPr>
+          <p:cNvSpPr>
+            <a:spLocks noGrp="1" noRot="1" noChangeAspect="1" noMove="1" noResize="1" noEditPoints="1" noAdjustHandles="1" noChangeArrowheads="1" noChangeShapeType="1" noTextEdit="1"/>
+          </p:cNvSpPr>
+          <p:nvPr>
+            <p:extLst>
+              <p:ext uri="{386F3935-93C4-4BCD-93E2-E3B085C9AB24}">
+                <p16:designElem xmlns:p16="http://schemas.microsoft.com/office/powerpoint/2015/main" val="1"/>
+              </p:ext>
+            </p:extLst>
+          </p:nvPr>
+        </p:nvSpPr>
+        <p:spPr>
+          <a:xfrm>
+            <a:off x="0" y="0"/>
+            <a:ext cx="12192000" cy="6858000"/>
+          </a:xfrm>
+          <a:prstGeom prst="rect">
+            <a:avLst/>
+          </a:prstGeom>
+          <a:solidFill>
+            <a:schemeClr val="bg1"/>
+          </a:solidFill>
+          <a:ln>
+            <a:noFill/>
+          </a:ln>
+        </p:spPr>
+        <p:style>
+          <a:lnRef idx="2">
+            <a:schemeClr val="accent1">
+              <a:shade val="50000"/>
+            </a:schemeClr>
+          </a:lnRef>
+          <a:fillRef idx="1">
+            <a:schemeClr val="accent1"/>
+          </a:fillRef>
+          <a:effectRef idx="0">
+            <a:schemeClr val="accent1"/>
+          </a:effectRef>
+          <a:fontRef idx="minor">
+            <a:schemeClr val="lt1"/>
+          </a:fontRef>
+        </p:style>
+        <p:txBody>
+          <a:bodyPr rtlCol="0" anchor="ctr"/>
+          <a:lstStyle/>
+          <a:p>
+            <a:pPr algn="ctr"/>
+            <a:endParaRPr lang="en-US" dirty="0"/>
+          </a:p>
+        </p:txBody>
+      </p:sp>
+      <p:sp>
+        <p:nvSpPr>
+          <p:cNvPr id="2" name="Title 1">
+            <a:extLst>
+              <a:ext uri="{FF2B5EF4-FFF2-40B4-BE49-F238E27FC236}">
+                <a16:creationId xmlns:a16="http://schemas.microsoft.com/office/drawing/2014/main" id="{4D4F4F8C-82C7-4A75-BDDE-C1B760C2C9DD}"/>
+              </a:ext>
+            </a:extLst>
+          </p:cNvPr>
+          <p:cNvSpPr>
+            <a:spLocks noGrp="1"/>
+          </p:cNvSpPr>
+          <p:nvPr>
+            <p:ph type="title"/>
+          </p:nvPr>
+        </p:nvSpPr>
+        <p:spPr>
+          <a:xfrm>
+            <a:off x="643467" y="321734"/>
+            <a:ext cx="10905066" cy="1135737"/>
           </a:xfrm>
         </p:spPr>
         <p:txBody>
@@ -11105,31 +14234,58 @@
           </a:bodyPr>
           <a:lstStyle/>
           <a:p>
+            <a:pPr algn="ctr"/>
+            <a:r>
+              <a:rPr lang="en-US" sz="3600" dirty="0"/>
+              <a:t>Comparison Benchmarking</a:t>
+            </a:r>
+          </a:p>
+        </p:txBody>
+      </p:sp>
+      <p:sp>
+        <p:nvSpPr>
+          <p:cNvPr id="9" name="Content Placeholder 8">
+            <a:extLst>
+              <a:ext uri="{FF2B5EF4-FFF2-40B4-BE49-F238E27FC236}">
+                <a16:creationId xmlns:a16="http://schemas.microsoft.com/office/drawing/2014/main" id="{6A02CD96-D376-4809-9E95-EDF84909A920}"/>
+              </a:ext>
+            </a:extLst>
+          </p:cNvPr>
+          <p:cNvSpPr>
+            <a:spLocks noGrp="1"/>
+          </p:cNvSpPr>
+          <p:nvPr>
+            <p:ph idx="1"/>
+          </p:nvPr>
+        </p:nvSpPr>
+        <p:spPr>
+          <a:xfrm>
+            <a:off x="643469" y="1457471"/>
+            <a:ext cx="4008384" cy="4657309"/>
+          </a:xfrm>
+        </p:spPr>
+        <p:txBody>
+          <a:bodyPr>
+            <a:normAutofit fontScale="92500" lnSpcReduction="20000"/>
+          </a:bodyPr>
+          <a:lstStyle/>
+          <a:p>
             <a:r>
               <a:rPr lang="en-US" sz="2000" dirty="0"/>
-              <a:t>Clicking on any data point (Region, year) in the “Tax Revenue-All Regions” chart updates “Tax Rates : All Regions”(top middle), “Regional Total Revenue” (top right), and “Regional Tax Structure” (bottom right) charts.</a:t>
+              <a:t>Comparison Benchmarking Dashboard shows the countries based on “Comparison Basis” selection and their performance on tax collection. The “Comparison Basis” can be selected in “Tax Revenue-All &lt;comparator&gt;” chart from “Comparison Dashboard”. </a:t>
             </a:r>
           </a:p>
           <a:p>
             <a:r>
               <a:rPr lang="en-US" sz="2000" dirty="0"/>
-              <a:t>Years are selected from the Tax Revenue Dashboard.</a:t>
+              <a:t>It helps us understand and compare the performance of all countries within the selected “Comparison Basis” for Tax Revenue, Income Taxes, VAT, Excise Taxes, Trade Taxes, Property Taxes, PIT, and CIT</a:t>
             </a:r>
           </a:p>
           <a:p>
             <a:r>
               <a:rPr lang="en-US" sz="2000" dirty="0"/>
-              <a:t>Average Tax Rates for PIT, CIT and VAT for the region are shown in the top-middle chart.</a:t>
-            </a:r>
-          </a:p>
-          <a:p>
-            <a:r>
-              <a:rPr lang="en-US" sz="2000" dirty="0"/>
-              <a:t>Un-weighted averages are used.</a:t>
-            </a:r>
-          </a:p>
-          <a:p>
-            <a:endParaRPr lang="en-US" sz="2000" dirty="0"/>
+              <a:t>By default, the countries are color coded by Income Group except for “Income Group” comparator for which countries are color coded by Region</a:t>
+            </a:r>
           </a:p>
         </p:txBody>
       </p:sp>
@@ -11455,10 +14611,10 @@
       </p:grpSp>
       <p:sp>
         <p:nvSpPr>
-          <p:cNvPr id="6" name="Footer Placeholder 5">
-            <a:extLst>
-              <a:ext uri="{FF2B5EF4-FFF2-40B4-BE49-F238E27FC236}">
-                <a16:creationId xmlns:a16="http://schemas.microsoft.com/office/drawing/2014/main" id="{6C24C68A-289C-477C-A8AB-2F0643334FCF}"/>
+          <p:cNvPr id="15" name="Footer Placeholder 5">
+            <a:extLst>
+              <a:ext uri="{FF2B5EF4-FFF2-40B4-BE49-F238E27FC236}">
+                <a16:creationId xmlns:a16="http://schemas.microsoft.com/office/drawing/2014/main" id="{C45DE2A0-951D-40CE-8CDC-F56DBCBDF280}"/>
               </a:ext>
             </a:extLst>
           </p:cNvPr>
@@ -11485,10 +14641,10 @@
       </p:sp>
       <p:pic>
         <p:nvPicPr>
-          <p:cNvPr id="5" name="Picture 4">
-            <a:extLst>
-              <a:ext uri="{FF2B5EF4-FFF2-40B4-BE49-F238E27FC236}">
-                <a16:creationId xmlns:a16="http://schemas.microsoft.com/office/drawing/2014/main" id="{E41303CE-9AAC-4C42-8AA3-CF987D6A4FA3}"/>
+          <p:cNvPr id="14" name="Picture 13">
+            <a:extLst>
+              <a:ext uri="{FF2B5EF4-FFF2-40B4-BE49-F238E27FC236}">
+                <a16:creationId xmlns:a16="http://schemas.microsoft.com/office/drawing/2014/main" id="{A37FFBE0-4A12-440B-95B9-F707AAC6A106}"/>
               </a:ext>
             </a:extLst>
           </p:cNvPr>
@@ -11505,799 +14661,8 @@
         </p:blipFill>
         <p:spPr>
           <a:xfrm>
-            <a:off x="4651852" y="1195753"/>
-            <a:ext cx="7540147" cy="5157949"/>
-          </a:xfrm>
-          <a:prstGeom prst="rect">
-            <a:avLst/>
-          </a:prstGeom>
-        </p:spPr>
-      </p:pic>
-      <p:sp>
-        <p:nvSpPr>
-          <p:cNvPr id="7" name="Oval 6">
-            <a:extLst>
-              <a:ext uri="{FF2B5EF4-FFF2-40B4-BE49-F238E27FC236}">
-                <a16:creationId xmlns:a16="http://schemas.microsoft.com/office/drawing/2014/main" id="{1D659583-B7F7-47C1-9A32-15E405E4BA54}"/>
-              </a:ext>
-            </a:extLst>
-          </p:cNvPr>
-          <p:cNvSpPr/>
-          <p:nvPr/>
-        </p:nvSpPr>
-        <p:spPr>
-          <a:xfrm>
-            <a:off x="7417837" y="1570183"/>
-            <a:ext cx="2799183" cy="365125"/>
-          </a:xfrm>
-          <a:prstGeom prst="ellipse">
-            <a:avLst/>
-          </a:prstGeom>
-          <a:noFill/>
-          <a:ln>
-            <a:solidFill>
-              <a:srgbClr val="FF0000"/>
-            </a:solidFill>
-          </a:ln>
-        </p:spPr>
-        <p:style>
-          <a:lnRef idx="2">
-            <a:schemeClr val="accent1">
-              <a:shade val="50000"/>
-            </a:schemeClr>
-          </a:lnRef>
-          <a:fillRef idx="1">
-            <a:schemeClr val="accent1"/>
-          </a:fillRef>
-          <a:effectRef idx="0">
-            <a:schemeClr val="accent1"/>
-          </a:effectRef>
-          <a:fontRef idx="minor">
-            <a:schemeClr val="lt1"/>
-          </a:fontRef>
-        </p:style>
-        <p:txBody>
-          <a:bodyPr rtlCol="0" anchor="ctr"/>
-          <a:lstStyle/>
-          <a:p>
-            <a:pPr algn="ctr"/>
-            <a:endParaRPr lang="en-US"/>
-          </a:p>
-        </p:txBody>
-      </p:sp>
-      <p:sp>
-        <p:nvSpPr>
-          <p:cNvPr id="16" name="TextBox 15">
-            <a:extLst>
-              <a:ext uri="{FF2B5EF4-FFF2-40B4-BE49-F238E27FC236}">
-                <a16:creationId xmlns:a16="http://schemas.microsoft.com/office/drawing/2014/main" id="{C2BEBE69-A2C8-4205-B6F3-555D3DF054CD}"/>
-              </a:ext>
-            </a:extLst>
-          </p:cNvPr>
-          <p:cNvSpPr txBox="1"/>
-          <p:nvPr/>
-        </p:nvSpPr>
-        <p:spPr>
-          <a:xfrm>
-            <a:off x="5822302" y="2653223"/>
-            <a:ext cx="2024743" cy="830997"/>
-          </a:xfrm>
-          <a:prstGeom prst="rect">
-            <a:avLst/>
-          </a:prstGeom>
-          <a:noFill/>
-          <a:ln>
-            <a:solidFill>
-              <a:srgbClr val="FF0000"/>
-            </a:solidFill>
-          </a:ln>
-        </p:spPr>
-        <p:txBody>
-          <a:bodyPr wrap="square" rtlCol="0">
-            <a:spAutoFit/>
-          </a:bodyPr>
-          <a:lstStyle/>
-          <a:p>
-            <a:r>
-              <a:rPr lang="en-US" sz="1200" b="1" dirty="0">
-                <a:solidFill>
-                  <a:srgbClr val="FF0000"/>
-                </a:solidFill>
-              </a:rPr>
-              <a:t>Click on region of interest and year. This activates the other charts including those in the other dashboards.</a:t>
-            </a:r>
-          </a:p>
-        </p:txBody>
-      </p:sp>
-      <p:cxnSp>
-        <p:nvCxnSpPr>
-          <p:cNvPr id="17" name="Straight Arrow Connector 16">
-            <a:extLst>
-              <a:ext uri="{FF2B5EF4-FFF2-40B4-BE49-F238E27FC236}">
-                <a16:creationId xmlns:a16="http://schemas.microsoft.com/office/drawing/2014/main" id="{1148D3C7-C552-4545-AF61-4065960F5420}"/>
-              </a:ext>
-            </a:extLst>
-          </p:cNvPr>
-          <p:cNvCxnSpPr>
-            <a:cxnSpLocks/>
-          </p:cNvCxnSpPr>
-          <p:nvPr/>
-        </p:nvCxnSpPr>
-        <p:spPr>
-          <a:xfrm flipH="1">
-            <a:off x="6835762" y="2240846"/>
-            <a:ext cx="470263" cy="479666"/>
-          </a:xfrm>
-          <a:prstGeom prst="straightConnector1">
-            <a:avLst/>
-          </a:prstGeom>
-          <a:ln>
-            <a:solidFill>
-              <a:srgbClr val="FF0000"/>
-            </a:solidFill>
-            <a:tailEnd type="triangle"/>
-          </a:ln>
-        </p:spPr>
-        <p:style>
-          <a:lnRef idx="1">
-            <a:schemeClr val="accent1"/>
-          </a:lnRef>
-          <a:fillRef idx="0">
-            <a:schemeClr val="accent1"/>
-          </a:fillRef>
-          <a:effectRef idx="0">
-            <a:schemeClr val="accent1"/>
-          </a:effectRef>
-          <a:fontRef idx="minor">
-            <a:schemeClr val="tx1"/>
-          </a:fontRef>
-        </p:style>
-      </p:cxnSp>
-      <p:cxnSp>
-        <p:nvCxnSpPr>
-          <p:cNvPr id="18" name="Straight Arrow Connector 17">
-            <a:extLst>
-              <a:ext uri="{FF2B5EF4-FFF2-40B4-BE49-F238E27FC236}">
-                <a16:creationId xmlns:a16="http://schemas.microsoft.com/office/drawing/2014/main" id="{1CF3EE27-80BE-494E-98AB-840EA8AE5BE6}"/>
-              </a:ext>
-            </a:extLst>
-          </p:cNvPr>
-          <p:cNvCxnSpPr>
-            <a:cxnSpLocks/>
-          </p:cNvCxnSpPr>
-          <p:nvPr/>
-        </p:nvCxnSpPr>
-        <p:spPr>
-          <a:xfrm flipV="1">
-            <a:off x="7700441" y="1840912"/>
-            <a:ext cx="3132400" cy="1113954"/>
-          </a:xfrm>
-          <a:prstGeom prst="straightConnector1">
-            <a:avLst/>
-          </a:prstGeom>
-          <a:ln>
-            <a:solidFill>
-              <a:srgbClr val="FF0000"/>
-            </a:solidFill>
-            <a:tailEnd type="triangle"/>
-          </a:ln>
-        </p:spPr>
-        <p:style>
-          <a:lnRef idx="1">
-            <a:schemeClr val="accent1"/>
-          </a:lnRef>
-          <a:fillRef idx="0">
-            <a:schemeClr val="accent1"/>
-          </a:fillRef>
-          <a:effectRef idx="0">
-            <a:schemeClr val="accent1"/>
-          </a:effectRef>
-          <a:fontRef idx="minor">
-            <a:schemeClr val="tx1"/>
-          </a:fontRef>
-        </p:style>
-      </p:cxnSp>
-      <p:cxnSp>
-        <p:nvCxnSpPr>
-          <p:cNvPr id="20" name="Straight Arrow Connector 19">
-            <a:extLst>
-              <a:ext uri="{FF2B5EF4-FFF2-40B4-BE49-F238E27FC236}">
-                <a16:creationId xmlns:a16="http://schemas.microsoft.com/office/drawing/2014/main" id="{E8F70057-8B7A-4E3A-A045-4B7BF023ABAC}"/>
-              </a:ext>
-            </a:extLst>
-          </p:cNvPr>
-          <p:cNvCxnSpPr>
-            <a:cxnSpLocks/>
-          </p:cNvCxnSpPr>
-          <p:nvPr/>
-        </p:nvCxnSpPr>
-        <p:spPr>
-          <a:xfrm>
-            <a:off x="7700441" y="3330850"/>
-            <a:ext cx="2787167" cy="811438"/>
-          </a:xfrm>
-          <a:prstGeom prst="straightConnector1">
-            <a:avLst/>
-          </a:prstGeom>
-          <a:ln>
-            <a:solidFill>
-              <a:srgbClr val="FF0000"/>
-            </a:solidFill>
-            <a:tailEnd type="triangle"/>
-          </a:ln>
-        </p:spPr>
-        <p:style>
-          <a:lnRef idx="1">
-            <a:schemeClr val="accent1"/>
-          </a:lnRef>
-          <a:fillRef idx="0">
-            <a:schemeClr val="accent1"/>
-          </a:fillRef>
-          <a:effectRef idx="0">
-            <a:schemeClr val="accent1"/>
-          </a:effectRef>
-          <a:fontRef idx="minor">
-            <a:schemeClr val="tx1"/>
-          </a:fontRef>
-        </p:style>
-      </p:cxnSp>
-    </p:spTree>
-    <p:extLst>
-      <p:ext uri="{BB962C8B-B14F-4D97-AF65-F5344CB8AC3E}">
-        <p14:creationId xmlns:p14="http://schemas.microsoft.com/office/powerpoint/2010/main" val="4077212009"/>
-      </p:ext>
-    </p:extLst>
-  </p:cSld>
-  <p:clrMapOvr>
-    <a:masterClrMapping/>
-  </p:clrMapOvr>
-</p:sld>
-</file>
-
-<file path=ppt/slides/slide9.xml><?xml version="1.0" encoding="utf-8"?>
-<p:sld xmlns:a="http://schemas.openxmlformats.org/drawingml/2006/main" xmlns:r="http://schemas.openxmlformats.org/officeDocument/2006/relationships" xmlns:p="http://schemas.openxmlformats.org/presentationml/2006/main">
-  <p:cSld>
-    <p:bg>
-      <p:bgPr>
-        <a:solidFill>
-          <a:schemeClr val="bg1"/>
-        </a:solidFill>
-        <a:effectLst/>
-      </p:bgPr>
-    </p:bg>
-    <p:spTree>
-      <p:nvGrpSpPr>
-        <p:cNvPr id="1" name=""/>
-        <p:cNvGrpSpPr/>
-        <p:nvPr/>
-      </p:nvGrpSpPr>
-      <p:grpSpPr>
-        <a:xfrm>
-          <a:off x="0" y="0"/>
-          <a:ext cx="0" cy="0"/>
-          <a:chOff x="0" y="0"/>
-          <a:chExt cx="0" cy="0"/>
-        </a:xfrm>
-      </p:grpSpPr>
-      <p:sp>
-        <p:nvSpPr>
-          <p:cNvPr id="19" name="Rectangle 18">
-            <a:extLst>
-              <a:ext uri="{FF2B5EF4-FFF2-40B4-BE49-F238E27FC236}">
-                <a16:creationId xmlns:a16="http://schemas.microsoft.com/office/drawing/2014/main" id="{2B566528-1B12-4246-9431-5C2D7D081168}"/>
-              </a:ext>
-              <a:ext uri="{C183D7F6-B498-43B3-948B-1728B52AA6E4}">
-                <adec:decorative xmlns:adec="http://schemas.microsoft.com/office/drawing/2017/decorative" val="1"/>
-              </a:ext>
-            </a:extLst>
-          </p:cNvPr>
-          <p:cNvSpPr>
-            <a:spLocks noGrp="1" noRot="1" noChangeAspect="1" noMove="1" noResize="1" noEditPoints="1" noAdjustHandles="1" noChangeArrowheads="1" noChangeShapeType="1" noTextEdit="1"/>
-          </p:cNvSpPr>
-          <p:nvPr>
-            <p:extLst>
-              <p:ext uri="{386F3935-93C4-4BCD-93E2-E3B085C9AB24}">
-                <p16:designElem xmlns:p16="http://schemas.microsoft.com/office/powerpoint/2015/main" val="1"/>
-              </p:ext>
-            </p:extLst>
-          </p:nvPr>
-        </p:nvSpPr>
-        <p:spPr>
-          <a:xfrm>
-            <a:off x="0" y="0"/>
-            <a:ext cx="12192000" cy="6858000"/>
-          </a:xfrm>
-          <a:prstGeom prst="rect">
-            <a:avLst/>
-          </a:prstGeom>
-          <a:solidFill>
-            <a:schemeClr val="bg1"/>
-          </a:solidFill>
-          <a:ln>
-            <a:noFill/>
-          </a:ln>
-        </p:spPr>
-        <p:style>
-          <a:lnRef idx="2">
-            <a:schemeClr val="accent1">
-              <a:shade val="50000"/>
-            </a:schemeClr>
-          </a:lnRef>
-          <a:fillRef idx="1">
-            <a:schemeClr val="accent1"/>
-          </a:fillRef>
-          <a:effectRef idx="0">
-            <a:schemeClr val="accent1"/>
-          </a:effectRef>
-          <a:fontRef idx="minor">
-            <a:schemeClr val="lt1"/>
-          </a:fontRef>
-        </p:style>
-        <p:txBody>
-          <a:bodyPr rtlCol="0" anchor="ctr"/>
-          <a:lstStyle/>
-          <a:p>
-            <a:pPr algn="ctr"/>
-            <a:endParaRPr lang="en-US" dirty="0"/>
-          </a:p>
-        </p:txBody>
-      </p:sp>
-      <p:sp>
-        <p:nvSpPr>
-          <p:cNvPr id="2" name="Title 1">
-            <a:extLst>
-              <a:ext uri="{FF2B5EF4-FFF2-40B4-BE49-F238E27FC236}">
-                <a16:creationId xmlns:a16="http://schemas.microsoft.com/office/drawing/2014/main" id="{4D4F4F8C-82C7-4A75-BDDE-C1B760C2C9DD}"/>
-              </a:ext>
-            </a:extLst>
-          </p:cNvPr>
-          <p:cNvSpPr>
-            <a:spLocks noGrp="1"/>
-          </p:cNvSpPr>
-          <p:nvPr>
-            <p:ph type="title"/>
-          </p:nvPr>
-        </p:nvSpPr>
-        <p:spPr>
-          <a:xfrm>
-            <a:off x="643467" y="321734"/>
-            <a:ext cx="10905066" cy="1135737"/>
-          </a:xfrm>
-        </p:spPr>
-        <p:txBody>
-          <a:bodyPr>
-            <a:normAutofit/>
-          </a:bodyPr>
-          <a:lstStyle/>
-          <a:p>
-            <a:r>
-              <a:rPr lang="en-US" sz="3600" dirty="0"/>
-              <a:t>Dashboard Components - Regional Benchmarking</a:t>
-            </a:r>
-          </a:p>
-        </p:txBody>
-      </p:sp>
-      <p:sp>
-        <p:nvSpPr>
-          <p:cNvPr id="9" name="Content Placeholder 8">
-            <a:extLst>
-              <a:ext uri="{FF2B5EF4-FFF2-40B4-BE49-F238E27FC236}">
-                <a16:creationId xmlns:a16="http://schemas.microsoft.com/office/drawing/2014/main" id="{6A02CD96-D376-4809-9E95-EDF84909A920}"/>
-              </a:ext>
-            </a:extLst>
-          </p:cNvPr>
-          <p:cNvSpPr>
-            <a:spLocks noGrp="1"/>
-          </p:cNvSpPr>
-          <p:nvPr>
-            <p:ph idx="1"/>
-          </p:nvPr>
-        </p:nvSpPr>
-        <p:spPr>
-          <a:xfrm>
-            <a:off x="643469" y="1782981"/>
-            <a:ext cx="4008384" cy="4393982"/>
-          </a:xfrm>
-        </p:spPr>
-        <p:txBody>
-          <a:bodyPr>
-            <a:normAutofit lnSpcReduction="10000"/>
-          </a:bodyPr>
-          <a:lstStyle/>
-          <a:p>
-            <a:r>
-              <a:rPr lang="en-US" sz="2000" dirty="0"/>
-              <a:t>Regional Benchmarking Dashboard shows the countries in each region and their performance on tax collection. The Region can be selected in “Tax Revenue-All Regions” chart from “Regional Comparison” dashboard). </a:t>
-            </a:r>
-          </a:p>
-          <a:p>
-            <a:r>
-              <a:rPr lang="en-US" sz="2000" dirty="0"/>
-              <a:t>It helps us understand and compare the performance of all countries within the selected region for Tax Revenue, Income Taxes, VAT, Excise Taxes, Trade Taxes, Property Taxes, PIT, and CIT</a:t>
-            </a:r>
-          </a:p>
-          <a:p>
-            <a:r>
-              <a:rPr lang="en-US" sz="2000" dirty="0"/>
-              <a:t>The countries are color coded by Income Group</a:t>
-            </a:r>
-          </a:p>
-        </p:txBody>
-      </p:sp>
-      <p:grpSp>
-        <p:nvGrpSpPr>
-          <p:cNvPr id="21" name="Group 20">
-            <a:extLst>
-              <a:ext uri="{FF2B5EF4-FFF2-40B4-BE49-F238E27FC236}">
-                <a16:creationId xmlns:a16="http://schemas.microsoft.com/office/drawing/2014/main" id="{828A5161-06F1-46CF-8AD7-844680A59E13}"/>
-              </a:ext>
-              <a:ext uri="{C183D7F6-B498-43B3-948B-1728B52AA6E4}">
-                <adec:decorative xmlns:adec="http://schemas.microsoft.com/office/drawing/2017/decorative" val="1"/>
-              </a:ext>
-            </a:extLst>
-          </p:cNvPr>
-          <p:cNvGrpSpPr>
-            <a:grpSpLocks noGrp="1" noUngrp="1" noRot="1" noChangeAspect="1" noMove="1" noResize="1"/>
-          </p:cNvGrpSpPr>
-          <p:nvPr>
-            <p:extLst>
-              <p:ext uri="{386F3935-93C4-4BCD-93E2-E3B085C9AB24}">
-                <p16:designElem xmlns:p16="http://schemas.microsoft.com/office/powerpoint/2015/main" val="1"/>
-              </p:ext>
-            </p:extLst>
-          </p:nvPr>
-        </p:nvGrpSpPr>
-        <p:grpSpPr>
-          <a:xfrm>
-            <a:off x="0" y="4601497"/>
-            <a:ext cx="1014060" cy="2017580"/>
-            <a:chOff x="0" y="4601497"/>
-            <a:chExt cx="1014060" cy="2017580"/>
-          </a:xfrm>
-        </p:grpSpPr>
-        <p:sp>
-          <p:nvSpPr>
-            <p:cNvPr id="22" name="Isosceles Triangle 21">
-              <a:extLst>
-                <a:ext uri="{FF2B5EF4-FFF2-40B4-BE49-F238E27FC236}">
-                  <a16:creationId xmlns:a16="http://schemas.microsoft.com/office/drawing/2014/main" id="{D3F51FEB-38FB-4F6C-9F7B-2F2AFAB65463}"/>
-                </a:ext>
-                <a:ext uri="{C183D7F6-B498-43B3-948B-1728B52AA6E4}">
-                  <adec:decorative xmlns:adec="http://schemas.microsoft.com/office/drawing/2017/decorative" val="1"/>
-                </a:ext>
-              </a:extLst>
-            </p:cNvPr>
-            <p:cNvSpPr/>
-            <p:nvPr>
-              <p:extLst>
-                <p:ext uri="{386F3935-93C4-4BCD-93E2-E3B085C9AB24}">
-                  <p16:designElem xmlns:p16="http://schemas.microsoft.com/office/powerpoint/2015/main" val="1"/>
-                </p:ext>
-              </p:extLst>
-            </p:nvPr>
-          </p:nvSpPr>
-          <p:spPr>
-            <a:xfrm rot="5400000">
-              <a:off x="-501760" y="5103257"/>
-              <a:ext cx="2017580" cy="1014060"/>
-            </a:xfrm>
-            <a:prstGeom prst="triangle">
-              <a:avLst>
-                <a:gd name="adj" fmla="val 50000"/>
-              </a:avLst>
-            </a:prstGeom>
-            <a:solidFill>
-              <a:schemeClr val="accent1">
-                <a:alpha val="30000"/>
-              </a:schemeClr>
-            </a:solidFill>
-            <a:ln>
-              <a:noFill/>
-            </a:ln>
-          </p:spPr>
-          <p:style>
-            <a:lnRef idx="2">
-              <a:schemeClr val="accent1">
-                <a:shade val="50000"/>
-              </a:schemeClr>
-            </a:lnRef>
-            <a:fillRef idx="1">
-              <a:schemeClr val="accent1"/>
-            </a:fillRef>
-            <a:effectRef idx="0">
-              <a:schemeClr val="accent1"/>
-            </a:effectRef>
-            <a:fontRef idx="minor">
-              <a:schemeClr val="lt1"/>
-            </a:fontRef>
-          </p:style>
-          <p:txBody>
-            <a:bodyPr rtlCol="0" anchor="ctr"/>
-            <a:lstStyle/>
-            <a:p>
-              <a:pPr algn="ctr"/>
-              <a:endParaRPr lang="en-US"/>
-            </a:p>
-          </p:txBody>
-        </p:sp>
-        <p:sp>
-          <p:nvSpPr>
-            <p:cNvPr id="23" name="Rectangle 22">
-              <a:extLst>
-                <a:ext uri="{FF2B5EF4-FFF2-40B4-BE49-F238E27FC236}">
-                  <a16:creationId xmlns:a16="http://schemas.microsoft.com/office/drawing/2014/main" id="{1E547BA6-BAE0-43BB-A7CA-60F69CE252F0}"/>
-                </a:ext>
-                <a:ext uri="{C183D7F6-B498-43B3-948B-1728B52AA6E4}">
-                  <adec:decorative xmlns:adec="http://schemas.microsoft.com/office/drawing/2017/decorative" val="1"/>
-                </a:ext>
-              </a:extLst>
-            </p:cNvPr>
-            <p:cNvSpPr/>
-            <p:nvPr>
-              <p:extLst>
-                <p:ext uri="{386F3935-93C4-4BCD-93E2-E3B085C9AB24}">
-                  <p16:designElem xmlns:p16="http://schemas.microsoft.com/office/powerpoint/2015/main" val="1"/>
-                </p:ext>
-              </p:extLst>
-            </p:nvPr>
-          </p:nvSpPr>
-          <p:spPr>
-            <a:xfrm rot="2700000">
-              <a:off x="427916" y="5728708"/>
-              <a:ext cx="485578" cy="485578"/>
-            </a:xfrm>
-            <a:prstGeom prst="rect">
-              <a:avLst/>
-            </a:prstGeom>
-            <a:solidFill>
-              <a:schemeClr val="accent1">
-                <a:alpha val="30000"/>
-              </a:schemeClr>
-            </a:solidFill>
-            <a:ln>
-              <a:noFill/>
-            </a:ln>
-          </p:spPr>
-          <p:style>
-            <a:lnRef idx="2">
-              <a:schemeClr val="accent1">
-                <a:shade val="50000"/>
-              </a:schemeClr>
-            </a:lnRef>
-            <a:fillRef idx="1">
-              <a:schemeClr val="accent1"/>
-            </a:fillRef>
-            <a:effectRef idx="0">
-              <a:schemeClr val="accent1"/>
-            </a:effectRef>
-            <a:fontRef idx="minor">
-              <a:schemeClr val="lt1"/>
-            </a:fontRef>
-          </p:style>
-          <p:txBody>
-            <a:bodyPr rtlCol="0" anchor="ctr"/>
-            <a:lstStyle/>
-            <a:p>
-              <a:pPr algn="ctr"/>
-              <a:endParaRPr lang="en-US"/>
-            </a:p>
-          </p:txBody>
-        </p:sp>
-      </p:grpSp>
-      <p:grpSp>
-        <p:nvGrpSpPr>
-          <p:cNvPr id="25" name="Group 24">
-            <a:extLst>
-              <a:ext uri="{FF2B5EF4-FFF2-40B4-BE49-F238E27FC236}">
-                <a16:creationId xmlns:a16="http://schemas.microsoft.com/office/drawing/2014/main" id="{5995D10D-E9C9-47DB-AE7E-801FEF38F5C9}"/>
-              </a:ext>
-              <a:ext uri="{C183D7F6-B498-43B3-948B-1728B52AA6E4}">
-                <adec:decorative xmlns:adec="http://schemas.microsoft.com/office/drawing/2017/decorative" val="1"/>
-              </a:ext>
-            </a:extLst>
-          </p:cNvPr>
-          <p:cNvGrpSpPr>
-            <a:grpSpLocks noGrp="1" noUngrp="1" noRot="1" noChangeAspect="1" noMove="1" noResize="1"/>
-          </p:cNvGrpSpPr>
-          <p:nvPr>
-            <p:extLst>
-              <p:ext uri="{386F3935-93C4-4BCD-93E2-E3B085C9AB24}">
-                <p16:designElem xmlns:p16="http://schemas.microsoft.com/office/powerpoint/2015/main" val="1"/>
-              </p:ext>
-            </p:extLst>
-          </p:nvPr>
-        </p:nvGrpSpPr>
-        <p:grpSpPr>
-          <a:xfrm>
-            <a:off x="11219290" y="1"/>
-            <a:ext cx="972709" cy="1935307"/>
-            <a:chOff x="10918968" y="713127"/>
-            <a:chExt cx="1273032" cy="2532832"/>
-          </a:xfrm>
-        </p:grpSpPr>
-        <p:sp>
-          <p:nvSpPr>
-            <p:cNvPr id="26" name="Rectangle 25">
-              <a:extLst>
-                <a:ext uri="{FF2B5EF4-FFF2-40B4-BE49-F238E27FC236}">
-                  <a16:creationId xmlns:a16="http://schemas.microsoft.com/office/drawing/2014/main" id="{CC1A72C6-3DE4-4EC3-9AD5-9E0D40D8CE8A}"/>
-                </a:ext>
-                <a:ext uri="{C183D7F6-B498-43B3-948B-1728B52AA6E4}">
-                  <adec:decorative xmlns:adec="http://schemas.microsoft.com/office/drawing/2017/decorative" val="1"/>
-                </a:ext>
-              </a:extLst>
-            </p:cNvPr>
-            <p:cNvSpPr/>
-            <p:nvPr>
-              <p:extLst>
-                <p:ext uri="{386F3935-93C4-4BCD-93E2-E3B085C9AB24}">
-                  <p16:designElem xmlns:p16="http://schemas.microsoft.com/office/powerpoint/2015/main" val="1"/>
-                </p:ext>
-              </p:extLst>
-            </p:nvPr>
-          </p:nvSpPr>
-          <p:spPr>
-            <a:xfrm rot="2700000">
-              <a:off x="11052629" y="2120024"/>
-              <a:ext cx="645368" cy="645368"/>
-            </a:xfrm>
-            <a:prstGeom prst="rect">
-              <a:avLst/>
-            </a:prstGeom>
-            <a:solidFill>
-              <a:schemeClr val="accent4">
-                <a:alpha val="30000"/>
-              </a:schemeClr>
-            </a:solidFill>
-            <a:ln>
-              <a:noFill/>
-            </a:ln>
-          </p:spPr>
-          <p:style>
-            <a:lnRef idx="2">
-              <a:schemeClr val="accent1">
-                <a:shade val="50000"/>
-              </a:schemeClr>
-            </a:lnRef>
-            <a:fillRef idx="1">
-              <a:schemeClr val="accent1"/>
-            </a:fillRef>
-            <a:effectRef idx="0">
-              <a:schemeClr val="accent1"/>
-            </a:effectRef>
-            <a:fontRef idx="minor">
-              <a:schemeClr val="lt1"/>
-            </a:fontRef>
-          </p:style>
-          <p:txBody>
-            <a:bodyPr rtlCol="0" anchor="ctr"/>
-            <a:lstStyle/>
-            <a:p>
-              <a:pPr algn="ctr"/>
-              <a:endParaRPr lang="en-US"/>
-            </a:p>
-          </p:txBody>
-        </p:sp>
-        <p:sp>
-          <p:nvSpPr>
-            <p:cNvPr id="27" name="Isosceles Triangle 26">
-              <a:extLst>
-                <a:ext uri="{FF2B5EF4-FFF2-40B4-BE49-F238E27FC236}">
-                  <a16:creationId xmlns:a16="http://schemas.microsoft.com/office/drawing/2014/main" id="{0B0DA1F1-C391-4EDF-9FE0-23E86E137765}"/>
-                </a:ext>
-                <a:ext uri="{C183D7F6-B498-43B3-948B-1728B52AA6E4}">
-                  <adec:decorative xmlns:adec="http://schemas.microsoft.com/office/drawing/2017/decorative" val="1"/>
-                </a:ext>
-              </a:extLst>
-            </p:cNvPr>
-            <p:cNvSpPr/>
-            <p:nvPr>
-              <p:extLst>
-                <p:ext uri="{386F3935-93C4-4BCD-93E2-E3B085C9AB24}">
-                  <p16:designElem xmlns:p16="http://schemas.microsoft.com/office/powerpoint/2015/main" val="1"/>
-                </p:ext>
-              </p:extLst>
-            </p:nvPr>
-          </p:nvSpPr>
-          <p:spPr>
-            <a:xfrm rot="16200000">
-              <a:off x="10289068" y="1343027"/>
-              <a:ext cx="2532832" cy="1273032"/>
-            </a:xfrm>
-            <a:prstGeom prst="triangle">
-              <a:avLst>
-                <a:gd name="adj" fmla="val 50000"/>
-              </a:avLst>
-            </a:prstGeom>
-            <a:solidFill>
-              <a:schemeClr val="accent4">
-                <a:alpha val="30000"/>
-              </a:schemeClr>
-            </a:solidFill>
-            <a:ln>
-              <a:noFill/>
-            </a:ln>
-          </p:spPr>
-          <p:style>
-            <a:lnRef idx="2">
-              <a:schemeClr val="accent1">
-                <a:shade val="50000"/>
-              </a:schemeClr>
-            </a:lnRef>
-            <a:fillRef idx="1">
-              <a:schemeClr val="accent1"/>
-            </a:fillRef>
-            <a:effectRef idx="0">
-              <a:schemeClr val="accent1"/>
-            </a:effectRef>
-            <a:fontRef idx="minor">
-              <a:schemeClr val="lt1"/>
-            </a:fontRef>
-          </p:style>
-          <p:txBody>
-            <a:bodyPr rtlCol="0" anchor="ctr"/>
-            <a:lstStyle/>
-            <a:p>
-              <a:pPr algn="ctr"/>
-              <a:endParaRPr lang="en-US" dirty="0"/>
-            </a:p>
-          </p:txBody>
-        </p:sp>
-      </p:grpSp>
-      <p:sp>
-        <p:nvSpPr>
-          <p:cNvPr id="15" name="Footer Placeholder 5">
-            <a:extLst>
-              <a:ext uri="{FF2B5EF4-FFF2-40B4-BE49-F238E27FC236}">
-                <a16:creationId xmlns:a16="http://schemas.microsoft.com/office/drawing/2014/main" id="{C45DE2A0-951D-40CE-8CDC-F56DBCBDF280}"/>
-              </a:ext>
-            </a:extLst>
-          </p:cNvPr>
-          <p:cNvSpPr>
-            <a:spLocks noGrp="1"/>
-          </p:cNvSpPr>
-          <p:nvPr>
-            <p:ph type="ftr" sz="quarter" idx="11"/>
-          </p:nvPr>
-        </p:nvSpPr>
-        <p:spPr>
-          <a:xfrm>
-            <a:off x="643467" y="6353703"/>
-            <a:ext cx="10905065" cy="365125"/>
-          </a:xfrm>
-        </p:spPr>
-        <p:txBody>
-          <a:bodyPr/>
-          <a:lstStyle/>
-          <a:p>
-            <a:endParaRPr lang="en-US" sz="1200" dirty="0"/>
-          </a:p>
-        </p:txBody>
-      </p:sp>
-      <p:pic>
-        <p:nvPicPr>
-          <p:cNvPr id="4" name="Picture 3">
-            <a:extLst>
-              <a:ext uri="{FF2B5EF4-FFF2-40B4-BE49-F238E27FC236}">
-                <a16:creationId xmlns:a16="http://schemas.microsoft.com/office/drawing/2014/main" id="{B96E3100-1B38-42C1-A4D8-CEBBDD1CD6CE}"/>
-              </a:ext>
-            </a:extLst>
-          </p:cNvPr>
-          <p:cNvPicPr>
-            <a:picLocks noChangeAspect="1"/>
-          </p:cNvPicPr>
-          <p:nvPr/>
-        </p:nvPicPr>
-        <p:blipFill>
-          <a:blip r:embed="rId2"/>
-          <a:stretch>
-            <a:fillRect/>
-          </a:stretch>
-        </p:blipFill>
-        <p:spPr>
-          <a:xfrm>
-            <a:off x="4476750" y="1238250"/>
-            <a:ext cx="7715250" cy="5115452"/>
+            <a:off x="4552282" y="1445958"/>
+            <a:ext cx="7468979" cy="4672509"/>
           </a:xfrm>
           <a:prstGeom prst="rect">
             <a:avLst/>
